--- a/beginner/2.globalview.pptx
+++ b/beginner/2.globalview.pptx
@@ -123,7 +123,7 @@
   </p:defaultTextStyle>
   <p:extLst>
     <p:ext uri="{EFAFB233-063F-42B5-8137-9DF3F51BA10A}">
-      <p15:sldGuideLst xmlns:p15="http://schemas.microsoft.com/office/powerpoint/2012/main" xmlns="">
+      <p15:sldGuideLst xmlns="" xmlns:p15="http://schemas.microsoft.com/office/powerpoint/2012/main">
         <p15:guide id="1" orient="horz" pos="2160">
           <p15:clr>
             <a:srgbClr val="A4A3A4"/>
@@ -222,7 +222,7 @@
           <a:p>
             <a:fld id="{9D9F3792-36B7-4A04-83E2-13BBDD001DB5}" type="datetimeFigureOut">
               <a:rPr kumimoji="1" lang="ja-JP" altLang="en-US" smtClean="0"/>
-              <a:t>2015/12/09</a:t>
+              <a:t>16/02/18</a:t>
             </a:fld>
             <a:endParaRPr kumimoji="1" lang="ja-JP" altLang="en-US"/>
           </a:p>
@@ -1180,7 +1180,7 @@
           <a:p>
             <a:fld id="{C9E39C6A-ADE5-42B3-A51E-B44B71F41A46}" type="datetime1">
               <a:rPr kumimoji="1" lang="ja-JP" altLang="en-US" smtClean="0"/>
-              <a:t>2015/12/09</a:t>
+              <a:t>16/02/18</a:t>
             </a:fld>
             <a:endParaRPr kumimoji="1" lang="ja-JP" altLang="en-US"/>
           </a:p>
@@ -1395,7 +1395,7 @@
           <a:p>
             <a:fld id="{E2FF1C75-39A9-4B55-AA0E-A04F76609FEC}" type="datetime1">
               <a:rPr kumimoji="1" lang="ja-JP" altLang="en-US" smtClean="0"/>
-              <a:t>2015/12/09</a:t>
+              <a:t>16/02/18</a:t>
             </a:fld>
             <a:endParaRPr kumimoji="1" lang="ja-JP" altLang="en-US"/>
           </a:p>
@@ -1602,7 +1602,7 @@
           <a:p>
             <a:fld id="{6C7420C8-9F9C-427D-8C8D-23BC1D931E8B}" type="datetime1">
               <a:rPr kumimoji="1" lang="ja-JP" altLang="en-US" smtClean="0"/>
-              <a:t>2015/12/09</a:t>
+              <a:t>16/02/18</a:t>
             </a:fld>
             <a:endParaRPr kumimoji="1" lang="ja-JP" altLang="en-US"/>
           </a:p>
@@ -1799,7 +1799,7 @@
           <a:p>
             <a:fld id="{DD9E43AA-EA5F-4334-8D62-1750B077EBF2}" type="datetime1">
               <a:rPr kumimoji="1" lang="ja-JP" altLang="en-US" smtClean="0"/>
-              <a:t>2015/12/09</a:t>
+              <a:t>16/02/18</a:t>
             </a:fld>
             <a:endParaRPr kumimoji="1" lang="ja-JP" altLang="en-US"/>
           </a:p>
@@ -2020,7 +2020,7 @@
           <a:p>
             <a:fld id="{6E9D669D-93AF-4706-9431-916F853A3D6D}" type="datetime1">
               <a:rPr kumimoji="1" lang="ja-JP" altLang="en-US" smtClean="0"/>
-              <a:t>2015/12/09</a:t>
+              <a:t>16/02/18</a:t>
             </a:fld>
             <a:endParaRPr kumimoji="1" lang="ja-JP" altLang="en-US"/>
           </a:p>
@@ -2343,7 +2343,7 @@
           <a:p>
             <a:fld id="{257565E8-D450-4248-9EF3-E024576233E1}" type="datetime1">
               <a:rPr kumimoji="1" lang="ja-JP" altLang="en-US" smtClean="0"/>
-              <a:t>2015/12/09</a:t>
+              <a:t>16/02/18</a:t>
             </a:fld>
             <a:endParaRPr kumimoji="1" lang="ja-JP" altLang="en-US"/>
           </a:p>
@@ -2811,7 +2811,7 @@
           <a:p>
             <a:fld id="{37041310-2D68-4F8B-986C-6484DF0ED96D}" type="datetime1">
               <a:rPr kumimoji="1" lang="ja-JP" altLang="en-US" smtClean="0"/>
-              <a:t>2015/12/09</a:t>
+              <a:t>16/02/18</a:t>
             </a:fld>
             <a:endParaRPr kumimoji="1" lang="ja-JP" altLang="en-US"/>
           </a:p>
@@ -2942,7 +2942,7 @@
           <a:p>
             <a:fld id="{EC51245F-AAC0-4C27-926D-4DB7D4D3BF2E}" type="datetime1">
               <a:rPr kumimoji="1" lang="ja-JP" altLang="en-US" smtClean="0"/>
-              <a:t>2015/12/09</a:t>
+              <a:t>16/02/18</a:t>
             </a:fld>
             <a:endParaRPr kumimoji="1" lang="ja-JP" altLang="en-US"/>
           </a:p>
@@ -3042,7 +3042,7 @@
           <a:p>
             <a:fld id="{E71826CA-A145-410F-8AB6-43D69965D7D5}" type="datetime1">
               <a:rPr kumimoji="1" lang="ja-JP" altLang="en-US" smtClean="0"/>
-              <a:t>2015/12/09</a:t>
+              <a:t>16/02/18</a:t>
             </a:fld>
             <a:endParaRPr kumimoji="1" lang="ja-JP" altLang="en-US"/>
           </a:p>
@@ -3319,7 +3319,7 @@
           <a:p>
             <a:fld id="{D2A8A9D4-295E-43A7-9FCA-9BAFD307A619}" type="datetime1">
               <a:rPr kumimoji="1" lang="ja-JP" altLang="en-US" smtClean="0"/>
-              <a:t>2015/12/09</a:t>
+              <a:t>16/02/18</a:t>
             </a:fld>
             <a:endParaRPr kumimoji="1" lang="ja-JP" altLang="en-US"/>
           </a:p>
@@ -3563,7 +3563,7 @@
           <a:p>
             <a:fld id="{76B204B7-5B84-42A6-99CE-456B0A885EFF}" type="datetime1">
               <a:rPr kumimoji="1" lang="ja-JP" altLang="en-US" smtClean="0"/>
-              <a:t>2015/12/09</a:t>
+              <a:t>16/02/18</a:t>
             </a:fld>
             <a:endParaRPr kumimoji="1" lang="ja-JP" altLang="en-US"/>
           </a:p>
@@ -4419,7 +4419,7 @@
           <a:p>
             <a:fld id="{D54FCDCB-647B-4497-9AF8-A7D87DBDB4F2}" type="datetime1">
               <a:rPr kumimoji="1" lang="ja-JP" altLang="en-US" smtClean="0"/>
-              <a:t>2015/12/09</a:t>
+              <a:t>16/02/18</a:t>
             </a:fld>
             <a:endParaRPr kumimoji="1" lang="ja-JP" altLang="en-US"/>
           </a:p>
@@ -4880,12 +4880,16 @@
               <a:t>理化学研究所　計算科学研究機構</a:t>
             </a:r>
             <a:r>
-              <a:rPr lang="en-US" altLang="ja-JP" dirty="0" smtClean="0"/>
+              <a:rPr lang="en-US" altLang="ja-JP" smtClean="0"/>
               <a:t> </a:t>
             </a:r>
             <a:r>
+              <a:rPr lang="ja-JP" altLang="en-US" smtClean="0"/>
+              <a:t>岩下</a:t>
+            </a:r>
+            <a:r>
               <a:rPr lang="ja-JP" altLang="en-US" dirty="0" smtClean="0"/>
-              <a:t>下坂健則、岩下英俊</a:t>
+              <a:t>英俊</a:t>
             </a:r>
             <a:endParaRPr kumimoji="1" lang="ja-JP" altLang="en-US" dirty="0"/>
           </a:p>
@@ -23001,17 +23005,7 @@
                 <a:latin typeface="ＭＳ ゴシック" pitchFamily="49" charset="-128"/>
                 <a:ea typeface="ＭＳ ゴシック" pitchFamily="49" charset="-128"/>
               </a:rPr>
-              <a:t> distribute </a:t>
-            </a:r>
-            <a:r>
-              <a:rPr lang="en-US" altLang="ja-JP" sz="1050" dirty="0" smtClean="0">
-                <a:solidFill>
-                  <a:srgbClr val="000090"/>
-                </a:solidFill>
-                <a:latin typeface="ＭＳ ゴシック" pitchFamily="49" charset="-128"/>
-                <a:ea typeface="ＭＳ ゴシック" pitchFamily="49" charset="-128"/>
-              </a:rPr>
-              <a:t>t(block, block) onto p</a:t>
+              <a:t> distribute t(block, block) onto p</a:t>
             </a:r>
           </a:p>
           <a:p>
@@ -23043,17 +23037,7 @@
                 <a:latin typeface="ＭＳ ゴシック" pitchFamily="49" charset="-128"/>
                 <a:ea typeface="ＭＳ ゴシック" pitchFamily="49" charset="-128"/>
               </a:rPr>
-              <a:t> align </a:t>
-            </a:r>
-            <a:r>
-              <a:rPr lang="en-US" altLang="ja-JP" sz="1050" dirty="0" smtClean="0">
-                <a:solidFill>
-                  <a:srgbClr val="FF0000"/>
-                </a:solidFill>
-                <a:latin typeface="ＭＳ ゴシック" pitchFamily="49" charset="-128"/>
-                <a:ea typeface="ＭＳ ゴシック" pitchFamily="49" charset="-128"/>
-              </a:rPr>
-              <a:t>u[j][</a:t>
+              <a:t> align u[j][</a:t>
             </a:r>
             <a:r>
               <a:rPr lang="en-US" altLang="ja-JP" sz="1050" dirty="0" err="1" smtClean="0">
@@ -26875,31 +26859,7 @@
                 <a:ea typeface="ＭＳ ゴシック"/>
                 <a:cs typeface="ＭＳ ゴシック"/>
               </a:rPr>
-              <a:t>プログラム</a:t>
-            </a:r>
-            <a:r>
-              <a:rPr lang="ja-JP" altLang="en-US" sz="2200" dirty="0" smtClean="0">
-                <a:latin typeface="ＭＳ ゴシック"/>
-                <a:ea typeface="ＭＳ ゴシック"/>
-                <a:cs typeface="ＭＳ ゴシック"/>
-              </a:rPr>
-              <a:t>をコンパイル</a:t>
-            </a:r>
-            <a:r>
-              <a:rPr lang="ja-JP" altLang="en-US" sz="2200" dirty="0" smtClean="0">
-                <a:latin typeface="ＭＳ ゴシック"/>
-                <a:ea typeface="ＭＳ ゴシック"/>
-                <a:cs typeface="ＭＳ ゴシック"/>
-              </a:rPr>
-              <a:t>せよ</a:t>
-            </a:r>
-            <a:r>
-              <a:rPr lang="ja-JP" altLang="en-US" sz="2200" dirty="0" smtClean="0">
-                <a:latin typeface="ＭＳ ゴシック"/>
-                <a:ea typeface="ＭＳ ゴシック"/>
-                <a:cs typeface="ＭＳ ゴシック"/>
-              </a:rPr>
-              <a:t>。</a:t>
+              <a:t>プログラムをコンパイルせよ。</a:t>
             </a:r>
             <a:r>
               <a:rPr lang="en-US" altLang="ja-JP" sz="2200" dirty="0" smtClean="0">
@@ -27077,23 +27037,7 @@
                 <a:ea typeface="ＭＳ ゴシック"/>
                 <a:cs typeface="ＭＳ ゴシック"/>
               </a:rPr>
-              <a:t>ノードで</a:t>
-            </a:r>
-            <a:r>
-              <a:rPr lang="ja-JP" altLang="en-US" sz="2200" dirty="0" smtClean="0">
-                <a:latin typeface="ＭＳ ゴシック"/>
-                <a:ea typeface="ＭＳ ゴシック"/>
-                <a:cs typeface="ＭＳ ゴシック"/>
-              </a:rPr>
-              <a:t>実行</a:t>
-            </a:r>
-            <a:r>
-              <a:rPr lang="ja-JP" altLang="en-US" sz="2200" dirty="0" smtClean="0">
-                <a:latin typeface="ＭＳ ゴシック"/>
-                <a:ea typeface="ＭＳ ゴシック"/>
-                <a:cs typeface="ＭＳ ゴシック"/>
-              </a:rPr>
-              <a:t>せよ。何が起こるか？</a:t>
+              <a:t>ノードで実行せよ。何が起こるか？</a:t>
             </a:r>
             <a:r>
               <a:rPr lang="en-US" altLang="ja-JP" sz="2200" dirty="0" smtClean="0">

--- a/beginner/2.globalview.pptx
+++ b/beginner/2.globalview.pptx
@@ -14,15 +14,15 @@
     <p:sldId id="260" r:id="rId5"/>
     <p:sldId id="279" r:id="rId6"/>
     <p:sldId id="276" r:id="rId7"/>
-    <p:sldId id="278" r:id="rId8"/>
-    <p:sldId id="263" r:id="rId9"/>
-    <p:sldId id="261" r:id="rId10"/>
-    <p:sldId id="271" r:id="rId11"/>
-    <p:sldId id="270" r:id="rId12"/>
-    <p:sldId id="269" r:id="rId13"/>
-    <p:sldId id="262" r:id="rId14"/>
-    <p:sldId id="266" r:id="rId15"/>
-    <p:sldId id="281" r:id="rId16"/>
+    <p:sldId id="282" r:id="rId8"/>
+    <p:sldId id="278" r:id="rId9"/>
+    <p:sldId id="263" r:id="rId10"/>
+    <p:sldId id="261" r:id="rId11"/>
+    <p:sldId id="271" r:id="rId12"/>
+    <p:sldId id="270" r:id="rId13"/>
+    <p:sldId id="269" r:id="rId14"/>
+    <p:sldId id="262" r:id="rId15"/>
+    <p:sldId id="266" r:id="rId16"/>
   </p:sldIdLst>
   <p:sldSz cx="9144000" cy="6858000" type="screen4x3"/>
   <p:notesSz cx="7099300" cy="10234613"/>
@@ -123,7 +123,7 @@
   </p:defaultTextStyle>
   <p:extLst>
     <p:ext uri="{EFAFB233-063F-42B5-8137-9DF3F51BA10A}">
-      <p15:sldGuideLst xmlns="" xmlns:p15="http://schemas.microsoft.com/office/powerpoint/2012/main">
+      <p15:sldGuideLst xmlns:p15="http://schemas.microsoft.com/office/powerpoint/2012/main" xmlns="">
         <p15:guide id="1" orient="horz" pos="2160">
           <p15:clr>
             <a:srgbClr val="A4A3A4"/>
@@ -4880,16 +4880,20 @@
               <a:t>理化学研究所　計算科学研究機構</a:t>
             </a:r>
             <a:r>
-              <a:rPr lang="en-US" altLang="ja-JP" smtClean="0"/>
+              <a:rPr lang="en-US" altLang="ja-JP" dirty="0" smtClean="0"/>
               <a:t> </a:t>
             </a:r>
             <a:r>
-              <a:rPr lang="ja-JP" altLang="en-US" smtClean="0"/>
+              <a:rPr lang="ja-JP" altLang="en-US" dirty="0" smtClean="0"/>
               <a:t>岩下</a:t>
             </a:r>
             <a:r>
               <a:rPr lang="ja-JP" altLang="en-US" dirty="0" smtClean="0"/>
               <a:t>英俊</a:t>
+            </a:r>
+            <a:r>
+              <a:rPr lang="ja-JP" altLang="en-US" dirty="0" smtClean="0"/>
+              <a:t>、中尾昌広</a:t>
             </a:r>
             <a:endParaRPr kumimoji="1" lang="ja-JP" altLang="en-US" dirty="0"/>
           </a:p>
@@ -4942,6 +4946,436 @@
             <p:ph type="title"/>
           </p:nvPr>
         </p:nvSpPr>
+        <p:spPr>
+          <a:xfrm>
+            <a:off x="457200" y="836712"/>
+            <a:ext cx="8229600" cy="1066800"/>
+          </a:xfrm>
+        </p:spPr>
+        <p:txBody>
+          <a:bodyPr>
+            <a:normAutofit/>
+          </a:bodyPr>
+          <a:lstStyle/>
+          <a:p>
+            <a:r>
+              <a:rPr kumimoji="1" lang="ja-JP" altLang="en-US" dirty="0" smtClean="0"/>
+              <a:t>逐次コンパイルと実行</a:t>
+            </a:r>
+            <a:endParaRPr kumimoji="1" lang="ja-JP" altLang="en-US" dirty="0"/>
+          </a:p>
+        </p:txBody>
+      </p:sp>
+      <p:sp>
+        <p:nvSpPr>
+          <p:cNvPr id="3" name="コンテンツ プレースホルダー 2"/>
+          <p:cNvSpPr>
+            <a:spLocks noGrp="1"/>
+          </p:cNvSpPr>
+          <p:nvPr>
+            <p:ph idx="1"/>
+          </p:nvPr>
+        </p:nvSpPr>
+        <p:spPr>
+          <a:xfrm>
+            <a:off x="395536" y="2276872"/>
+            <a:ext cx="8435280" cy="2808312"/>
+          </a:xfrm>
+        </p:spPr>
+        <p:txBody>
+          <a:bodyPr>
+            <a:noAutofit/>
+          </a:bodyPr>
+          <a:lstStyle/>
+          <a:p>
+            <a:pPr>
+              <a:buFont typeface="Arial" pitchFamily="34" charset="0"/>
+              <a:buChar char="•"/>
+            </a:pPr>
+            <a:r>
+              <a:rPr lang="en-US" altLang="ja-JP" sz="2000" dirty="0" err="1" smtClean="0">
+                <a:solidFill>
+                  <a:srgbClr val="000000"/>
+                </a:solidFill>
+                <a:latin typeface="ＭＳ ゴシック" pitchFamily="49" charset="-128"/>
+                <a:ea typeface="ＭＳ ゴシック" pitchFamily="49" charset="-128"/>
+              </a:rPr>
+              <a:t>laplace.c</a:t>
+            </a:r>
+            <a:r>
+              <a:rPr lang="ja-JP" altLang="en-US" sz="2000" dirty="0" smtClean="0">
+                <a:solidFill>
+                  <a:srgbClr val="000000"/>
+                </a:solidFill>
+                <a:latin typeface="ＭＳ ゴシック" pitchFamily="49" charset="-128"/>
+                <a:ea typeface="ＭＳ ゴシック" pitchFamily="49" charset="-128"/>
+              </a:rPr>
+              <a:t>または</a:t>
+            </a:r>
+            <a:r>
+              <a:rPr lang="en-US" altLang="ja-JP" sz="2000" dirty="0" smtClean="0">
+                <a:solidFill>
+                  <a:srgbClr val="000000"/>
+                </a:solidFill>
+                <a:latin typeface="ＭＳ ゴシック" pitchFamily="49" charset="-128"/>
+                <a:ea typeface="ＭＳ ゴシック" pitchFamily="49" charset="-128"/>
+              </a:rPr>
+              <a:t>laplace.f90</a:t>
+            </a:r>
+            <a:r>
+              <a:rPr lang="ja-JP" altLang="en-US" sz="2000" dirty="0" smtClean="0">
+                <a:solidFill>
+                  <a:srgbClr val="000000"/>
+                </a:solidFill>
+                <a:latin typeface="ＭＳ ゴシック" pitchFamily="49" charset="-128"/>
+                <a:ea typeface="ＭＳ ゴシック" pitchFamily="49" charset="-128"/>
+              </a:rPr>
+              <a:t>を</a:t>
+            </a:r>
+            <a:r>
+              <a:rPr lang="ja-JP" altLang="en-US" sz="2000" dirty="0" smtClean="0">
+                <a:solidFill>
+                  <a:srgbClr val="000000"/>
+                </a:solidFill>
+                <a:latin typeface="ＭＳ ゴシック" pitchFamily="49" charset="-128"/>
+                <a:ea typeface="ＭＳ ゴシック" pitchFamily="49" charset="-128"/>
+              </a:rPr>
+              <a:t>コンパイル</a:t>
+            </a:r>
+            <a:r>
+              <a:rPr lang="ja-JP" altLang="en-US" sz="2000" dirty="0" smtClean="0">
+                <a:solidFill>
+                  <a:srgbClr val="000000"/>
+                </a:solidFill>
+                <a:latin typeface="ＭＳ ゴシック" pitchFamily="49" charset="-128"/>
+                <a:ea typeface="ＭＳ ゴシック" pitchFamily="49" charset="-128"/>
+              </a:rPr>
+              <a:t>する。</a:t>
+            </a:r>
+            <a:endParaRPr lang="en-US" altLang="ja-JP" sz="2000" dirty="0" smtClean="0">
+              <a:solidFill>
+                <a:srgbClr val="000000"/>
+              </a:solidFill>
+              <a:latin typeface="ＭＳ ゴシック" pitchFamily="49" charset="-128"/>
+              <a:ea typeface="ＭＳ ゴシック" pitchFamily="49" charset="-128"/>
+            </a:endParaRPr>
+          </a:p>
+          <a:p>
+            <a:pPr lvl="1">
+              <a:buFont typeface="Arial" pitchFamily="34" charset="0"/>
+              <a:buChar char="•"/>
+            </a:pPr>
+            <a:r>
+              <a:rPr lang="en-US" altLang="ja-JP" sz="2000" dirty="0" err="1">
+                <a:solidFill>
+                  <a:srgbClr val="000000"/>
+                </a:solidFill>
+                <a:latin typeface="ＭＳ ゴシック" pitchFamily="49" charset="-128"/>
+                <a:ea typeface="ＭＳ ゴシック" pitchFamily="49" charset="-128"/>
+              </a:rPr>
+              <a:t>g</a:t>
+            </a:r>
+            <a:r>
+              <a:rPr lang="en-US" altLang="ja-JP" sz="2000" dirty="0" err="1" smtClean="0">
+                <a:solidFill>
+                  <a:srgbClr val="000000"/>
+                </a:solidFill>
+                <a:latin typeface="ＭＳ ゴシック" pitchFamily="49" charset="-128"/>
+                <a:ea typeface="ＭＳ ゴシック" pitchFamily="49" charset="-128"/>
+              </a:rPr>
+              <a:t>cc</a:t>
+            </a:r>
+            <a:r>
+              <a:rPr lang="en-US" altLang="ja-JP" sz="2000" dirty="0" smtClean="0">
+                <a:solidFill>
+                  <a:srgbClr val="000000"/>
+                </a:solidFill>
+                <a:latin typeface="ＭＳ ゴシック" pitchFamily="49" charset="-128"/>
+                <a:ea typeface="ＭＳ ゴシック" pitchFamily="49" charset="-128"/>
+              </a:rPr>
+              <a:t> </a:t>
+            </a:r>
+            <a:r>
+              <a:rPr lang="en-US" altLang="ja-JP" sz="2000" dirty="0" err="1" smtClean="0">
+                <a:solidFill>
+                  <a:srgbClr val="000000"/>
+                </a:solidFill>
+                <a:latin typeface="ＭＳ ゴシック" pitchFamily="49" charset="-128"/>
+                <a:ea typeface="ＭＳ ゴシック" pitchFamily="49" charset="-128"/>
+              </a:rPr>
+              <a:t>laplace.c</a:t>
+            </a:r>
+            <a:r>
+              <a:rPr lang="en-US" altLang="ja-JP" sz="2000" dirty="0" smtClean="0">
+                <a:solidFill>
+                  <a:srgbClr val="000000"/>
+                </a:solidFill>
+                <a:latin typeface="ＭＳ ゴシック" pitchFamily="49" charset="-128"/>
+                <a:ea typeface="ＭＳ ゴシック" pitchFamily="49" charset="-128"/>
+              </a:rPr>
+              <a:t>  or </a:t>
+            </a:r>
+            <a:r>
+              <a:rPr lang="en-US" altLang="ja-JP" sz="2000" dirty="0" err="1" smtClean="0">
+                <a:solidFill>
+                  <a:srgbClr val="000000"/>
+                </a:solidFill>
+                <a:latin typeface="ＭＳ ゴシック" pitchFamily="49" charset="-128"/>
+                <a:ea typeface="ＭＳ ゴシック" pitchFamily="49" charset="-128"/>
+              </a:rPr>
+              <a:t>gfortran</a:t>
+            </a:r>
+            <a:r>
+              <a:rPr lang="en-US" altLang="ja-JP" sz="2000" dirty="0" smtClean="0">
+                <a:solidFill>
+                  <a:srgbClr val="000000"/>
+                </a:solidFill>
+                <a:latin typeface="ＭＳ ゴシック" pitchFamily="49" charset="-128"/>
+                <a:ea typeface="ＭＳ ゴシック" pitchFamily="49" charset="-128"/>
+              </a:rPr>
+              <a:t> laplace.f90</a:t>
+            </a:r>
+            <a:endParaRPr lang="en-US" altLang="ja-JP" sz="2000" dirty="0">
+              <a:solidFill>
+                <a:srgbClr val="000000"/>
+              </a:solidFill>
+              <a:latin typeface="ＭＳ ゴシック" pitchFamily="49" charset="-128"/>
+              <a:ea typeface="ＭＳ ゴシック" pitchFamily="49" charset="-128"/>
+            </a:endParaRPr>
+          </a:p>
+          <a:p>
+            <a:pPr>
+              <a:buFont typeface="Arial" pitchFamily="34" charset="0"/>
+              <a:buChar char="•"/>
+            </a:pPr>
+            <a:endParaRPr lang="en-US" altLang="ja-JP" sz="2000" dirty="0" smtClean="0">
+              <a:solidFill>
+                <a:srgbClr val="000000"/>
+              </a:solidFill>
+              <a:latin typeface="ＭＳ ゴシック" pitchFamily="49" charset="-128"/>
+              <a:ea typeface="ＭＳ ゴシック" pitchFamily="49" charset="-128"/>
+            </a:endParaRPr>
+          </a:p>
+          <a:p>
+            <a:pPr>
+              <a:buFont typeface="Arial" pitchFamily="34" charset="0"/>
+              <a:buChar char="•"/>
+            </a:pPr>
+            <a:r>
+              <a:rPr lang="ja-JP" altLang="en-US" sz="2000" dirty="0" smtClean="0">
+                <a:solidFill>
+                  <a:srgbClr val="000000"/>
+                </a:solidFill>
+                <a:latin typeface="ＭＳ ゴシック" pitchFamily="49" charset="-128"/>
+                <a:ea typeface="ＭＳ ゴシック" pitchFamily="49" charset="-128"/>
+              </a:rPr>
+              <a:t>実行</a:t>
+            </a:r>
+            <a:r>
+              <a:rPr lang="ja-JP" altLang="en-US" sz="2000" dirty="0" smtClean="0">
+                <a:solidFill>
+                  <a:srgbClr val="000000"/>
+                </a:solidFill>
+                <a:latin typeface="ＭＳ ゴシック" pitchFamily="49" charset="-128"/>
+                <a:ea typeface="ＭＳ ゴシック" pitchFamily="49" charset="-128"/>
+              </a:rPr>
+              <a:t>する</a:t>
+            </a:r>
+            <a:endParaRPr lang="en-US" altLang="ja-JP" sz="2000" dirty="0" smtClean="0">
+              <a:solidFill>
+                <a:srgbClr val="000000"/>
+              </a:solidFill>
+              <a:latin typeface="ＭＳ ゴシック" pitchFamily="49" charset="-128"/>
+              <a:ea typeface="ＭＳ ゴシック" pitchFamily="49" charset="-128"/>
+            </a:endParaRPr>
+          </a:p>
+          <a:p>
+            <a:pPr lvl="1">
+              <a:buFont typeface="Arial" pitchFamily="34" charset="0"/>
+              <a:buChar char="•"/>
+            </a:pPr>
+            <a:r>
+              <a:rPr lang="en-US" altLang="ja-JP" sz="2000" dirty="0" smtClean="0">
+                <a:solidFill>
+                  <a:srgbClr val="000000"/>
+                </a:solidFill>
+                <a:latin typeface="ＭＳ ゴシック" pitchFamily="49" charset="-128"/>
+                <a:ea typeface="ＭＳ ゴシック" pitchFamily="49" charset="-128"/>
+              </a:rPr>
+              <a:t>./</a:t>
+            </a:r>
+            <a:r>
+              <a:rPr lang="en-US" altLang="ja-JP" sz="2000" dirty="0" err="1" smtClean="0">
+                <a:solidFill>
+                  <a:srgbClr val="000000"/>
+                </a:solidFill>
+                <a:latin typeface="ＭＳ ゴシック" pitchFamily="49" charset="-128"/>
+                <a:ea typeface="ＭＳ ゴシック" pitchFamily="49" charset="-128"/>
+              </a:rPr>
+              <a:t>a.out</a:t>
+            </a:r>
+            <a:endParaRPr lang="en-US" altLang="ja-JP" sz="2000" dirty="0">
+              <a:solidFill>
+                <a:srgbClr val="000000"/>
+              </a:solidFill>
+            </a:endParaRPr>
+          </a:p>
+          <a:p>
+            <a:pPr>
+              <a:buFont typeface="Arial" pitchFamily="34" charset="0"/>
+              <a:buChar char="•"/>
+            </a:pPr>
+            <a:endParaRPr lang="en-US" altLang="ja-JP" sz="2000" dirty="0" smtClean="0">
+              <a:solidFill>
+                <a:srgbClr val="000000"/>
+              </a:solidFill>
+              <a:latin typeface="ＭＳ ゴシック" pitchFamily="49" charset="-128"/>
+              <a:ea typeface="ＭＳ ゴシック" pitchFamily="49" charset="-128"/>
+            </a:endParaRPr>
+          </a:p>
+          <a:p>
+            <a:pPr>
+              <a:buFont typeface="Arial" pitchFamily="34" charset="0"/>
+              <a:buChar char="•"/>
+            </a:pPr>
+            <a:r>
+              <a:rPr lang="ja-JP" altLang="en-US" sz="2000" dirty="0" smtClean="0">
+                <a:solidFill>
+                  <a:srgbClr val="000000"/>
+                </a:solidFill>
+                <a:latin typeface="ＭＳ ゴシック" pitchFamily="49" charset="-128"/>
+                <a:ea typeface="ＭＳ ゴシック" pitchFamily="49" charset="-128"/>
+              </a:rPr>
+              <a:t>検証値</a:t>
+            </a:r>
+            <a:r>
+              <a:rPr lang="en-US" altLang="ja-JP" sz="2000" dirty="0">
+                <a:solidFill>
+                  <a:srgbClr val="000000"/>
+                </a:solidFill>
+                <a:latin typeface="ＭＳ ゴシック" pitchFamily="49" charset="-128"/>
+                <a:ea typeface="ＭＳ ゴシック" pitchFamily="49" charset="-128"/>
+              </a:rPr>
+              <a:t>(Verification)</a:t>
+            </a:r>
+            <a:r>
+              <a:rPr lang="ja-JP" altLang="en-US" sz="2000" dirty="0">
+                <a:solidFill>
+                  <a:srgbClr val="000000"/>
+                </a:solidFill>
+                <a:latin typeface="ＭＳ ゴシック" pitchFamily="49" charset="-128"/>
+                <a:ea typeface="ＭＳ ゴシック" pitchFamily="49" charset="-128"/>
+              </a:rPr>
+              <a:t>が以下の値であることを確認せよ。</a:t>
+            </a:r>
+            <a:endParaRPr lang="en-US" altLang="ja-JP" sz="2000" dirty="0">
+              <a:solidFill>
+                <a:srgbClr val="000000"/>
+              </a:solidFill>
+              <a:latin typeface="ＭＳ ゴシック" pitchFamily="49" charset="-128"/>
+              <a:ea typeface="ＭＳ ゴシック" pitchFamily="49" charset="-128"/>
+            </a:endParaRPr>
+          </a:p>
+          <a:p>
+            <a:pPr>
+              <a:buFont typeface="Arial" pitchFamily="34" charset="0"/>
+              <a:buChar char="•"/>
+            </a:pPr>
+            <a:endParaRPr lang="en-US" altLang="ja-JP" sz="2000" dirty="0">
+              <a:solidFill>
+                <a:srgbClr val="000000"/>
+              </a:solidFill>
+              <a:latin typeface="ＭＳ ゴシック" pitchFamily="49" charset="-128"/>
+              <a:ea typeface="ＭＳ ゴシック" pitchFamily="49" charset="-128"/>
+            </a:endParaRPr>
+          </a:p>
+          <a:p>
+            <a:pPr marL="704088" lvl="2" indent="0">
+              <a:buNone/>
+            </a:pPr>
+            <a:r>
+              <a:rPr lang="en-US" altLang="ja-JP" sz="2000" dirty="0" smtClean="0">
+                <a:solidFill>
+                  <a:srgbClr val="000000"/>
+                </a:solidFill>
+                <a:latin typeface="ＭＳ ゴシック" pitchFamily="49" charset="-128"/>
+                <a:ea typeface="ＭＳ ゴシック" pitchFamily="49" charset="-128"/>
+              </a:rPr>
+              <a:t>5.548855...</a:t>
+            </a:r>
+          </a:p>
+        </p:txBody>
+      </p:sp>
+      <p:sp>
+        <p:nvSpPr>
+          <p:cNvPr id="5" name="スライド番号プレースホルダー 4"/>
+          <p:cNvSpPr>
+            <a:spLocks noGrp="1"/>
+          </p:cNvSpPr>
+          <p:nvPr>
+            <p:ph type="sldNum" sz="quarter" idx="12"/>
+          </p:nvPr>
+        </p:nvSpPr>
+        <p:spPr/>
+        <p:txBody>
+          <a:bodyPr/>
+          <a:lstStyle/>
+          <a:p>
+            <a:fld id="{B0A0D984-B00D-46F6-871F-5154A69C1919}" type="slidenum">
+              <a:rPr kumimoji="1" lang="ja-JP" altLang="en-US" smtClean="0"/>
+              <a:t>10</a:t>
+            </a:fld>
+            <a:endParaRPr kumimoji="1" lang="ja-JP" altLang="en-US"/>
+          </a:p>
+        </p:txBody>
+      </p:sp>
+    </p:spTree>
+    <p:extLst>
+      <p:ext uri="{BB962C8B-B14F-4D97-AF65-F5344CB8AC3E}">
+        <p14:creationId xmlns:p14="http://schemas.microsoft.com/office/powerpoint/2010/main" val="3262107428"/>
+      </p:ext>
+    </p:extLst>
+  </p:cSld>
+  <p:clrMapOvr>
+    <a:masterClrMapping/>
+  </p:clrMapOvr>
+  <p:timing>
+    <p:tnLst>
+      <p:par>
+        <p:cTn xmlns:p14="http://schemas.microsoft.com/office/powerpoint/2010/main" id="1" dur="indefinite" restart="never" nodeType="tmRoot"/>
+      </p:par>
+    </p:tnLst>
+  </p:timing>
+</p:sld>
+</file>
+
+<file path=ppt/slides/slide11.xml><?xml version="1.0" encoding="utf-8"?>
+<p:sld xmlns:a="http://schemas.openxmlformats.org/drawingml/2006/main" xmlns:r="http://schemas.openxmlformats.org/officeDocument/2006/relationships" xmlns:p="http://schemas.openxmlformats.org/presentationml/2006/main">
+  <p:cSld>
+    <p:spTree>
+      <p:nvGrpSpPr>
+        <p:cNvPr id="1" name=""/>
+        <p:cNvGrpSpPr/>
+        <p:nvPr/>
+      </p:nvGrpSpPr>
+      <p:grpSpPr>
+        <a:xfrm>
+          <a:off x="0" y="0"/>
+          <a:ext cx="0" cy="0"/>
+          <a:chOff x="0" y="0"/>
+          <a:chExt cx="0" cy="0"/>
+        </a:xfrm>
+      </p:grpSpPr>
+      <p:sp>
+        <p:nvSpPr>
+          <p:cNvPr id="2" name="タイトル 1"/>
+          <p:cNvSpPr>
+            <a:spLocks noGrp="1"/>
+          </p:cNvSpPr>
+          <p:nvPr>
+            <p:ph type="title"/>
+          </p:nvPr>
+        </p:nvSpPr>
         <p:spPr/>
         <p:txBody>
           <a:bodyPr>
@@ -5148,25 +5582,44 @@
               <a:buAutoNum type="arabicPeriod"/>
             </a:pPr>
             <a:r>
-              <a:rPr lang="ja-JP" altLang="en-US" sz="2400" dirty="0" smtClean="0"/>
+              <a:rPr lang="ja-JP" altLang="en-US" sz="2400" dirty="0" smtClean="0">
+                <a:solidFill>
+                  <a:srgbClr val="000000"/>
+                </a:solidFill>
+              </a:rPr>
               <a:t>ループインデックスが完全に揃っている場合</a:t>
             </a:r>
-            <a:endParaRPr lang="en-US" altLang="ja-JP" sz="2400" dirty="0"/>
+            <a:endParaRPr lang="en-US" altLang="ja-JP" sz="2400" dirty="0">
+              <a:solidFill>
+                <a:srgbClr val="000000"/>
+              </a:solidFill>
+            </a:endParaRPr>
           </a:p>
           <a:p>
             <a:pPr marL="923544" lvl="3" indent="0">
               <a:buNone/>
             </a:pPr>
             <a:r>
-              <a:rPr lang="en-US" altLang="ja-JP" sz="1800" dirty="0" smtClean="0"/>
+              <a:rPr lang="en-US" altLang="ja-JP" sz="1800" dirty="0" smtClean="0">
+                <a:solidFill>
+                  <a:srgbClr val="000000"/>
+                </a:solidFill>
+              </a:rPr>
               <a:t>[</a:t>
             </a:r>
             <a:r>
-              <a:rPr lang="en-US" altLang="ja-JP" sz="1800" dirty="0"/>
+              <a:rPr lang="en-US" altLang="ja-JP" sz="1800" dirty="0">
+                <a:solidFill>
+                  <a:srgbClr val="000000"/>
+                </a:solidFill>
+              </a:rPr>
               <a:t>C]  </a:t>
             </a:r>
             <a:r>
               <a:rPr lang="en-US" altLang="ja-JP" sz="1800" dirty="0">
+                <a:solidFill>
+                  <a:srgbClr val="000000"/>
+                </a:solidFill>
                 <a:latin typeface="ＭＳ ゴシック"/>
                 <a:ea typeface="ＭＳ ゴシック"/>
                 <a:cs typeface="ＭＳ ゴシック"/>
@@ -5175,6 +5628,9 @@
             </a:r>
             <a:r>
               <a:rPr lang="en-US" altLang="ja-JP" sz="1800" dirty="0" err="1">
+                <a:solidFill>
+                  <a:srgbClr val="000000"/>
+                </a:solidFill>
                 <a:latin typeface="ＭＳ ゴシック"/>
                 <a:ea typeface="ＭＳ ゴシック"/>
                 <a:cs typeface="ＭＳ ゴシック"/>
@@ -5183,6 +5639,9 @@
             </a:r>
             <a:r>
               <a:rPr lang="en-US" altLang="ja-JP" sz="1800" dirty="0">
+                <a:solidFill>
+                  <a:srgbClr val="000000"/>
+                </a:solidFill>
                 <a:latin typeface="ＭＳ ゴシック"/>
                 <a:ea typeface="ＭＳ ゴシック"/>
                 <a:cs typeface="ＭＳ ゴシック"/>
@@ -5191,6 +5650,9 @@
             </a:r>
             <a:r>
               <a:rPr lang="en-US" altLang="ja-JP" sz="1800" dirty="0" err="1">
+                <a:solidFill>
+                  <a:srgbClr val="000000"/>
+                </a:solidFill>
                 <a:latin typeface="ＭＳ ゴシック"/>
                 <a:ea typeface="ＭＳ ゴシック"/>
                 <a:cs typeface="ＭＳ ゴシック"/>
@@ -5199,6 +5661,9 @@
             </a:r>
             <a:r>
               <a:rPr lang="en-US" altLang="ja-JP" sz="1800" dirty="0">
+                <a:solidFill>
+                  <a:srgbClr val="000000"/>
+                </a:solidFill>
                 <a:latin typeface="ＭＳ ゴシック"/>
                 <a:ea typeface="ＭＳ ゴシック"/>
                 <a:cs typeface="ＭＳ ゴシック"/>
@@ -5207,6 +5672,9 @@
             </a:r>
             <a:r>
               <a:rPr lang="en-US" altLang="ja-JP" sz="1800" dirty="0" err="1">
+                <a:solidFill>
+                  <a:srgbClr val="000000"/>
+                </a:solidFill>
                 <a:latin typeface="ＭＳ ゴシック"/>
                 <a:ea typeface="ＭＳ ゴシック"/>
                 <a:cs typeface="ＭＳ ゴシック"/>
@@ -5215,6 +5683,9 @@
             </a:r>
             <a:r>
               <a:rPr lang="en-US" altLang="ja-JP" sz="1800" dirty="0" smtClean="0">
+                <a:solidFill>
+                  <a:srgbClr val="000000"/>
+                </a:solidFill>
                 <a:latin typeface="ＭＳ ゴシック"/>
                 <a:ea typeface="ＭＳ ゴシック"/>
                 <a:cs typeface="ＭＳ ゴシック"/>
@@ -5227,11 +5698,18 @@
               <a:buNone/>
             </a:pPr>
             <a:r>
-              <a:rPr lang="en-US" altLang="ja-JP" sz="1800" dirty="0" smtClean="0"/>
+              <a:rPr lang="en-US" altLang="ja-JP" sz="1800" dirty="0" smtClean="0">
+                <a:solidFill>
+                  <a:srgbClr val="000000"/>
+                </a:solidFill>
+              </a:rPr>
               <a:t>[F]  </a:t>
             </a:r>
             <a:r>
               <a:rPr lang="en-US" altLang="ja-JP" sz="1800" dirty="0" smtClean="0">
+                <a:solidFill>
+                  <a:srgbClr val="000000"/>
+                </a:solidFill>
                 <a:latin typeface="ＭＳ ゴシック"/>
                 <a:ea typeface="ＭＳ ゴシック"/>
                 <a:cs typeface="ＭＳ ゴシック"/>
@@ -5240,6 +5718,9 @@
             </a:r>
             <a:r>
               <a:rPr lang="en-US" altLang="ja-JP" sz="1800" dirty="0" err="1" smtClean="0">
+                <a:solidFill>
+                  <a:srgbClr val="000000"/>
+                </a:solidFill>
                 <a:latin typeface="ＭＳ ゴシック"/>
                 <a:ea typeface="ＭＳ ゴシック"/>
                 <a:cs typeface="ＭＳ ゴシック"/>
@@ -5248,6 +5729,9 @@
             </a:r>
             <a:r>
               <a:rPr lang="en-US" altLang="ja-JP" sz="1800" dirty="0" smtClean="0">
+                <a:solidFill>
+                  <a:srgbClr val="000000"/>
+                </a:solidFill>
                 <a:latin typeface="ＭＳ ゴシック"/>
                 <a:ea typeface="ＭＳ ゴシック"/>
                 <a:cs typeface="ＭＳ ゴシック"/>
@@ -5256,6 +5740,9 @@
             </a:r>
             <a:r>
               <a:rPr lang="en-US" altLang="ja-JP" sz="1800" dirty="0" err="1" smtClean="0">
+                <a:solidFill>
+                  <a:srgbClr val="000000"/>
+                </a:solidFill>
                 <a:latin typeface="ＭＳ ゴシック"/>
                 <a:ea typeface="ＭＳ ゴシック"/>
                 <a:cs typeface="ＭＳ ゴシック"/>
@@ -5264,6 +5751,9 @@
             </a:r>
             <a:r>
               <a:rPr lang="en-US" altLang="ja-JP" sz="1800" dirty="0" smtClean="0">
+                <a:solidFill>
+                  <a:srgbClr val="000000"/>
+                </a:solidFill>
                 <a:latin typeface="ＭＳ ゴシック"/>
                 <a:ea typeface="ＭＳ ゴシック"/>
                 <a:cs typeface="ＭＳ ゴシック"/>
@@ -5272,6 +5762,9 @@
             </a:r>
             <a:r>
               <a:rPr lang="en-US" altLang="ja-JP" sz="1800" dirty="0" err="1" smtClean="0">
+                <a:solidFill>
+                  <a:srgbClr val="000000"/>
+                </a:solidFill>
                 <a:latin typeface="ＭＳ ゴシック"/>
                 <a:ea typeface="ＭＳ ゴシック"/>
                 <a:cs typeface="ＭＳ ゴシック"/>
@@ -5280,6 +5773,9 @@
             </a:r>
             <a:r>
               <a:rPr lang="en-US" altLang="ja-JP" sz="1800" dirty="0" smtClean="0">
+                <a:solidFill>
+                  <a:srgbClr val="000000"/>
+                </a:solidFill>
                 <a:latin typeface="ＭＳ ゴシック"/>
                 <a:ea typeface="ＭＳ ゴシック"/>
                 <a:cs typeface="ＭＳ ゴシック"/>
@@ -5293,23 +5789,42 @@
             </a:pPr>
             <a:r>
               <a:rPr lang="en-US" altLang="ja-JP" sz="2200" dirty="0" smtClean="0">
+                <a:solidFill>
+                  <a:srgbClr val="000000"/>
+                </a:solidFill>
                 <a:sym typeface="Wingdings" panose="05000000000000000000" pitchFamily="2" charset="2"/>
               </a:rPr>
               <a:t> </a:t>
             </a:r>
             <a:r>
-              <a:rPr lang="en-US" altLang="ja-JP" sz="2200" dirty="0" smtClean="0"/>
+              <a:rPr lang="en-US" altLang="ja-JP" sz="2200" dirty="0" smtClean="0">
+                <a:solidFill>
+                  <a:srgbClr val="000000"/>
+                </a:solidFill>
+              </a:rPr>
               <a:t>loop</a:t>
             </a:r>
             <a:r>
-              <a:rPr lang="ja-JP" altLang="en-US" sz="2200" dirty="0" smtClean="0"/>
+              <a:rPr lang="ja-JP" altLang="en-US" sz="2200" dirty="0" smtClean="0">
+                <a:solidFill>
+                  <a:srgbClr val="000000"/>
+                </a:solidFill>
+              </a:rPr>
               <a:t>指示文で並列化（課題１で紹介済）</a:t>
             </a:r>
-            <a:endParaRPr lang="en-US" altLang="ja-JP" sz="2200" dirty="0" smtClean="0"/>
+            <a:endParaRPr lang="en-US" altLang="ja-JP" sz="2200" dirty="0" smtClean="0">
+              <a:solidFill>
+                <a:srgbClr val="000000"/>
+              </a:solidFill>
+            </a:endParaRPr>
           </a:p>
           <a:p>
             <a:pPr marL="1810512" lvl="5" indent="-457200"/>
-            <a:endParaRPr lang="en-US" altLang="ja-JP" sz="1400" dirty="0" smtClean="0"/>
+            <a:endParaRPr lang="en-US" altLang="ja-JP" sz="1400" dirty="0" smtClean="0">
+              <a:solidFill>
+                <a:srgbClr val="000000"/>
+              </a:solidFill>
+            </a:endParaRPr>
           </a:p>
           <a:p>
             <a:pPr marL="566928" indent="-457200">
@@ -5317,25 +5832,44 @@
               <a:buAutoNum type="arabicPeriod"/>
             </a:pPr>
             <a:r>
-              <a:rPr lang="ja-JP" altLang="en-US" sz="2400" dirty="0" smtClean="0"/>
+              <a:rPr lang="ja-JP" altLang="en-US" sz="2400" dirty="0" smtClean="0">
+                <a:solidFill>
+                  <a:srgbClr val="000000"/>
+                </a:solidFill>
+              </a:rPr>
               <a:t>隣接する配列要素の参照がある場合</a:t>
             </a:r>
-            <a:endParaRPr lang="en-US" altLang="ja-JP" sz="2400" dirty="0"/>
+            <a:endParaRPr lang="en-US" altLang="ja-JP" sz="2400" dirty="0">
+              <a:solidFill>
+                <a:srgbClr val="000000"/>
+              </a:solidFill>
+            </a:endParaRPr>
           </a:p>
           <a:p>
             <a:pPr marL="923544" lvl="3" indent="0">
               <a:buNone/>
             </a:pPr>
             <a:r>
-              <a:rPr lang="en-US" altLang="ja-JP" sz="1800" dirty="0"/>
+              <a:rPr lang="en-US" altLang="ja-JP" sz="1800" dirty="0">
+                <a:solidFill>
+                  <a:srgbClr val="000000"/>
+                </a:solidFill>
+              </a:rPr>
               <a:t>[C] </a:t>
             </a:r>
             <a:r>
-              <a:rPr lang="en-US" altLang="ja-JP" sz="1800" dirty="0" smtClean="0"/>
+              <a:rPr lang="en-US" altLang="ja-JP" sz="1800" dirty="0" smtClean="0">
+                <a:solidFill>
+                  <a:srgbClr val="000000"/>
+                </a:solidFill>
+              </a:rPr>
               <a:t> </a:t>
             </a:r>
             <a:r>
               <a:rPr lang="en-US" altLang="ja-JP" sz="1800" dirty="0" smtClean="0">
+                <a:solidFill>
+                  <a:srgbClr val="000000"/>
+                </a:solidFill>
                 <a:latin typeface="ＭＳ ゴシック"/>
                 <a:ea typeface="ＭＳ ゴシック"/>
                 <a:cs typeface="ＭＳ ゴシック"/>
@@ -5344,6 +5878,9 @@
             </a:r>
             <a:r>
               <a:rPr lang="en-US" altLang="ja-JP" sz="1800" dirty="0">
+                <a:solidFill>
+                  <a:srgbClr val="000000"/>
+                </a:solidFill>
                 <a:latin typeface="ＭＳ ゴシック"/>
                 <a:ea typeface="ＭＳ ゴシック"/>
                 <a:cs typeface="ＭＳ ゴシック"/>
@@ -5352,6 +5889,9 @@
             </a:r>
             <a:r>
               <a:rPr lang="en-US" altLang="ja-JP" sz="1800" dirty="0" err="1">
+                <a:solidFill>
+                  <a:srgbClr val="000000"/>
+                </a:solidFill>
                 <a:latin typeface="ＭＳ ゴシック"/>
                 <a:ea typeface="ＭＳ ゴシック"/>
                 <a:cs typeface="ＭＳ ゴシック"/>
@@ -5360,6 +5900,9 @@
             </a:r>
             <a:r>
               <a:rPr lang="en-US" altLang="ja-JP" sz="1800" dirty="0">
+                <a:solidFill>
+                  <a:srgbClr val="000000"/>
+                </a:solidFill>
                 <a:latin typeface="ＭＳ ゴシック"/>
                 <a:ea typeface="ＭＳ ゴシック"/>
                 <a:cs typeface="ＭＳ ゴシック"/>
@@ -5368,6 +5911,9 @@
             </a:r>
             <a:r>
               <a:rPr lang="en-US" altLang="ja-JP" sz="1800" dirty="0" err="1" smtClean="0">
+                <a:solidFill>
+                  <a:srgbClr val="000000"/>
+                </a:solidFill>
                 <a:latin typeface="ＭＳ ゴシック"/>
                 <a:ea typeface="ＭＳ ゴシック"/>
                 <a:cs typeface="ＭＳ ゴシック"/>
@@ -5376,6 +5922,9 @@
             </a:r>
             <a:r>
               <a:rPr lang="en-US" altLang="ja-JP" sz="1800" dirty="0" smtClean="0">
+                <a:solidFill>
+                  <a:srgbClr val="000000"/>
+                </a:solidFill>
                 <a:latin typeface="ＭＳ ゴシック"/>
                 <a:ea typeface="ＭＳ ゴシック"/>
                 <a:cs typeface="ＭＳ ゴシック"/>
@@ -5384,6 +5933,9 @@
             </a:r>
             <a:r>
               <a:rPr lang="en-US" altLang="ja-JP" sz="1800" dirty="0" err="1" smtClean="0">
+                <a:solidFill>
+                  <a:srgbClr val="000000"/>
+                </a:solidFill>
                 <a:latin typeface="ＭＳ ゴシック"/>
                 <a:ea typeface="ＭＳ ゴシック"/>
                 <a:cs typeface="ＭＳ ゴシック"/>
@@ -5392,6 +5944,9 @@
             </a:r>
             <a:r>
               <a:rPr lang="en-US" altLang="ja-JP" sz="1800" dirty="0" smtClean="0">
+                <a:solidFill>
+                  <a:srgbClr val="000000"/>
+                </a:solidFill>
                 <a:latin typeface="ＭＳ ゴシック"/>
                 <a:ea typeface="ＭＳ ゴシック"/>
                 <a:cs typeface="ＭＳ ゴシック"/>
@@ -5400,6 +5955,9 @@
             </a:r>
             <a:r>
               <a:rPr lang="en-US" altLang="ja-JP" sz="1800" dirty="0" err="1" smtClean="0">
+                <a:solidFill>
+                  <a:srgbClr val="000000"/>
+                </a:solidFill>
                 <a:latin typeface="ＭＳ ゴシック"/>
                 <a:ea typeface="ＭＳ ゴシック"/>
                 <a:cs typeface="ＭＳ ゴシック"/>
@@ -5408,6 +5966,9 @@
             </a:r>
             <a:r>
               <a:rPr lang="en-US" altLang="ja-JP" sz="1800" dirty="0" smtClean="0">
+                <a:solidFill>
+                  <a:srgbClr val="000000"/>
+                </a:solidFill>
                 <a:latin typeface="ＭＳ ゴシック"/>
                 <a:ea typeface="ＭＳ ゴシック"/>
                 <a:cs typeface="ＭＳ ゴシック"/>
@@ -5416,6 +5977,9 @@
             </a:r>
             <a:r>
               <a:rPr lang="en-US" altLang="ja-JP" sz="1800" dirty="0">
+                <a:solidFill>
+                  <a:srgbClr val="000000"/>
+                </a:solidFill>
                 <a:latin typeface="ＭＳ ゴシック"/>
                 <a:ea typeface="ＭＳ ゴシック"/>
                 <a:cs typeface="ＭＳ ゴシック"/>
@@ -5424,6 +5988,9 @@
             </a:r>
             <a:r>
               <a:rPr lang="en-US" altLang="ja-JP" sz="1800" dirty="0" err="1">
+                <a:solidFill>
+                  <a:srgbClr val="000000"/>
+                </a:solidFill>
                 <a:latin typeface="ＭＳ ゴシック"/>
                 <a:ea typeface="ＭＳ ゴシック"/>
                 <a:cs typeface="ＭＳ ゴシック"/>
@@ -5432,6 +5999,9 @@
             </a:r>
             <a:r>
               <a:rPr lang="en-US" altLang="ja-JP" sz="1800" dirty="0">
+                <a:solidFill>
+                  <a:srgbClr val="000000"/>
+                </a:solidFill>
                 <a:latin typeface="ＭＳ ゴシック"/>
                 <a:ea typeface="ＭＳ ゴシック"/>
                 <a:cs typeface="ＭＳ ゴシック"/>
@@ -5440,6 +6010,9 @@
             </a:r>
             <a:r>
               <a:rPr lang="en-US" altLang="ja-JP" sz="1800" dirty="0" err="1" smtClean="0">
+                <a:solidFill>
+                  <a:srgbClr val="000000"/>
+                </a:solidFill>
                 <a:latin typeface="ＭＳ ゴシック"/>
                 <a:ea typeface="ＭＳ ゴシック"/>
                 <a:cs typeface="ＭＳ ゴシック"/>
@@ -5448,6 +6021,9 @@
             </a:r>
             <a:r>
               <a:rPr lang="en-US" altLang="ja-JP" sz="1800" dirty="0" smtClean="0">
+                <a:solidFill>
+                  <a:srgbClr val="000000"/>
+                </a:solidFill>
                 <a:latin typeface="ＭＳ ゴシック"/>
                 <a:ea typeface="ＭＳ ゴシック"/>
                 <a:cs typeface="ＭＳ ゴシック"/>
@@ -5456,6 +6032,9 @@
             </a:r>
             <a:r>
               <a:rPr lang="en-US" altLang="ja-JP" sz="1800" dirty="0">
+                <a:solidFill>
+                  <a:srgbClr val="000000"/>
+                </a:solidFill>
                 <a:latin typeface="ＭＳ ゴシック"/>
                 <a:ea typeface="ＭＳ ゴシック"/>
                 <a:cs typeface="ＭＳ ゴシック"/>
@@ -5468,11 +6047,18 @@
               <a:buNone/>
             </a:pPr>
             <a:r>
-              <a:rPr lang="en-US" altLang="ja-JP" sz="1800" dirty="0" smtClean="0"/>
+              <a:rPr lang="en-US" altLang="ja-JP" sz="1800" dirty="0" smtClean="0">
+                <a:solidFill>
+                  <a:srgbClr val="000000"/>
+                </a:solidFill>
+              </a:rPr>
               <a:t>[F]  </a:t>
             </a:r>
             <a:r>
               <a:rPr lang="en-US" altLang="ja-JP" sz="1800" dirty="0" smtClean="0">
+                <a:solidFill>
+                  <a:srgbClr val="000000"/>
+                </a:solidFill>
                 <a:latin typeface="ＭＳ ゴシック"/>
                 <a:ea typeface="ＭＳ ゴシック"/>
                 <a:cs typeface="ＭＳ ゴシック"/>
@@ -5481,6 +6067,9 @@
             </a:r>
             <a:r>
               <a:rPr lang="en-US" altLang="ja-JP" sz="1800" dirty="0" err="1" smtClean="0">
+                <a:solidFill>
+                  <a:srgbClr val="000000"/>
+                </a:solidFill>
                 <a:latin typeface="ＭＳ ゴシック"/>
                 <a:ea typeface="ＭＳ ゴシック"/>
                 <a:cs typeface="ＭＳ ゴシック"/>
@@ -5489,6 +6078,9 @@
             </a:r>
             <a:r>
               <a:rPr lang="en-US" altLang="ja-JP" sz="1800" dirty="0" smtClean="0">
+                <a:solidFill>
+                  <a:srgbClr val="000000"/>
+                </a:solidFill>
                 <a:latin typeface="ＭＳ ゴシック"/>
                 <a:ea typeface="ＭＳ ゴシック"/>
                 <a:cs typeface="ＭＳ ゴシック"/>
@@ -5497,6 +6089,9 @@
             </a:r>
             <a:r>
               <a:rPr lang="en-US" altLang="ja-JP" sz="1800" dirty="0">
+                <a:solidFill>
+                  <a:srgbClr val="000000"/>
+                </a:solidFill>
                 <a:latin typeface="ＭＳ ゴシック"/>
                 <a:ea typeface="ＭＳ ゴシック"/>
                 <a:cs typeface="ＭＳ ゴシック"/>
@@ -5505,6 +6100,9 @@
             </a:r>
             <a:r>
               <a:rPr lang="en-US" altLang="ja-JP" sz="1800" dirty="0" err="1" smtClean="0">
+                <a:solidFill>
+                  <a:srgbClr val="000000"/>
+                </a:solidFill>
                 <a:latin typeface="ＭＳ ゴシック"/>
                 <a:ea typeface="ＭＳ ゴシック"/>
                 <a:cs typeface="ＭＳ ゴシック"/>
@@ -5513,6 +6111,9 @@
             </a:r>
             <a:r>
               <a:rPr lang="en-US" altLang="ja-JP" sz="1800" dirty="0" smtClean="0">
+                <a:solidFill>
+                  <a:srgbClr val="000000"/>
+                </a:solidFill>
                 <a:latin typeface="ＭＳ ゴシック"/>
                 <a:ea typeface="ＭＳ ゴシック"/>
                 <a:cs typeface="ＭＳ ゴシック"/>
@@ -5521,6 +6122,9 @@
             </a:r>
             <a:r>
               <a:rPr lang="en-US" altLang="ja-JP" sz="1800" dirty="0" err="1" smtClean="0">
+                <a:solidFill>
+                  <a:srgbClr val="000000"/>
+                </a:solidFill>
                 <a:latin typeface="ＭＳ ゴシック"/>
                 <a:ea typeface="ＭＳ ゴシック"/>
                 <a:cs typeface="ＭＳ ゴシック"/>
@@ -5529,6 +6133,9 @@
             </a:r>
             <a:r>
               <a:rPr lang="en-US" altLang="ja-JP" sz="1800" dirty="0" smtClean="0">
+                <a:solidFill>
+                  <a:srgbClr val="000000"/>
+                </a:solidFill>
                 <a:latin typeface="ＭＳ ゴシック"/>
                 <a:ea typeface="ＭＳ ゴシック"/>
                 <a:cs typeface="ＭＳ ゴシック"/>
@@ -5537,6 +6144,9 @@
             </a:r>
             <a:r>
               <a:rPr lang="en-US" altLang="ja-JP" sz="1800" dirty="0" err="1" smtClean="0">
+                <a:solidFill>
+                  <a:srgbClr val="000000"/>
+                </a:solidFill>
                 <a:latin typeface="ＭＳ ゴシック"/>
                 <a:ea typeface="ＭＳ ゴシック"/>
                 <a:cs typeface="ＭＳ ゴシック"/>
@@ -5545,6 +6155,9 @@
             </a:r>
             <a:r>
               <a:rPr lang="en-US" altLang="ja-JP" sz="1800" dirty="0" smtClean="0">
+                <a:solidFill>
+                  <a:srgbClr val="000000"/>
+                </a:solidFill>
                 <a:latin typeface="ＭＳ ゴシック"/>
                 <a:ea typeface="ＭＳ ゴシック"/>
                 <a:cs typeface="ＭＳ ゴシック"/>
@@ -5553,6 +6166,9 @@
             </a:r>
             <a:r>
               <a:rPr lang="en-US" altLang="ja-JP" sz="1800" dirty="0" err="1" smtClean="0">
+                <a:solidFill>
+                  <a:srgbClr val="000000"/>
+                </a:solidFill>
                 <a:latin typeface="ＭＳ ゴシック"/>
                 <a:ea typeface="ＭＳ ゴシック"/>
                 <a:cs typeface="ＭＳ ゴシック"/>
@@ -5561,6 +6177,9 @@
             </a:r>
             <a:r>
               <a:rPr lang="en-US" altLang="ja-JP" sz="1800" dirty="0" smtClean="0">
+                <a:solidFill>
+                  <a:srgbClr val="000000"/>
+                </a:solidFill>
                 <a:latin typeface="ＭＳ ゴシック"/>
                 <a:ea typeface="ＭＳ ゴシック"/>
                 <a:cs typeface="ＭＳ ゴシック"/>
@@ -5568,6 +6187,9 @@
               <a:t>(i,j+1) + …</a:t>
             </a:r>
             <a:endParaRPr lang="en-US" altLang="ja-JP" sz="1800" dirty="0">
+              <a:solidFill>
+                <a:srgbClr val="000000"/>
+              </a:solidFill>
               <a:latin typeface="ＭＳ ゴシック"/>
               <a:ea typeface="ＭＳ ゴシック"/>
               <a:cs typeface="ＭＳ ゴシック"/>
@@ -5579,27 +6201,50 @@
             </a:pPr>
             <a:r>
               <a:rPr lang="en-US" altLang="ja-JP" sz="2200" dirty="0" smtClean="0">
+                <a:solidFill>
+                  <a:srgbClr val="000000"/>
+                </a:solidFill>
                 <a:sym typeface="Wingdings" panose="05000000000000000000" pitchFamily="2" charset="2"/>
               </a:rPr>
               <a:t> </a:t>
             </a:r>
             <a:r>
-              <a:rPr lang="ja-JP" altLang="en-US" sz="2200" dirty="0" smtClean="0"/>
+              <a:rPr lang="ja-JP" altLang="en-US" sz="2200" dirty="0" smtClean="0">
+                <a:solidFill>
+                  <a:srgbClr val="000000"/>
+                </a:solidFill>
+              </a:rPr>
               <a:t>袖通信＋</a:t>
             </a:r>
             <a:r>
-              <a:rPr lang="en-US" altLang="ja-JP" sz="2200" dirty="0" smtClean="0"/>
+              <a:rPr lang="en-US" altLang="ja-JP" sz="2200" dirty="0" smtClean="0">
+                <a:solidFill>
+                  <a:srgbClr val="000000"/>
+                </a:solidFill>
+              </a:rPr>
               <a:t>loop</a:t>
             </a:r>
             <a:r>
-              <a:rPr lang="ja-JP" altLang="en-US" sz="2200" dirty="0" smtClean="0"/>
+              <a:rPr lang="ja-JP" altLang="en-US" sz="2200" dirty="0" smtClean="0">
+                <a:solidFill>
+                  <a:srgbClr val="000000"/>
+                </a:solidFill>
+              </a:rPr>
               <a:t>指示文（袖通信はこの後詳しく）</a:t>
             </a:r>
-            <a:endParaRPr lang="en-US" altLang="ja-JP" sz="2200" dirty="0"/>
+            <a:endParaRPr lang="en-US" altLang="ja-JP" sz="2200" dirty="0">
+              <a:solidFill>
+                <a:srgbClr val="000000"/>
+              </a:solidFill>
+            </a:endParaRPr>
           </a:p>
           <a:p>
             <a:pPr marL="1810512" lvl="5" indent="-457200"/>
-            <a:endParaRPr lang="en-US" altLang="ja-JP" sz="1400" dirty="0"/>
+            <a:endParaRPr lang="en-US" altLang="ja-JP" sz="1400" dirty="0">
+              <a:solidFill>
+                <a:srgbClr val="000000"/>
+              </a:solidFill>
+            </a:endParaRPr>
           </a:p>
           <a:p>
             <a:pPr marL="566928" indent="-457200">
@@ -5607,33 +6252,60 @@
               <a:buAutoNum type="arabicPeriod"/>
             </a:pPr>
             <a:r>
-              <a:rPr lang="ja-JP" altLang="en-US" sz="2400" dirty="0" smtClean="0"/>
+              <a:rPr lang="ja-JP" altLang="en-US" sz="2400" dirty="0" smtClean="0">
+                <a:solidFill>
+                  <a:srgbClr val="000000"/>
+                </a:solidFill>
+              </a:rPr>
               <a:t>総和など、ループ反復を横断する演算が</a:t>
             </a:r>
             <a:r>
-              <a:rPr lang="ja-JP" altLang="en-US" sz="2400" dirty="0"/>
+              <a:rPr lang="ja-JP" altLang="en-US" sz="2400" dirty="0">
+                <a:solidFill>
+                  <a:srgbClr val="000000"/>
+                </a:solidFill>
+              </a:rPr>
               <a:t>ある</a:t>
             </a:r>
             <a:r>
-              <a:rPr lang="ja-JP" altLang="en-US" sz="2400" dirty="0" smtClean="0"/>
+              <a:rPr lang="ja-JP" altLang="en-US" sz="2400" dirty="0" smtClean="0">
+                <a:solidFill>
+                  <a:srgbClr val="000000"/>
+                </a:solidFill>
+              </a:rPr>
               <a:t>場合</a:t>
             </a:r>
-            <a:endParaRPr lang="en-US" altLang="ja-JP" sz="2400" dirty="0"/>
+            <a:endParaRPr lang="en-US" altLang="ja-JP" sz="2400" dirty="0">
+              <a:solidFill>
+                <a:srgbClr val="000000"/>
+              </a:solidFill>
+            </a:endParaRPr>
           </a:p>
           <a:p>
             <a:pPr marL="923544" lvl="3" indent="0">
               <a:buNone/>
             </a:pPr>
             <a:r>
-              <a:rPr lang="en-US" altLang="ja-JP" sz="1800" dirty="0"/>
+              <a:rPr lang="en-US" altLang="ja-JP" sz="1800" dirty="0">
+                <a:solidFill>
+                  <a:srgbClr val="000000"/>
+                </a:solidFill>
+              </a:rPr>
               <a:t>[C] </a:t>
             </a:r>
             <a:r>
-              <a:rPr lang="en-US" altLang="ja-JP" sz="1800" dirty="0" smtClean="0"/>
+              <a:rPr lang="en-US" altLang="ja-JP" sz="1800" dirty="0" smtClean="0">
+                <a:solidFill>
+                  <a:srgbClr val="000000"/>
+                </a:solidFill>
+              </a:rPr>
               <a:t> </a:t>
             </a:r>
             <a:r>
               <a:rPr lang="en-US" altLang="ja-JP" sz="1800" dirty="0" smtClean="0">
+                <a:solidFill>
+                  <a:srgbClr val="000000"/>
+                </a:solidFill>
                 <a:latin typeface="ＭＳ ゴシック" pitchFamily="49" charset="-128"/>
                 <a:ea typeface="ＭＳ ゴシック" pitchFamily="49" charset="-128"/>
               </a:rPr>
@@ -5641,6 +6313,9 @@
             </a:r>
             <a:r>
               <a:rPr lang="en-US" altLang="ja-JP" sz="1800" dirty="0">
+                <a:solidFill>
+                  <a:srgbClr val="000000"/>
+                </a:solidFill>
                 <a:latin typeface="ＭＳ ゴシック" pitchFamily="49" charset="-128"/>
                 <a:ea typeface="ＭＳ ゴシック" pitchFamily="49" charset="-128"/>
               </a:rPr>
@@ -5648,6 +6323,9 @@
             </a:r>
             <a:r>
               <a:rPr lang="en-US" altLang="ja-JP" sz="1800" dirty="0" err="1">
+                <a:solidFill>
+                  <a:srgbClr val="000000"/>
+                </a:solidFill>
                 <a:latin typeface="ＭＳ ゴシック" pitchFamily="49" charset="-128"/>
                 <a:ea typeface="ＭＳ ゴシック" pitchFamily="49" charset="-128"/>
               </a:rPr>
@@ -5655,6 +6333,9 @@
             </a:r>
             <a:r>
               <a:rPr lang="en-US" altLang="ja-JP" sz="1800" dirty="0">
+                <a:solidFill>
+                  <a:srgbClr val="000000"/>
+                </a:solidFill>
                 <a:latin typeface="ＭＳ ゴシック" pitchFamily="49" charset="-128"/>
                 <a:ea typeface="ＭＳ ゴシック" pitchFamily="49" charset="-128"/>
               </a:rPr>
@@ -5662,6 +6343,9 @@
             </a:r>
             <a:r>
               <a:rPr lang="en-US" altLang="ja-JP" sz="1800" dirty="0" err="1">
+                <a:solidFill>
+                  <a:srgbClr val="000000"/>
+                </a:solidFill>
                 <a:latin typeface="ＭＳ ゴシック" pitchFamily="49" charset="-128"/>
                 <a:ea typeface="ＭＳ ゴシック" pitchFamily="49" charset="-128"/>
               </a:rPr>
@@ -5669,6 +6353,9 @@
             </a:r>
             <a:r>
               <a:rPr lang="en-US" altLang="ja-JP" sz="1800" dirty="0">
+                <a:solidFill>
+                  <a:srgbClr val="000000"/>
+                </a:solidFill>
                 <a:latin typeface="ＭＳ ゴシック" pitchFamily="49" charset="-128"/>
                 <a:ea typeface="ＭＳ ゴシック" pitchFamily="49" charset="-128"/>
               </a:rPr>
@@ -5676,6 +6363,9 @@
             </a:r>
             <a:r>
               <a:rPr lang="en-US" altLang="ja-JP" sz="1800" dirty="0" err="1">
+                <a:solidFill>
+                  <a:srgbClr val="000000"/>
+                </a:solidFill>
                 <a:latin typeface="ＭＳ ゴシック" pitchFamily="49" charset="-128"/>
                 <a:ea typeface="ＭＳ ゴシック" pitchFamily="49" charset="-128"/>
               </a:rPr>
@@ -5683,6 +6373,9 @@
             </a:r>
             <a:r>
               <a:rPr lang="en-US" altLang="ja-JP" sz="1800" dirty="0">
+                <a:solidFill>
+                  <a:srgbClr val="000000"/>
+                </a:solidFill>
                 <a:latin typeface="ＭＳ ゴシック" pitchFamily="49" charset="-128"/>
                 <a:ea typeface="ＭＳ ゴシック" pitchFamily="49" charset="-128"/>
               </a:rPr>
@@ -5694,11 +6387,18 @@
               <a:buNone/>
             </a:pPr>
             <a:r>
-              <a:rPr lang="en-US" altLang="ja-JP" sz="1800" dirty="0" smtClean="0"/>
+              <a:rPr lang="en-US" altLang="ja-JP" sz="1800" dirty="0" smtClean="0">
+                <a:solidFill>
+                  <a:srgbClr val="000000"/>
+                </a:solidFill>
+              </a:rPr>
               <a:t>[F]  </a:t>
             </a:r>
             <a:r>
               <a:rPr lang="en-US" altLang="ja-JP" sz="1800" dirty="0" smtClean="0">
+                <a:solidFill>
+                  <a:srgbClr val="000000"/>
+                </a:solidFill>
                 <a:latin typeface="ＭＳ ゴシック" pitchFamily="49" charset="-128"/>
                 <a:ea typeface="ＭＳ ゴシック" pitchFamily="49" charset="-128"/>
               </a:rPr>
@@ -5706,6 +6406,9 @@
             </a:r>
             <a:r>
               <a:rPr lang="en-US" altLang="ja-JP" sz="1800" dirty="0" err="1" smtClean="0">
+                <a:solidFill>
+                  <a:srgbClr val="000000"/>
+                </a:solidFill>
                 <a:latin typeface="ＭＳ ゴシック" pitchFamily="49" charset="-128"/>
                 <a:ea typeface="ＭＳ ゴシック" pitchFamily="49" charset="-128"/>
               </a:rPr>
@@ -5713,6 +6416,9 @@
             </a:r>
             <a:r>
               <a:rPr lang="en-US" altLang="ja-JP" sz="1800" dirty="0" smtClean="0">
+                <a:solidFill>
+                  <a:srgbClr val="000000"/>
+                </a:solidFill>
                 <a:latin typeface="ＭＳ ゴシック" pitchFamily="49" charset="-128"/>
                 <a:ea typeface="ＭＳ ゴシック" pitchFamily="49" charset="-128"/>
               </a:rPr>
@@ -5720,6 +6426,9 @@
             </a:r>
             <a:r>
               <a:rPr lang="en-US" altLang="ja-JP" sz="1800" dirty="0" err="1" smtClean="0">
+                <a:solidFill>
+                  <a:srgbClr val="000000"/>
+                </a:solidFill>
                 <a:latin typeface="ＭＳ ゴシック" pitchFamily="49" charset="-128"/>
                 <a:ea typeface="ＭＳ ゴシック" pitchFamily="49" charset="-128"/>
               </a:rPr>
@@ -5727,6 +6436,9 @@
             </a:r>
             <a:r>
               <a:rPr lang="en-US" altLang="ja-JP" sz="1800" dirty="0" smtClean="0">
+                <a:solidFill>
+                  <a:srgbClr val="000000"/>
+                </a:solidFill>
                 <a:latin typeface="ＭＳ ゴシック" pitchFamily="49" charset="-128"/>
                 <a:ea typeface="ＭＳ ゴシック" pitchFamily="49" charset="-128"/>
               </a:rPr>
@@ -5734,6 +6446,9 @@
             </a:r>
             <a:r>
               <a:rPr lang="en-US" altLang="ja-JP" sz="1800" dirty="0" err="1" smtClean="0">
+                <a:solidFill>
+                  <a:srgbClr val="000000"/>
+                </a:solidFill>
                 <a:latin typeface="ＭＳ ゴシック" pitchFamily="49" charset="-128"/>
                 <a:ea typeface="ＭＳ ゴシック" pitchFamily="49" charset="-128"/>
               </a:rPr>
@@ -5741,6 +6456,9 @@
             </a:r>
             <a:r>
               <a:rPr lang="en-US" altLang="ja-JP" sz="1800" dirty="0" smtClean="0">
+                <a:solidFill>
+                  <a:srgbClr val="000000"/>
+                </a:solidFill>
                 <a:latin typeface="ＭＳ ゴシック" pitchFamily="49" charset="-128"/>
                 <a:ea typeface="ＭＳ ゴシック" pitchFamily="49" charset="-128"/>
               </a:rPr>
@@ -5753,29 +6471,53 @@
               <a:buChar char="à"/>
             </a:pPr>
             <a:r>
-              <a:rPr lang="en-US" altLang="ja-JP" sz="2200" dirty="0" smtClean="0"/>
+              <a:rPr lang="en-US" altLang="ja-JP" sz="2200" dirty="0" smtClean="0">
+                <a:solidFill>
+                  <a:srgbClr val="000000"/>
+                </a:solidFill>
+              </a:rPr>
               <a:t>loop</a:t>
             </a:r>
             <a:r>
-              <a:rPr lang="ja-JP" altLang="en-US" sz="2200" dirty="0" smtClean="0"/>
+              <a:rPr lang="ja-JP" altLang="en-US" sz="2200" dirty="0" smtClean="0">
+                <a:solidFill>
+                  <a:srgbClr val="000000"/>
+                </a:solidFill>
+              </a:rPr>
               <a:t>指示文に「</a:t>
             </a:r>
             <a:r>
-              <a:rPr lang="en-US" altLang="ja-JP" sz="2200" dirty="0" smtClean="0"/>
+              <a:rPr lang="en-US" altLang="ja-JP" sz="2200" dirty="0" smtClean="0">
+                <a:solidFill>
+                  <a:srgbClr val="000000"/>
+                </a:solidFill>
+              </a:rPr>
               <a:t>reduction</a:t>
             </a:r>
             <a:r>
-              <a:rPr lang="ja-JP" altLang="en-US" sz="2200" dirty="0" smtClean="0"/>
+              <a:rPr lang="ja-JP" altLang="en-US" sz="2200" dirty="0" smtClean="0">
+                <a:solidFill>
+                  <a:srgbClr val="000000"/>
+                </a:solidFill>
+              </a:rPr>
               <a:t>節」を付加</a:t>
             </a:r>
-            <a:endParaRPr lang="en-US" altLang="ja-JP" sz="2200" dirty="0" smtClean="0"/>
+            <a:endParaRPr lang="en-US" altLang="ja-JP" sz="2200" dirty="0" smtClean="0">
+              <a:solidFill>
+                <a:srgbClr val="000000"/>
+              </a:solidFill>
+            </a:endParaRPr>
           </a:p>
           <a:p>
             <a:pPr marL="745236" lvl="1" indent="-342900">
               <a:buFont typeface="Wingdings" panose="05000000000000000000" pitchFamily="2" charset="2"/>
               <a:buChar char="à"/>
             </a:pPr>
-            <a:endParaRPr lang="en-US" altLang="ja-JP" sz="2200" dirty="0"/>
+            <a:endParaRPr lang="en-US" altLang="ja-JP" sz="2200" dirty="0">
+              <a:solidFill>
+                <a:srgbClr val="000000"/>
+              </a:solidFill>
+            </a:endParaRPr>
           </a:p>
         </p:txBody>
       </p:sp>
@@ -5796,7 +6538,7 @@
           <a:p>
             <a:fld id="{B0A0D984-B00D-46F6-871F-5154A69C1919}" type="slidenum">
               <a:rPr kumimoji="1" lang="ja-JP" altLang="en-US" smtClean="0"/>
-              <a:t>10</a:t>
+              <a:t>11</a:t>
             </a:fld>
             <a:endParaRPr kumimoji="1" lang="ja-JP" altLang="en-US"/>
           </a:p>
@@ -5822,7 +6564,7 @@
 </p:sld>
 </file>
 
-<file path=ppt/slides/slide11.xml><?xml version="1.0" encoding="utf-8"?>
+<file path=ppt/slides/slide12.xml><?xml version="1.0" encoding="utf-8"?>
 <p:sld xmlns:a="http://schemas.openxmlformats.org/drawingml/2006/main" xmlns:r="http://schemas.openxmlformats.org/officeDocument/2006/relationships" xmlns:p="http://schemas.openxmlformats.org/presentationml/2006/main">
   <p:cSld>
     <p:spTree>
@@ -13505,7 +14247,7 @@
           <a:p>
             <a:fld id="{B0A0D984-B00D-46F6-871F-5154A69C1919}" type="slidenum">
               <a:rPr kumimoji="1" lang="ja-JP" altLang="en-US" smtClean="0"/>
-              <a:t>11</a:t>
+              <a:t>12</a:t>
             </a:fld>
             <a:endParaRPr kumimoji="1" lang="ja-JP" altLang="en-US"/>
           </a:p>
@@ -13531,7 +14273,7 @@
 </p:sld>
 </file>
 
-<file path=ppt/slides/slide12.xml><?xml version="1.0" encoding="utf-8"?>
+<file path=ppt/slides/slide13.xml><?xml version="1.0" encoding="utf-8"?>
 <p:sld xmlns:a="http://schemas.openxmlformats.org/drawingml/2006/main" xmlns:r="http://schemas.openxmlformats.org/officeDocument/2006/relationships" xmlns:p="http://schemas.openxmlformats.org/presentationml/2006/main">
   <p:cSld>
     <p:spTree>
@@ -22283,7 +23025,7 @@
           <a:p>
             <a:fld id="{B0A0D984-B00D-46F6-871F-5154A69C1919}" type="slidenum">
               <a:rPr kumimoji="1" lang="ja-JP" altLang="en-US" smtClean="0"/>
-              <a:t>12</a:t>
+              <a:t>13</a:t>
             </a:fld>
             <a:endParaRPr kumimoji="1" lang="ja-JP" altLang="en-US"/>
           </a:p>
@@ -22438,7 +23180,7 @@
 </p:sld>
 </file>
 
-<file path=ppt/slides/slide13.xml><?xml version="1.0" encoding="utf-8"?>
+<file path=ppt/slides/slide14.xml><?xml version="1.0" encoding="utf-8"?>
 <p:sld xmlns:a="http://schemas.openxmlformats.org/drawingml/2006/main" xmlns:r="http://schemas.openxmlformats.org/officeDocument/2006/relationships" xmlns:p="http://schemas.openxmlformats.org/presentationml/2006/main">
   <p:cSld>
     <p:spTree>
@@ -22512,19 +23254,34 @@
           <a:lstStyle/>
           <a:p>
             <a:r>
-              <a:rPr lang="en-US" altLang="ja-JP" dirty="0" smtClean="0"/>
+              <a:rPr lang="en-US" altLang="ja-JP" dirty="0" smtClean="0">
+                <a:solidFill>
+                  <a:srgbClr val="000000"/>
+                </a:solidFill>
+              </a:rPr>
               <a:t>XMP</a:t>
             </a:r>
             <a:r>
-              <a:rPr lang="ja-JP" altLang="en-US" dirty="0"/>
+              <a:rPr lang="ja-JP" altLang="en-US" dirty="0">
+                <a:solidFill>
+                  <a:srgbClr val="000000"/>
+                </a:solidFill>
+              </a:rPr>
               <a:t>指示文を</a:t>
             </a:r>
             <a:r>
-              <a:rPr lang="ja-JP" altLang="en-US" dirty="0" smtClean="0"/>
+              <a:rPr lang="ja-JP" altLang="en-US" dirty="0" smtClean="0">
+                <a:solidFill>
+                  <a:srgbClr val="000000"/>
+                </a:solidFill>
+              </a:rPr>
               <a:t>用いて、</a:t>
             </a:r>
             <a:r>
               <a:rPr lang="en-US" altLang="ja-JP" dirty="0" err="1" smtClean="0">
+                <a:solidFill>
+                  <a:srgbClr val="000000"/>
+                </a:solidFill>
                 <a:latin typeface="ＭＳ ゴシック" pitchFamily="49" charset="-128"/>
                 <a:ea typeface="ＭＳ ゴシック" pitchFamily="49" charset="-128"/>
               </a:rPr>
@@ -22532,17 +23289,27 @@
             </a:r>
             <a:r>
               <a:rPr kumimoji="1" lang="en-US" altLang="ja-JP" dirty="0" err="1" smtClean="0">
+                <a:solidFill>
+                  <a:srgbClr val="000000"/>
+                </a:solidFill>
                 <a:latin typeface="ＭＳ ゴシック" pitchFamily="49" charset="-128"/>
                 <a:ea typeface="ＭＳ ゴシック" pitchFamily="49" charset="-128"/>
               </a:rPr>
               <a:t>aplace.c</a:t>
             </a:r>
             <a:r>
-              <a:rPr kumimoji="1" lang="ja-JP" altLang="en-US" dirty="0" smtClean="0"/>
+              <a:rPr kumimoji="1" lang="ja-JP" altLang="en-US" dirty="0" smtClean="0">
+                <a:solidFill>
+                  <a:srgbClr val="000000"/>
+                </a:solidFill>
+              </a:rPr>
               <a:t>または</a:t>
             </a:r>
             <a:r>
               <a:rPr kumimoji="1" lang="en-US" altLang="ja-JP" dirty="0" smtClean="0">
+                <a:solidFill>
+                  <a:srgbClr val="000000"/>
+                </a:solidFill>
                 <a:latin typeface="ＭＳ ゴシック"/>
                 <a:ea typeface="ＭＳ ゴシック"/>
                 <a:cs typeface="ＭＳ ゴシック"/>
@@ -22550,42 +23317,76 @@
               <a:t>laplace.f90</a:t>
             </a:r>
             <a:r>
-              <a:rPr lang="ja-JP" altLang="en-US" dirty="0" smtClean="0"/>
+              <a:rPr lang="ja-JP" altLang="en-US" dirty="0" smtClean="0">
+                <a:solidFill>
+                  <a:srgbClr val="000000"/>
+                </a:solidFill>
+              </a:rPr>
               <a:t>を</a:t>
             </a:r>
             <a:r>
-              <a:rPr kumimoji="1" lang="ja-JP" altLang="en-US" dirty="0" smtClean="0"/>
+              <a:rPr kumimoji="1" lang="ja-JP" altLang="en-US" dirty="0" smtClean="0">
+                <a:solidFill>
+                  <a:srgbClr val="000000"/>
+                </a:solidFill>
+              </a:rPr>
               <a:t>２次元ブロック分散</a:t>
             </a:r>
             <a:r>
-              <a:rPr lang="ja-JP" altLang="en-US" dirty="0"/>
+              <a:rPr lang="ja-JP" altLang="en-US" dirty="0">
+                <a:solidFill>
+                  <a:srgbClr val="000000"/>
+                </a:solidFill>
+              </a:rPr>
               <a:t>で</a:t>
             </a:r>
             <a:r>
-              <a:rPr kumimoji="1" lang="ja-JP" altLang="en-US" dirty="0" smtClean="0"/>
+              <a:rPr kumimoji="1" lang="ja-JP" altLang="en-US" dirty="0" smtClean="0">
+                <a:solidFill>
+                  <a:srgbClr val="000000"/>
+                </a:solidFill>
+              </a:rPr>
               <a:t>並列化せよ。</a:t>
             </a:r>
-            <a:endParaRPr kumimoji="1" lang="en-US" altLang="ja-JP" dirty="0" smtClean="0"/>
+            <a:endParaRPr kumimoji="1" lang="en-US" altLang="ja-JP" dirty="0" smtClean="0">
+              <a:solidFill>
+                <a:srgbClr val="000000"/>
+              </a:solidFill>
+            </a:endParaRPr>
           </a:p>
           <a:p>
             <a:pPr lvl="1"/>
             <a:r>
-              <a:rPr kumimoji="1" lang="ja-JP" altLang="en-US" dirty="0" smtClean="0"/>
+              <a:rPr kumimoji="1" lang="ja-JP" altLang="en-US" dirty="0" smtClean="0">
+                <a:solidFill>
+                  <a:srgbClr val="000000"/>
+                </a:solidFill>
+              </a:rPr>
               <a:t>ベースプログラムは、</a:t>
             </a:r>
             <a:r>
               <a:rPr lang="en-US" altLang="ja-JP" dirty="0" err="1" smtClean="0">
+                <a:solidFill>
+                  <a:srgbClr val="000000"/>
+                </a:solidFill>
                 <a:latin typeface="ＭＳ ゴシック" pitchFamily="49" charset="-128"/>
                 <a:ea typeface="ＭＳ ゴシック" pitchFamily="49" charset="-128"/>
               </a:rPr>
               <a:t>xmp_laplace.c</a:t>
             </a:r>
             <a:r>
-              <a:rPr lang="ja-JP" altLang="en-US" dirty="0" smtClean="0"/>
+              <a:rPr lang="ja-JP" altLang="en-US" dirty="0" smtClean="0">
+                <a:solidFill>
+                  <a:srgbClr val="000000"/>
+                </a:solidFill>
+              </a:rPr>
               <a:t>または</a:t>
             </a:r>
             <a:r>
               <a:rPr lang="en-US" altLang="ja-JP" dirty="0" smtClean="0">
+                <a:solidFill>
+                  <a:srgbClr val="000000"/>
+                </a:solidFill>
                 <a:latin typeface="ＭＳ ゴシック" pitchFamily="49" charset="-128"/>
                 <a:ea typeface="ＭＳ ゴシック" pitchFamily="49" charset="-128"/>
               </a:rPr>
@@ -22596,70 +23397,120 @@
             <a:pPr lvl="1"/>
             <a:r>
               <a:rPr lang="ja-JP" altLang="en-US" dirty="0" smtClean="0">
+                <a:solidFill>
+                  <a:srgbClr val="000000"/>
+                </a:solidFill>
                 <a:latin typeface="+mn-ea"/>
               </a:rPr>
               <a:t>各ループが、「ループ並列化の</a:t>
             </a:r>
             <a:r>
               <a:rPr lang="ja-JP" altLang="en-US" dirty="0">
+                <a:solidFill>
+                  <a:srgbClr val="000000"/>
+                </a:solidFill>
                 <a:latin typeface="+mn-ea"/>
               </a:rPr>
               <a:t>３</a:t>
             </a:r>
             <a:r>
               <a:rPr lang="ja-JP" altLang="en-US" dirty="0" smtClean="0">
+                <a:solidFill>
+                  <a:srgbClr val="000000"/>
+                </a:solidFill>
                 <a:latin typeface="+mn-ea"/>
               </a:rPr>
               <a:t>つのパターン」のどれに該当するかを考える。</a:t>
             </a:r>
             <a:endParaRPr lang="en-US" altLang="ja-JP" dirty="0" smtClean="0">
+              <a:solidFill>
+                <a:srgbClr val="000000"/>
+              </a:solidFill>
               <a:latin typeface="+mn-ea"/>
             </a:endParaRPr>
           </a:p>
           <a:p>
             <a:pPr lvl="2"/>
-            <a:endParaRPr lang="en-US" altLang="ja-JP" dirty="0" smtClean="0"/>
+            <a:endParaRPr lang="en-US" altLang="ja-JP" dirty="0" smtClean="0">
+              <a:solidFill>
+                <a:srgbClr val="000000"/>
+              </a:solidFill>
+            </a:endParaRPr>
           </a:p>
           <a:p>
             <a:r>
               <a:rPr lang="en-US" altLang="ja-JP" dirty="0" smtClean="0">
+                <a:solidFill>
+                  <a:srgbClr val="000000"/>
+                </a:solidFill>
                 <a:latin typeface="ＭＳ ゴシック" pitchFamily="49" charset="-128"/>
                 <a:ea typeface="ＭＳ ゴシック" pitchFamily="49" charset="-128"/>
               </a:rPr>
               <a:t>4</a:t>
             </a:r>
             <a:r>
-              <a:rPr lang="ja-JP" altLang="en-US" dirty="0" smtClean="0"/>
+              <a:rPr lang="ja-JP" altLang="en-US" dirty="0" smtClean="0">
+                <a:solidFill>
+                  <a:srgbClr val="000000"/>
+                </a:solidFill>
+              </a:rPr>
               <a:t>ノードと</a:t>
             </a:r>
             <a:r>
               <a:rPr lang="en-US" altLang="ja-JP" dirty="0" smtClean="0">
+                <a:solidFill>
+                  <a:srgbClr val="000000"/>
+                </a:solidFill>
                 <a:latin typeface="ＭＳ ゴシック" pitchFamily="49" charset="-128"/>
                 <a:ea typeface="ＭＳ ゴシック" pitchFamily="49" charset="-128"/>
               </a:rPr>
               <a:t>8</a:t>
             </a:r>
             <a:r>
-              <a:rPr lang="ja-JP" altLang="en-US" dirty="0" smtClean="0"/>
+              <a:rPr lang="ja-JP" altLang="en-US" dirty="0" smtClean="0">
+                <a:solidFill>
+                  <a:srgbClr val="000000"/>
+                </a:solidFill>
+              </a:rPr>
               <a:t>ノードで実行し、</a:t>
             </a:r>
             <a:r>
-              <a:rPr lang="ja-JP" altLang="en-US" dirty="0"/>
+              <a:rPr lang="ja-JP" altLang="en-US" dirty="0">
+                <a:solidFill>
+                  <a:srgbClr val="000000"/>
+                </a:solidFill>
+              </a:rPr>
               <a:t>検証値</a:t>
             </a:r>
             <a:r>
-              <a:rPr lang="ja-JP" altLang="en-US" dirty="0" smtClean="0"/>
+              <a:rPr lang="ja-JP" altLang="en-US" dirty="0" smtClean="0">
+                <a:solidFill>
+                  <a:srgbClr val="000000"/>
+                </a:solidFill>
+              </a:rPr>
               <a:t>が逐次</a:t>
             </a:r>
             <a:r>
-              <a:rPr lang="ja-JP" altLang="en-US" dirty="0"/>
+              <a:rPr lang="ja-JP" altLang="en-US" dirty="0">
+                <a:solidFill>
+                  <a:srgbClr val="000000"/>
+                </a:solidFill>
+              </a:rPr>
               <a:t>プログラムと同程度であることを確認せよ</a:t>
             </a:r>
             <a:r>
-              <a:rPr lang="ja-JP" altLang="en-US" dirty="0" smtClean="0"/>
+              <a:rPr lang="ja-JP" altLang="en-US" dirty="0" smtClean="0">
+                <a:solidFill>
+                  <a:srgbClr val="000000"/>
+                </a:solidFill>
+              </a:rPr>
               <a:t>。</a:t>
             </a:r>
-            <a:endParaRPr lang="en-US" altLang="ja-JP" dirty="0"/>
+            <a:endParaRPr lang="en-US" altLang="ja-JP" dirty="0">
+              <a:solidFill>
+                <a:srgbClr val="000000"/>
+              </a:solidFill>
+            </a:endParaRPr>
           </a:p>
         </p:txBody>
       </p:sp>
@@ -22680,7 +23531,7 @@
           <a:p>
             <a:fld id="{B0A0D984-B00D-46F6-871F-5154A69C1919}" type="slidenum">
               <a:rPr kumimoji="1" lang="ja-JP" altLang="en-US" smtClean="0"/>
-              <a:t>13</a:t>
+              <a:t>14</a:t>
             </a:fld>
             <a:endParaRPr kumimoji="1" lang="ja-JP" altLang="en-US"/>
           </a:p>
@@ -22706,7 +23557,7 @@
 </p:sld>
 </file>
 
-<file path=ppt/slides/slide14.xml><?xml version="1.0" encoding="utf-8"?>
+<file path=ppt/slides/slide15.xml><?xml version="1.0" encoding="utf-8"?>
 <p:sld xmlns:a="http://schemas.openxmlformats.org/drawingml/2006/main" xmlns:r="http://schemas.openxmlformats.org/officeDocument/2006/relationships" xmlns:p="http://schemas.openxmlformats.org/presentationml/2006/main">
   <p:cSld>
     <p:spTree>
@@ -22732,7 +23583,7 @@
         <p:spPr>
           <a:xfrm>
             <a:off x="539552" y="1258329"/>
-            <a:ext cx="3816424" cy="4455067"/>
+            <a:ext cx="3816424" cy="4616649"/>
           </a:xfrm>
           <a:prstGeom prst="rect">
             <a:avLst/>
@@ -22980,104 +23831,84 @@
             <a:r>
               <a:rPr lang="en-US" altLang="ja-JP" sz="1050" dirty="0" smtClean="0">
                 <a:solidFill>
-                  <a:srgbClr val="000090"/>
-                </a:solidFill>
-                <a:latin typeface="ＭＳ ゴシック" pitchFamily="49" charset="-128"/>
-                <a:ea typeface="ＭＳ ゴシック" pitchFamily="49" charset="-128"/>
-              </a:rPr>
-              <a:t>#pragma </a:t>
-            </a:r>
-            <a:r>
-              <a:rPr lang="en-US" altLang="ja-JP" sz="1050" dirty="0" err="1" smtClean="0">
-                <a:solidFill>
-                  <a:srgbClr val="000090"/>
-                </a:solidFill>
-                <a:latin typeface="ＭＳ ゴシック" pitchFamily="49" charset="-128"/>
-                <a:ea typeface="ＭＳ ゴシック" pitchFamily="49" charset="-128"/>
-              </a:rPr>
-              <a:t>xmp</a:t>
-            </a:r>
+                  <a:srgbClr val="FF0000"/>
+                </a:solidFill>
+                <a:latin typeface="ＭＳ ゴシック" pitchFamily="49" charset="-128"/>
+                <a:ea typeface="ＭＳ ゴシック" pitchFamily="49" charset="-128"/>
+              </a:rPr>
+              <a:t>[distribute</a:t>
+            </a:r>
+            <a:r>
+              <a:rPr lang="ja-JP" altLang="en-US" sz="1050" dirty="0" smtClean="0">
+                <a:solidFill>
+                  <a:srgbClr val="FF0000"/>
+                </a:solidFill>
+                <a:latin typeface="ＭＳ ゴシック" pitchFamily="49" charset="-128"/>
+                <a:ea typeface="ＭＳ ゴシック" pitchFamily="49" charset="-128"/>
+              </a:rPr>
+              <a:t>指示</a:t>
+            </a:r>
+            <a:r>
+              <a:rPr lang="ja-JP" altLang="en-US" sz="1050" dirty="0">
+                <a:solidFill>
+                  <a:srgbClr val="FF0000"/>
+                </a:solidFill>
+                <a:latin typeface="ＭＳ ゴシック" pitchFamily="49" charset="-128"/>
+                <a:ea typeface="ＭＳ ゴシック" pitchFamily="49" charset="-128"/>
+              </a:rPr>
+              <a:t>文</a:t>
+            </a:r>
+            <a:r>
+              <a:rPr lang="en-US" altLang="ja-JP" sz="1050" dirty="0">
+                <a:solidFill>
+                  <a:srgbClr val="FF0000"/>
+                </a:solidFill>
+                <a:latin typeface="ＭＳ ゴシック" pitchFamily="49" charset="-128"/>
+                <a:ea typeface="ＭＳ ゴシック" pitchFamily="49" charset="-128"/>
+              </a:rPr>
+              <a:t>]</a:t>
+            </a:r>
+          </a:p>
+          <a:p>
             <a:r>
               <a:rPr lang="en-US" altLang="ja-JP" sz="1050" dirty="0" smtClean="0">
                 <a:solidFill>
-                  <a:srgbClr val="000090"/>
-                </a:solidFill>
-                <a:latin typeface="ＭＳ ゴシック" pitchFamily="49" charset="-128"/>
-                <a:ea typeface="ＭＳ ゴシック" pitchFamily="49" charset="-128"/>
-              </a:rPr>
-              <a:t> distribute t(block, block) onto p</a:t>
-            </a:r>
-          </a:p>
-          <a:p>
-            <a:r>
-              <a:rPr lang="en-US" altLang="ja-JP" sz="1050" dirty="0" smtClean="0">
-                <a:solidFill>
                   <a:srgbClr val="FF0000"/>
                 </a:solidFill>
                 <a:latin typeface="ＭＳ ゴシック" pitchFamily="49" charset="-128"/>
                 <a:ea typeface="ＭＳ ゴシック" pitchFamily="49" charset="-128"/>
               </a:rPr>
-              <a:t>#pragma </a:t>
-            </a:r>
-            <a:r>
-              <a:rPr lang="en-US" altLang="ja-JP" sz="1050" dirty="0" err="1" smtClean="0">
+              <a:t>[</a:t>
+            </a:r>
+            <a:r>
+              <a:rPr lang="en-US" altLang="ja-JP" sz="1050" dirty="0">
                 <a:solidFill>
                   <a:srgbClr val="FF0000"/>
                 </a:solidFill>
                 <a:latin typeface="ＭＳ ゴシック" pitchFamily="49" charset="-128"/>
                 <a:ea typeface="ＭＳ ゴシック" pitchFamily="49" charset="-128"/>
               </a:rPr>
-              <a:t>xmp</a:t>
-            </a:r>
-            <a:r>
-              <a:rPr lang="en-US" altLang="ja-JP" sz="1050" dirty="0" smtClean="0">
+              <a:t>align</a:t>
+            </a:r>
+            <a:r>
+              <a:rPr lang="ja-JP" altLang="en-US" sz="1050" dirty="0">
                 <a:solidFill>
                   <a:srgbClr val="FF0000"/>
                 </a:solidFill>
                 <a:latin typeface="ＭＳ ゴシック" pitchFamily="49" charset="-128"/>
                 <a:ea typeface="ＭＳ ゴシック" pitchFamily="49" charset="-128"/>
               </a:rPr>
-              <a:t> align u[j][</a:t>
-            </a:r>
-            <a:r>
-              <a:rPr lang="en-US" altLang="ja-JP" sz="1050" dirty="0" err="1" smtClean="0">
+              <a:t>指示文</a:t>
+            </a:r>
+            <a:r>
+              <a:rPr lang="en-US" altLang="ja-JP" sz="1050" dirty="0">
                 <a:solidFill>
                   <a:srgbClr val="FF0000"/>
                 </a:solidFill>
                 <a:latin typeface="ＭＳ ゴシック" pitchFamily="49" charset="-128"/>
                 <a:ea typeface="ＭＳ ゴシック" pitchFamily="49" charset="-128"/>
               </a:rPr>
-              <a:t>i</a:t>
-            </a:r>
-            <a:r>
-              <a:rPr lang="en-US" altLang="ja-JP" sz="1050" dirty="0" smtClean="0">
-                <a:solidFill>
-                  <a:srgbClr val="FF0000"/>
-                </a:solidFill>
-                <a:latin typeface="ＭＳ ゴシック" pitchFamily="49" charset="-128"/>
-                <a:ea typeface="ＭＳ ゴシック" pitchFamily="49" charset="-128"/>
-              </a:rPr>
-              <a:t>] with t(</a:t>
-            </a:r>
-            <a:r>
-              <a:rPr lang="en-US" altLang="ja-JP" sz="1050" dirty="0" err="1" smtClean="0">
-                <a:solidFill>
-                  <a:srgbClr val="FF0000"/>
-                </a:solidFill>
-                <a:latin typeface="ＭＳ ゴシック" pitchFamily="49" charset="-128"/>
-                <a:ea typeface="ＭＳ ゴシック" pitchFamily="49" charset="-128"/>
-              </a:rPr>
-              <a:t>i,j</a:t>
-            </a:r>
-            <a:r>
-              <a:rPr lang="en-US" altLang="ja-JP" sz="1050" dirty="0" smtClean="0">
-                <a:solidFill>
-                  <a:srgbClr val="FF0000"/>
-                </a:solidFill>
-                <a:latin typeface="ＭＳ ゴシック" pitchFamily="49" charset="-128"/>
-                <a:ea typeface="ＭＳ ゴシック" pitchFamily="49" charset="-128"/>
-              </a:rPr>
-              <a:t>)</a:t>
+              <a:t>]</a:t>
             </a:r>
           </a:p>
           <a:p>
@@ -25712,7 +26543,7 @@
           <a:p>
             <a:fld id="{B0A0D984-B00D-46F6-871F-5154A69C1919}" type="slidenum">
               <a:rPr kumimoji="1" lang="ja-JP" altLang="en-US" smtClean="0"/>
-              <a:t>14</a:t>
+              <a:t>15</a:t>
             </a:fld>
             <a:endParaRPr kumimoji="1" lang="ja-JP" altLang="en-US"/>
           </a:p>
@@ -25722,274 +26553,6 @@
     <p:extLst>
       <p:ext uri="{BB962C8B-B14F-4D97-AF65-F5344CB8AC3E}">
         <p14:creationId xmlns:p14="http://schemas.microsoft.com/office/powerpoint/2010/main" val="648103855"/>
-      </p:ext>
-    </p:extLst>
-  </p:cSld>
-  <p:clrMapOvr>
-    <a:masterClrMapping/>
-  </p:clrMapOvr>
-  <p:timing>
-    <p:tnLst>
-      <p:par>
-        <p:cTn xmlns:p14="http://schemas.microsoft.com/office/powerpoint/2010/main" id="1" dur="indefinite" restart="never" nodeType="tmRoot"/>
-      </p:par>
-    </p:tnLst>
-  </p:timing>
-</p:sld>
-</file>
-
-<file path=ppt/slides/slide15.xml><?xml version="1.0" encoding="utf-8"?>
-<p:sld xmlns:a="http://schemas.openxmlformats.org/drawingml/2006/main" xmlns:r="http://schemas.openxmlformats.org/officeDocument/2006/relationships" xmlns:p="http://schemas.openxmlformats.org/presentationml/2006/main">
-  <p:cSld>
-    <p:spTree>
-      <p:nvGrpSpPr>
-        <p:cNvPr id="1" name=""/>
-        <p:cNvGrpSpPr/>
-        <p:nvPr/>
-      </p:nvGrpSpPr>
-      <p:grpSpPr>
-        <a:xfrm>
-          <a:off x="0" y="0"/>
-          <a:ext cx="0" cy="0"/>
-          <a:chOff x="0" y="0"/>
-          <a:chExt cx="0" cy="0"/>
-        </a:xfrm>
-      </p:grpSpPr>
-      <p:sp>
-        <p:nvSpPr>
-          <p:cNvPr id="2" name="タイトル 1"/>
-          <p:cNvSpPr>
-            <a:spLocks noGrp="1"/>
-          </p:cNvSpPr>
-          <p:nvPr>
-            <p:ph type="title"/>
-          </p:nvPr>
-        </p:nvSpPr>
-        <p:spPr>
-          <a:xfrm>
-            <a:off x="457200" y="1143000"/>
-            <a:ext cx="8229600" cy="1066800"/>
-          </a:xfrm>
-        </p:spPr>
-        <p:txBody>
-          <a:bodyPr/>
-          <a:lstStyle/>
-          <a:p>
-            <a:r>
-              <a:rPr lang="ja-JP" altLang="en-US" dirty="0" smtClean="0"/>
-              <a:t>実習１のまとめ</a:t>
-            </a:r>
-            <a:r>
-              <a:rPr kumimoji="1" lang="ja-JP" altLang="en-US" dirty="0" smtClean="0"/>
-              <a:t>　</a:t>
-            </a:r>
-            <a:endParaRPr kumimoji="1" lang="ja-JP" altLang="en-US" dirty="0"/>
-          </a:p>
-        </p:txBody>
-      </p:sp>
-      <p:sp>
-        <p:nvSpPr>
-          <p:cNvPr id="3" name="コンテンツ プレースホルダー 2"/>
-          <p:cNvSpPr>
-            <a:spLocks noGrp="1"/>
-          </p:cNvSpPr>
-          <p:nvPr>
-            <p:ph idx="1"/>
-          </p:nvPr>
-        </p:nvSpPr>
-        <p:spPr/>
-        <p:txBody>
-          <a:bodyPr>
-            <a:normAutofit lnSpcReduction="10000"/>
-          </a:bodyPr>
-          <a:lstStyle/>
-          <a:p>
-            <a:pPr marL="624078" indent="-514350">
-              <a:lnSpc>
-                <a:spcPct val="130000"/>
-              </a:lnSpc>
-              <a:buFont typeface="+mj-lt"/>
-              <a:buAutoNum type="arabicPeriod"/>
-            </a:pPr>
-            <a:r>
-              <a:rPr lang="ja-JP" altLang="en-US" dirty="0" smtClean="0"/>
-              <a:t>並列化指示文の考え方、</a:t>
-            </a:r>
-            <a:r>
-              <a:rPr lang="en-US" altLang="ja-JP" dirty="0" err="1" smtClean="0"/>
-              <a:t>mpirun</a:t>
-            </a:r>
-            <a:r>
-              <a:rPr lang="ja-JP" altLang="en-US" dirty="0" smtClean="0"/>
-              <a:t>の使い方</a:t>
-            </a:r>
-            <a:endParaRPr lang="en-US" altLang="ja-JP" dirty="0" smtClean="0"/>
-          </a:p>
-          <a:p>
-            <a:pPr lvl="1">
-              <a:lnSpc>
-                <a:spcPct val="130000"/>
-              </a:lnSpc>
-            </a:pPr>
-            <a:r>
-              <a:rPr lang="ja-JP" altLang="en-US" dirty="0" smtClean="0"/>
-              <a:t>逐次実行、冗長実行、並列実行の違い</a:t>
-            </a:r>
-            <a:endParaRPr kumimoji="1" lang="en-US" altLang="ja-JP" dirty="0" smtClean="0"/>
-          </a:p>
-          <a:p>
-            <a:pPr marL="624078" indent="-514350">
-              <a:lnSpc>
-                <a:spcPct val="130000"/>
-              </a:lnSpc>
-              <a:buFont typeface="+mj-lt"/>
-              <a:buAutoNum type="arabicPeriod"/>
-            </a:pPr>
-            <a:r>
-              <a:rPr kumimoji="1" lang="ja-JP" altLang="en-US" dirty="0" smtClean="0"/>
-              <a:t>プログラムの並列化</a:t>
-            </a:r>
-            <a:endParaRPr kumimoji="1" lang="en-US" altLang="ja-JP" dirty="0" smtClean="0"/>
-          </a:p>
-          <a:p>
-            <a:pPr lvl="1">
-              <a:lnSpc>
-                <a:spcPct val="130000"/>
-              </a:lnSpc>
-            </a:pPr>
-            <a:r>
-              <a:rPr lang="ja-JP" altLang="en-US" dirty="0" smtClean="0"/>
-              <a:t>配列の多次元分散</a:t>
-            </a:r>
-            <a:endParaRPr lang="en-US" altLang="ja-JP" dirty="0" smtClean="0"/>
-          </a:p>
-          <a:p>
-            <a:pPr lvl="1">
-              <a:lnSpc>
-                <a:spcPct val="130000"/>
-              </a:lnSpc>
-            </a:pPr>
-            <a:r>
-              <a:rPr lang="ja-JP" altLang="en-US" dirty="0" smtClean="0"/>
-              <a:t>ループ並列化の３つのパターン</a:t>
-            </a:r>
-            <a:endParaRPr lang="en-US" altLang="ja-JP" dirty="0" smtClean="0"/>
-          </a:p>
-          <a:p>
-            <a:pPr marL="1161288" lvl="2" indent="-457200">
-              <a:lnSpc>
-                <a:spcPct val="130000"/>
-              </a:lnSpc>
-              <a:buFont typeface="+mj-lt"/>
-              <a:buAutoNum type="arabicPeriod"/>
-            </a:pPr>
-            <a:r>
-              <a:rPr lang="en-US" altLang="ja-JP" dirty="0" smtClean="0"/>
-              <a:t>loop</a:t>
-            </a:r>
-            <a:r>
-              <a:rPr lang="ja-JP" altLang="en-US" dirty="0" smtClean="0"/>
-              <a:t>指示文だけでよい場合</a:t>
-            </a:r>
-            <a:endParaRPr lang="en-US" altLang="ja-JP" dirty="0"/>
-          </a:p>
-          <a:p>
-            <a:pPr marL="1161288" lvl="2" indent="-457200">
-              <a:lnSpc>
-                <a:spcPct val="130000"/>
-              </a:lnSpc>
-              <a:buFont typeface="+mj-lt"/>
-              <a:buAutoNum type="arabicPeriod"/>
-            </a:pPr>
-            <a:r>
-              <a:rPr lang="en-US" altLang="ja-JP" dirty="0" smtClean="0"/>
-              <a:t>shadow</a:t>
-            </a:r>
-            <a:r>
-              <a:rPr lang="ja-JP" altLang="en-US" dirty="0" smtClean="0"/>
-              <a:t>宣言＋</a:t>
-            </a:r>
-            <a:r>
-              <a:rPr lang="en-US" altLang="ja-JP" dirty="0" smtClean="0"/>
-              <a:t>reflect</a:t>
-            </a:r>
-            <a:r>
-              <a:rPr lang="ja-JP" altLang="en-US" dirty="0" smtClean="0"/>
-              <a:t>指示文＋</a:t>
-            </a:r>
-            <a:r>
-              <a:rPr lang="en-US" altLang="ja-JP" dirty="0" smtClean="0"/>
-              <a:t>loop</a:t>
-            </a:r>
-            <a:r>
-              <a:rPr lang="ja-JP" altLang="en-US" dirty="0" smtClean="0"/>
-              <a:t>指示文</a:t>
-            </a:r>
-            <a:endParaRPr lang="en-US" altLang="ja-JP" dirty="0"/>
-          </a:p>
-          <a:p>
-            <a:pPr marL="1161288" lvl="2" indent="-457200">
-              <a:lnSpc>
-                <a:spcPct val="130000"/>
-              </a:lnSpc>
-              <a:buFont typeface="+mj-lt"/>
-              <a:buAutoNum type="arabicPeriod"/>
-            </a:pPr>
-            <a:r>
-              <a:rPr lang="en-US" altLang="ja-JP" dirty="0" smtClean="0"/>
-              <a:t>loop</a:t>
-            </a:r>
-            <a:r>
-              <a:rPr lang="ja-JP" altLang="en-US" dirty="0" smtClean="0"/>
-              <a:t>指示文＋</a:t>
-            </a:r>
-            <a:r>
-              <a:rPr lang="en-US" altLang="ja-JP" dirty="0" smtClean="0"/>
-              <a:t>reduction</a:t>
-            </a:r>
-            <a:r>
-              <a:rPr lang="ja-JP" altLang="en-US" dirty="0" smtClean="0"/>
-              <a:t>演算</a:t>
-            </a:r>
-            <a:endParaRPr lang="en-US" altLang="ja-JP" dirty="0" smtClean="0"/>
-          </a:p>
-          <a:p>
-            <a:pPr lvl="1">
-              <a:lnSpc>
-                <a:spcPct val="130000"/>
-              </a:lnSpc>
-            </a:pPr>
-            <a:endParaRPr kumimoji="1" lang="en-US" altLang="ja-JP" dirty="0"/>
-          </a:p>
-        </p:txBody>
-      </p:sp>
-      <p:sp>
-        <p:nvSpPr>
-          <p:cNvPr id="6" name="スライド番号プレースホルダー 5"/>
-          <p:cNvSpPr>
-            <a:spLocks noGrp="1"/>
-          </p:cNvSpPr>
-          <p:nvPr>
-            <p:ph type="sldNum" sz="quarter" idx="12"/>
-          </p:nvPr>
-        </p:nvSpPr>
-        <p:spPr/>
-        <p:txBody>
-          <a:bodyPr/>
-          <a:lstStyle/>
-          <a:p>
-            <a:fld id="{B0A0D984-B00D-46F6-871F-5154A69C1919}" type="slidenum">
-              <a:rPr kumimoji="1" lang="ja-JP" altLang="en-US" smtClean="0"/>
-              <a:t>15</a:t>
-            </a:fld>
-            <a:endParaRPr kumimoji="1" lang="ja-JP" altLang="en-US"/>
-          </a:p>
-        </p:txBody>
-      </p:sp>
-    </p:spTree>
-    <p:extLst>
-      <p:ext uri="{BB962C8B-B14F-4D97-AF65-F5344CB8AC3E}">
-        <p14:creationId xmlns:p14="http://schemas.microsoft.com/office/powerpoint/2010/main" val="2944688077"/>
       </p:ext>
     </p:extLst>
   </p:cSld>
@@ -26084,27 +26647,23 @@
             </a:r>
             <a:r>
               <a:rPr lang="ja-JP" altLang="en-US" dirty="0" smtClean="0"/>
-              <a:t>で並列化する。</a:t>
+              <a:t>の指示文を使って</a:t>
+            </a:r>
+            <a:r>
+              <a:rPr lang="ja-JP" altLang="en-US" dirty="0" smtClean="0"/>
+              <a:t>並列化</a:t>
+            </a:r>
+            <a:r>
+              <a:rPr lang="ja-JP" altLang="en-US" dirty="0" smtClean="0"/>
+              <a:t>する。</a:t>
             </a:r>
             <a:endParaRPr lang="en-US" altLang="ja-JP" dirty="0" smtClean="0"/>
           </a:p>
           <a:p>
+            <a:pPr marL="109728" indent="0">
+              <a:buNone/>
+            </a:pPr>
             <a:endParaRPr kumimoji="1" lang="en-US" altLang="ja-JP" dirty="0" smtClean="0"/>
-          </a:p>
-          <a:p>
-            <a:r>
-              <a:rPr lang="ja-JP" altLang="en-US" dirty="0"/>
-              <a:t>基本的な</a:t>
-            </a:r>
-            <a:r>
-              <a:rPr lang="en-US" altLang="ja-JP" dirty="0" err="1" smtClean="0"/>
-              <a:t>XcalableMP</a:t>
-            </a:r>
-            <a:r>
-              <a:rPr lang="ja-JP" altLang="en-US" dirty="0" smtClean="0"/>
-              <a:t>指示文の使い方を習得する。</a:t>
-            </a:r>
-            <a:endParaRPr kumimoji="1" lang="ja-JP" altLang="en-US" dirty="0"/>
           </a:p>
         </p:txBody>
       </p:sp>
@@ -26656,22 +27215,18 @@
               <a:buAutoNum type="arabicPeriod"/>
             </a:pPr>
             <a:r>
-              <a:rPr lang="ja-JP" altLang="en-US" dirty="0" smtClean="0"/>
+              <a:rPr lang="ja-JP" altLang="en-US" dirty="0" smtClean="0">
+                <a:solidFill>
+                  <a:srgbClr val="000000"/>
+                </a:solidFill>
+              </a:rPr>
               <a:t>簡単なプログラムの並列化</a:t>
             </a:r>
-            <a:endParaRPr lang="en-US" altLang="ja-JP" dirty="0" smtClean="0"/>
-          </a:p>
-          <a:p>
-            <a:pPr lvl="1">
-              <a:lnSpc>
-                <a:spcPct val="130000"/>
-              </a:lnSpc>
-            </a:pPr>
-            <a:r>
-              <a:rPr lang="ja-JP" altLang="en-US" dirty="0" smtClean="0"/>
-              <a:t>逐次実行、冗長実行、並列実行</a:t>
-            </a:r>
-            <a:endParaRPr kumimoji="1" lang="en-US" altLang="ja-JP" dirty="0" smtClean="0"/>
+            <a:endParaRPr lang="en-US" altLang="ja-JP" dirty="0" smtClean="0">
+              <a:solidFill>
+                <a:srgbClr val="000000"/>
+              </a:solidFill>
+            </a:endParaRPr>
           </a:p>
           <a:p>
             <a:pPr marL="624078" indent="-514350">
@@ -26682,46 +27237,47 @@
               <a:buAutoNum type="arabicPeriod"/>
             </a:pPr>
             <a:r>
-              <a:rPr kumimoji="1" lang="ja-JP" altLang="en-US" dirty="0" smtClean="0"/>
-              <a:t>２次元差分法計算の並列化</a:t>
-            </a:r>
-            <a:endParaRPr kumimoji="1" lang="en-US" altLang="ja-JP" dirty="0" smtClean="0"/>
-          </a:p>
-          <a:p>
-            <a:pPr lvl="1">
+              <a:rPr kumimoji="1" lang="ja-JP" altLang="en-US" dirty="0" smtClean="0">
+                <a:solidFill>
+                  <a:srgbClr val="000000"/>
+                </a:solidFill>
+              </a:rPr>
+              <a:t>２次元</a:t>
+            </a:r>
+            <a:r>
+              <a:rPr kumimoji="1" lang="ja-JP" altLang="en-US" dirty="0" smtClean="0">
+                <a:solidFill>
+                  <a:srgbClr val="000000"/>
+                </a:solidFill>
+              </a:rPr>
+              <a:t>差分法計算の</a:t>
+            </a:r>
+            <a:r>
+              <a:rPr kumimoji="1" lang="ja-JP" altLang="en-US" dirty="0" smtClean="0">
+                <a:solidFill>
+                  <a:srgbClr val="000000"/>
+                </a:solidFill>
+              </a:rPr>
+              <a:t>並列化</a:t>
+            </a:r>
+            <a:endParaRPr kumimoji="1" lang="en-US" altLang="ja-JP" dirty="0" smtClean="0">
+              <a:solidFill>
+                <a:srgbClr val="000000"/>
+              </a:solidFill>
+            </a:endParaRPr>
+          </a:p>
+          <a:p>
+            <a:pPr marL="411480" lvl="1" indent="0">
               <a:lnSpc>
                 <a:spcPct val="130000"/>
               </a:lnSpc>
+              <a:buNone/>
             </a:pPr>
-            <a:r>
-              <a:rPr lang="ja-JP" altLang="en-US" dirty="0" smtClean="0"/>
-              <a:t>多次元分散、袖通信（</a:t>
-            </a:r>
-            <a:r>
-              <a:rPr lang="en-US" altLang="ja-JP" dirty="0" smtClean="0"/>
-              <a:t>shadow/reflect</a:t>
-            </a:r>
-            <a:r>
-              <a:rPr lang="ja-JP" altLang="en-US" dirty="0" smtClean="0"/>
-              <a:t>）、</a:t>
-            </a:r>
-            <a:r>
-              <a:rPr lang="en-US" altLang="ja-JP" dirty="0" smtClean="0"/>
-              <a:t>reduction</a:t>
-            </a:r>
-            <a:r>
-              <a:rPr lang="ja-JP" altLang="en-US" dirty="0" smtClean="0"/>
-              <a:t>演算</a:t>
-            </a:r>
-            <a:endParaRPr lang="en-US" altLang="ja-JP" dirty="0" smtClean="0"/>
-          </a:p>
-          <a:p>
-            <a:pPr lvl="1">
-              <a:lnSpc>
-                <a:spcPct val="130000"/>
-              </a:lnSpc>
-            </a:pPr>
-            <a:endParaRPr kumimoji="1" lang="en-US" altLang="ja-JP" dirty="0"/>
+            <a:endParaRPr kumimoji="1" lang="en-US" altLang="ja-JP" dirty="0">
+              <a:solidFill>
+                <a:srgbClr val="000000"/>
+              </a:solidFill>
+            </a:endParaRPr>
           </a:p>
         </p:txBody>
       </p:sp>
@@ -26734,7 +27290,7 @@
         <p:spPr>
           <a:xfrm>
             <a:off x="395536" y="2249424"/>
-            <a:ext cx="8208912" cy="1179576"/>
+            <a:ext cx="8208912" cy="675520"/>
           </a:xfrm>
           <a:prstGeom prst="rect">
             <a:avLst/>
@@ -26843,265 +27399,64 @@
         </p:nvSpPr>
         <p:spPr>
           <a:xfrm>
-            <a:off x="467544" y="2060848"/>
+            <a:off x="467544" y="1844824"/>
             <a:ext cx="8568952" cy="1080120"/>
           </a:xfrm>
         </p:spPr>
         <p:txBody>
           <a:bodyPr>
-            <a:normAutofit fontScale="85000" lnSpcReduction="10000"/>
+            <a:normAutofit/>
           </a:bodyPr>
           <a:lstStyle/>
           <a:p>
             <a:r>
-              <a:rPr lang="ja-JP" altLang="en-US" sz="2200" dirty="0" smtClean="0">
-                <a:latin typeface="ＭＳ ゴシック"/>
-                <a:ea typeface="ＭＳ ゴシック"/>
-                <a:cs typeface="ＭＳ ゴシック"/>
-              </a:rPr>
-              <a:t>プログラムをコンパイルせよ。</a:t>
-            </a:r>
-            <a:r>
-              <a:rPr lang="en-US" altLang="ja-JP" sz="2200" dirty="0" smtClean="0">
-                <a:latin typeface="ＭＳ ゴシック"/>
-                <a:ea typeface="ＭＳ ゴシック"/>
-                <a:cs typeface="ＭＳ ゴシック"/>
-              </a:rPr>
-              <a:t>	</a:t>
-            </a:r>
-            <a:r>
-              <a:rPr lang="en-US" altLang="ja-JP" sz="1900" dirty="0">
-                <a:solidFill>
-                  <a:srgbClr val="0000FF"/>
-                </a:solidFill>
-                <a:latin typeface="ＭＳ ゴシック"/>
-                <a:ea typeface="ＭＳ ゴシック"/>
-                <a:cs typeface="ＭＳ ゴシック"/>
-              </a:rPr>
-              <a:t>% </a:t>
-            </a:r>
-            <a:r>
-              <a:rPr lang="en-US" altLang="ja-JP" sz="1900" dirty="0" err="1">
-                <a:solidFill>
-                  <a:srgbClr val="0000FF"/>
-                </a:solidFill>
-                <a:latin typeface="ＭＳ ゴシック"/>
-                <a:ea typeface="ＭＳ ゴシック"/>
-                <a:cs typeface="ＭＳ ゴシック"/>
-              </a:rPr>
-              <a:t>xmpcc</a:t>
-            </a:r>
-            <a:r>
-              <a:rPr lang="en-US" altLang="ja-JP" sz="1900" dirty="0">
-                <a:solidFill>
-                  <a:srgbClr val="0000FF"/>
-                </a:solidFill>
-                <a:latin typeface="ＭＳ ゴシック"/>
-                <a:ea typeface="ＭＳ ゴシック"/>
-                <a:cs typeface="ＭＳ ゴシック"/>
-              </a:rPr>
-              <a:t> </a:t>
-            </a:r>
-            <a:r>
-              <a:rPr lang="en-US" altLang="ja-JP" sz="1900" dirty="0" err="1">
-                <a:solidFill>
-                  <a:srgbClr val="0000FF"/>
-                </a:solidFill>
-                <a:latin typeface="ＭＳ ゴシック"/>
-                <a:ea typeface="ＭＳ ゴシック"/>
-                <a:cs typeface="ＭＳ ゴシック"/>
-              </a:rPr>
-              <a:t>init.c</a:t>
-            </a:r>
-            <a:r>
-              <a:rPr lang="en-US" altLang="ja-JP" sz="1900" dirty="0">
-                <a:solidFill>
-                  <a:srgbClr val="0000FF"/>
-                </a:solidFill>
-                <a:latin typeface="ＭＳ ゴシック"/>
-                <a:ea typeface="ＭＳ ゴシック"/>
-                <a:cs typeface="ＭＳ ゴシック"/>
-              </a:rPr>
-              <a:t> </a:t>
-            </a:r>
-            <a:r>
-              <a:rPr lang="ja-JP" altLang="en-US" sz="1900" dirty="0">
-                <a:solidFill>
-                  <a:srgbClr val="0000FF"/>
-                </a:solidFill>
-                <a:latin typeface="ＭＳ ゴシック"/>
-                <a:ea typeface="ＭＳ ゴシック"/>
-                <a:cs typeface="ＭＳ ゴシック"/>
-              </a:rPr>
-              <a:t>または</a:t>
-            </a:r>
-            <a:r>
-              <a:rPr lang="en-US" altLang="ja-JP" sz="1900" dirty="0">
-                <a:solidFill>
-                  <a:srgbClr val="0000FF"/>
-                </a:solidFill>
-                <a:latin typeface="ＭＳ ゴシック"/>
-                <a:ea typeface="ＭＳ ゴシック"/>
-                <a:cs typeface="ＭＳ ゴシック"/>
-              </a:rPr>
-              <a:t> </a:t>
-            </a:r>
-            <a:r>
-              <a:rPr lang="en-US" altLang="ja-JP" sz="1900" dirty="0" smtClean="0">
-                <a:solidFill>
-                  <a:srgbClr val="0000FF"/>
-                </a:solidFill>
-                <a:latin typeface="ＭＳ ゴシック"/>
-                <a:ea typeface="ＭＳ ゴシック"/>
-                <a:cs typeface="ＭＳ ゴシック"/>
-              </a:rPr>
-              <a:t>xmpf90 init.f90</a:t>
-            </a:r>
-            <a:endParaRPr lang="en-US" altLang="ja-JP" sz="2000" dirty="0" smtClean="0">
+              <a:rPr lang="ja-JP" altLang="en-US" dirty="0"/>
+              <a:t>ループ文を各ノードで並列実行</a:t>
+            </a:r>
+            <a:r>
+              <a:rPr lang="ja-JP" altLang="en-US" dirty="0" smtClean="0"/>
+              <a:t>する</a:t>
+            </a:r>
+            <a:r>
+              <a:rPr lang="ja-JP" altLang="en-US" dirty="0" smtClean="0"/>
+              <a:t>ために、</a:t>
+            </a:r>
+            <a:r>
+              <a:rPr lang="en-US" altLang="ja-JP" dirty="0"/>
+              <a:t/>
+            </a:r>
+            <a:br>
+              <a:rPr lang="en-US" altLang="ja-JP" dirty="0"/>
+            </a:br>
+            <a:r>
+              <a:rPr kumimoji="1" lang="ja-JP" altLang="en-US" dirty="0" smtClean="0">
+                <a:solidFill>
+                  <a:schemeClr val="tx1"/>
+                </a:solidFill>
+              </a:rPr>
+              <a:t>配列</a:t>
+            </a:r>
+            <a:r>
+              <a:rPr kumimoji="1" lang="en-US" altLang="ja-JP" dirty="0" smtClean="0">
+                <a:solidFill>
+                  <a:schemeClr val="tx1"/>
+                </a:solidFill>
+              </a:rPr>
+              <a:t>a</a:t>
+            </a:r>
+            <a:r>
+              <a:rPr kumimoji="1" lang="ja-JP" altLang="en-US" dirty="0" smtClean="0">
+                <a:solidFill>
+                  <a:schemeClr val="tx1"/>
+                </a:solidFill>
+              </a:rPr>
+              <a:t>を分散する</a:t>
+            </a:r>
+            <a:endParaRPr kumimoji="1" lang="en-US" altLang="ja-JP" dirty="0" smtClean="0">
               <a:solidFill>
-                <a:srgbClr val="0000FF"/>
+                <a:schemeClr val="tx1"/>
               </a:solidFill>
-              <a:latin typeface="ＭＳ ゴシック"/>
-              <a:ea typeface="ＭＳ ゴシック"/>
-              <a:cs typeface="ＭＳ ゴシック"/>
             </a:endParaRPr>
-          </a:p>
-          <a:p>
-            <a:r>
-              <a:rPr lang="en-US" altLang="ja-JP" sz="2200" dirty="0" smtClean="0">
-                <a:latin typeface="ＭＳ ゴシック"/>
-                <a:ea typeface="ＭＳ ゴシック"/>
-                <a:cs typeface="ＭＳ ゴシック"/>
-              </a:rPr>
-              <a:t>1</a:t>
-            </a:r>
-            <a:r>
-              <a:rPr lang="ja-JP" altLang="en-US" sz="2200" dirty="0" smtClean="0">
-                <a:latin typeface="ＭＳ ゴシック"/>
-                <a:ea typeface="ＭＳ ゴシック"/>
-                <a:cs typeface="ＭＳ ゴシック"/>
-              </a:rPr>
-              <a:t>ノードで実行せよ。</a:t>
-            </a:r>
-            <a:r>
-              <a:rPr lang="en-US" altLang="ja-JP" sz="2200" dirty="0" smtClean="0">
-                <a:latin typeface="ＭＳ ゴシック"/>
-                <a:ea typeface="ＭＳ ゴシック"/>
-                <a:cs typeface="ＭＳ ゴシック"/>
-              </a:rPr>
-              <a:t>			</a:t>
-            </a:r>
-            <a:r>
-              <a:rPr lang="en-US" altLang="ja-JP" sz="2000" dirty="0">
-                <a:solidFill>
-                  <a:srgbClr val="0000FF"/>
-                </a:solidFill>
-                <a:latin typeface="ＭＳ ゴシック"/>
-                <a:ea typeface="ＭＳ ゴシック"/>
-                <a:cs typeface="ＭＳ ゴシック"/>
-              </a:rPr>
-              <a:t>% ./</a:t>
-            </a:r>
-            <a:r>
-              <a:rPr lang="en-US" altLang="ja-JP" sz="2000" dirty="0" err="1" smtClean="0">
-                <a:solidFill>
-                  <a:srgbClr val="0000FF"/>
-                </a:solidFill>
-                <a:latin typeface="ＭＳ ゴシック"/>
-                <a:ea typeface="ＭＳ ゴシック"/>
-                <a:cs typeface="ＭＳ ゴシック"/>
-              </a:rPr>
-              <a:t>a.out</a:t>
-            </a:r>
-            <a:endParaRPr lang="en-US" altLang="ja-JP" sz="2200" dirty="0" smtClean="0">
-              <a:solidFill>
-                <a:srgbClr val="0000FF"/>
-              </a:solidFill>
-              <a:latin typeface="ＭＳ ゴシック"/>
-              <a:ea typeface="ＭＳ ゴシック"/>
-              <a:cs typeface="ＭＳ ゴシック"/>
-            </a:endParaRPr>
-          </a:p>
-          <a:p>
-            <a:r>
-              <a:rPr lang="en-US" altLang="ja-JP" sz="2200" dirty="0" smtClean="0">
-                <a:latin typeface="ＭＳ ゴシック"/>
-                <a:ea typeface="ＭＳ ゴシック"/>
-                <a:cs typeface="ＭＳ ゴシック"/>
-              </a:rPr>
-              <a:t>2</a:t>
-            </a:r>
-            <a:r>
-              <a:rPr lang="ja-JP" altLang="en-US" sz="2200" dirty="0" smtClean="0">
-                <a:latin typeface="ＭＳ ゴシック"/>
-                <a:ea typeface="ＭＳ ゴシック"/>
-                <a:cs typeface="ＭＳ ゴシック"/>
-              </a:rPr>
-              <a:t>ノードで実行せよ。何が起こるか？</a:t>
-            </a:r>
-            <a:r>
-              <a:rPr lang="en-US" altLang="ja-JP" sz="2200" dirty="0" smtClean="0">
-                <a:latin typeface="ＭＳ ゴシック"/>
-                <a:ea typeface="ＭＳ ゴシック"/>
-                <a:cs typeface="ＭＳ ゴシック"/>
-              </a:rPr>
-              <a:t>	</a:t>
-            </a:r>
-            <a:r>
-              <a:rPr lang="en-US" altLang="ja-JP" sz="1900" dirty="0" smtClean="0">
-                <a:solidFill>
-                  <a:srgbClr val="0000FF"/>
-                </a:solidFill>
-                <a:latin typeface="ＭＳ ゴシック"/>
-                <a:ea typeface="ＭＳ ゴシック"/>
-                <a:cs typeface="ＭＳ ゴシック"/>
-              </a:rPr>
-              <a:t>% </a:t>
-            </a:r>
-            <a:r>
-              <a:rPr lang="en-US" altLang="ja-JP" sz="1900" dirty="0" err="1" smtClean="0">
-                <a:solidFill>
-                  <a:srgbClr val="0000FF"/>
-                </a:solidFill>
-                <a:latin typeface="ＭＳ ゴシック"/>
-                <a:ea typeface="ＭＳ ゴシック"/>
-                <a:cs typeface="ＭＳ ゴシック"/>
-              </a:rPr>
-              <a:t>mpirun</a:t>
-            </a:r>
-            <a:r>
-              <a:rPr lang="en-US" altLang="ja-JP" sz="1900" dirty="0" smtClean="0">
-                <a:solidFill>
-                  <a:srgbClr val="0000FF"/>
-                </a:solidFill>
-                <a:latin typeface="ＭＳ ゴシック"/>
-                <a:ea typeface="ＭＳ ゴシック"/>
-                <a:cs typeface="ＭＳ ゴシック"/>
-              </a:rPr>
-              <a:t> -n 2 </a:t>
-            </a:r>
-            <a:r>
-              <a:rPr lang="en-US" altLang="ja-JP" sz="1900" dirty="0" err="1" smtClean="0">
-                <a:solidFill>
-                  <a:srgbClr val="0000FF"/>
-                </a:solidFill>
-                <a:latin typeface="ＭＳ ゴシック"/>
-                <a:ea typeface="ＭＳ ゴシック"/>
-                <a:cs typeface="ＭＳ ゴシック"/>
-              </a:rPr>
-              <a:t>a.out</a:t>
-            </a:r>
-            <a:endParaRPr lang="en-US" altLang="ja-JP" sz="1900" dirty="0" smtClean="0">
-              <a:solidFill>
-                <a:srgbClr val="0000FF"/>
-              </a:solidFill>
-              <a:latin typeface="ＭＳ ゴシック"/>
-              <a:ea typeface="ＭＳ ゴシック"/>
-              <a:cs typeface="ＭＳ ゴシック"/>
-            </a:endParaRPr>
-          </a:p>
-          <a:p>
-            <a:endParaRPr kumimoji="1" lang="ja-JP" altLang="en-US" dirty="0"/>
           </a:p>
         </p:txBody>
       </p:sp>
@@ -27115,18 +27470,27 @@
             <p:ph type="title"/>
           </p:nvPr>
         </p:nvSpPr>
-        <p:spPr/>
+        <p:spPr>
+          <a:xfrm>
+            <a:off x="457200" y="706016"/>
+            <a:ext cx="8229600" cy="1066800"/>
+          </a:xfrm>
+        </p:spPr>
         <p:txBody>
           <a:bodyPr/>
           <a:lstStyle/>
           <a:p>
             <a:r>
-              <a:rPr lang="ja-JP" altLang="en-US" dirty="0"/>
-              <a:t>プログラムの逐次</a:t>
-            </a:r>
-            <a:r>
               <a:rPr lang="ja-JP" altLang="en-US" dirty="0" smtClean="0"/>
-              <a:t>実行・冗長実行</a:t>
+              <a:t>簡単な</a:t>
+            </a:r>
+            <a:r>
+              <a:rPr lang="ja-JP" altLang="en-US" dirty="0" smtClean="0"/>
+              <a:t>プログラムの</a:t>
+            </a:r>
+            <a:r>
+              <a:rPr lang="ja-JP" altLang="en-US" dirty="0" smtClean="0"/>
+              <a:t>並列化</a:t>
             </a:r>
             <a:endParaRPr kumimoji="1" lang="ja-JP" altLang="en-US" dirty="0"/>
           </a:p>
@@ -28066,7 +28430,7 @@
         </p:spPr>
         <p:txBody>
           <a:bodyPr>
-            <a:normAutofit fontScale="77500" lnSpcReduction="20000"/>
+            <a:normAutofit fontScale="92500" lnSpcReduction="10000"/>
           </a:bodyPr>
           <a:lstStyle/>
           <a:p>
@@ -28075,35 +28439,83 @@
                 <a:latin typeface="ＭＳ ゴシック" pitchFamily="49" charset="-128"/>
                 <a:ea typeface="ＭＳ ゴシック" pitchFamily="49" charset="-128"/>
               </a:rPr>
-              <a:t>distrubute</a:t>
+              <a:t>xmp_init.c</a:t>
+            </a:r>
+            <a:r>
+              <a:rPr lang="en-US" altLang="ja-JP" sz="2400" dirty="0" smtClean="0">
+                <a:latin typeface="ＭＳ ゴシック" pitchFamily="49" charset="-128"/>
+                <a:ea typeface="ＭＳ ゴシック" pitchFamily="49" charset="-128"/>
+              </a:rPr>
+              <a:t>, xmp_init,f90 </a:t>
             </a:r>
             <a:r>
               <a:rPr lang="ja-JP" altLang="en-US" sz="2400" dirty="0" smtClean="0">
                 <a:latin typeface="ＭＳ ゴシック" pitchFamily="49" charset="-128"/>
                 <a:ea typeface="ＭＳ ゴシック" pitchFamily="49" charset="-128"/>
               </a:rPr>
-              <a:t>指示文まで書いたプログラム </a:t>
-            </a:r>
-            <a:r>
-              <a:rPr lang="en-US" altLang="ja-JP" sz="2400" dirty="0" err="1" smtClean="0">
-                <a:latin typeface="ＭＳ ゴシック" pitchFamily="49" charset="-128"/>
-                <a:ea typeface="ＭＳ ゴシック" pitchFamily="49" charset="-128"/>
-              </a:rPr>
-              <a:t>xmp_init.c</a:t>
+              <a:t>に</a:t>
+            </a:r>
+            <a:r>
+              <a:rPr lang="ja-JP" altLang="en-US" sz="2400" dirty="0" smtClean="0">
+                <a:latin typeface="ＭＳ ゴシック" pitchFamily="49" charset="-128"/>
+                <a:ea typeface="ＭＳ ゴシック" pitchFamily="49" charset="-128"/>
+              </a:rPr>
+              <a:t>指示</a:t>
+            </a:r>
+            <a:r>
+              <a:rPr lang="ja-JP" altLang="en-US" sz="2400" dirty="0" smtClean="0">
+                <a:latin typeface="ＭＳ ゴシック" pitchFamily="49" charset="-128"/>
+                <a:ea typeface="ＭＳ ゴシック" pitchFamily="49" charset="-128"/>
+              </a:rPr>
+              <a:t>文を追加して並列化し</a:t>
+            </a:r>
+            <a:r>
+              <a:rPr lang="ja-JP" altLang="en-US" sz="2400" dirty="0" smtClean="0">
+                <a:latin typeface="ＭＳ ゴシック" pitchFamily="49" charset="-128"/>
+                <a:ea typeface="ＭＳ ゴシック" pitchFamily="49" charset="-128"/>
+              </a:rPr>
+              <a:t>、</a:t>
             </a:r>
             <a:r>
               <a:rPr lang="en-US" altLang="ja-JP" sz="2400" dirty="0" smtClean="0">
                 <a:latin typeface="ＭＳ ゴシック" pitchFamily="49" charset="-128"/>
                 <a:ea typeface="ＭＳ ゴシック" pitchFamily="49" charset="-128"/>
               </a:rPr>
-              <a:t>, xmp_init,f90 </a:t>
-            </a:r>
+              <a:t/>
+            </a:r>
+            <a:br>
+              <a:rPr lang="en-US" altLang="ja-JP" sz="2400" dirty="0" smtClean="0">
+                <a:latin typeface="ＭＳ ゴシック" pitchFamily="49" charset="-128"/>
+                <a:ea typeface="ＭＳ ゴシック" pitchFamily="49" charset="-128"/>
+              </a:rPr>
+            </a:br>
             <a:r>
               <a:rPr lang="ja-JP" altLang="en-US" sz="2400" dirty="0" smtClean="0">
                 <a:latin typeface="ＭＳ ゴシック" pitchFamily="49" charset="-128"/>
                 <a:ea typeface="ＭＳ ゴシック" pitchFamily="49" charset="-128"/>
               </a:rPr>
-              <a:t>を元に、指示文を追加して並列化し、コンパイル、実行せよ。</a:t>
+              <a:t>コンパイル</a:t>
+            </a:r>
+            <a:r>
+              <a:rPr lang="ja-JP" altLang="en-US" sz="2400" dirty="0" smtClean="0">
+                <a:latin typeface="ＭＳ ゴシック" pitchFamily="49" charset="-128"/>
+                <a:ea typeface="ＭＳ ゴシック" pitchFamily="49" charset="-128"/>
+              </a:rPr>
+              <a:t>、</a:t>
+            </a:r>
+            <a:r>
+              <a:rPr lang="ja-JP" altLang="en-US" sz="2400" dirty="0" smtClean="0">
+                <a:latin typeface="ＭＳ ゴシック" pitchFamily="49" charset="-128"/>
+                <a:ea typeface="ＭＳ ゴシック" pitchFamily="49" charset="-128"/>
+              </a:rPr>
+              <a:t>実行</a:t>
+            </a:r>
+            <a:r>
+              <a:rPr lang="ja-JP" altLang="en-US" sz="2400" dirty="0" smtClean="0">
+                <a:latin typeface="ＭＳ ゴシック" pitchFamily="49" charset="-128"/>
+                <a:ea typeface="ＭＳ ゴシック" pitchFamily="49" charset="-128"/>
+              </a:rPr>
+              <a:t>する。</a:t>
             </a:r>
             <a:endParaRPr lang="en-US" altLang="ja-JP" sz="2400" dirty="0" smtClean="0">
               <a:latin typeface="ＭＳ ゴシック" pitchFamily="49" charset="-128"/>
@@ -28120,8 +28532,8 @@
         </p:nvSpPr>
         <p:spPr>
           <a:xfrm>
-            <a:off x="1043608" y="2564904"/>
-            <a:ext cx="3312368" cy="4176464"/>
+            <a:off x="683568" y="2564904"/>
+            <a:ext cx="3960440" cy="4176464"/>
           </a:xfrm>
           <a:prstGeom prst="rect">
             <a:avLst/>
@@ -28177,47 +28589,27 @@
                 <a:latin typeface="ＭＳ ゴシック" pitchFamily="49" charset="-128"/>
                 <a:ea typeface="ＭＳ ゴシック" pitchFamily="49" charset="-128"/>
               </a:rPr>
-              <a:t>[</a:t>
-            </a:r>
-            <a:r>
-              <a:rPr lang="en-US" altLang="ja-JP" sz="1400" dirty="0" smtClean="0">
+              <a:t>#pragma </a:t>
+            </a:r>
+            <a:r>
+              <a:rPr lang="en-US" altLang="ja-JP" sz="1400" dirty="0" err="1">
                 <a:solidFill>
                   <a:srgbClr val="000090"/>
                 </a:solidFill>
                 <a:latin typeface="ＭＳ ゴシック" pitchFamily="49" charset="-128"/>
                 <a:ea typeface="ＭＳ ゴシック" pitchFamily="49" charset="-128"/>
               </a:rPr>
-              <a:t>nodes</a:t>
-            </a:r>
-            <a:r>
-              <a:rPr lang="ja-JP" altLang="en-US" sz="1400" dirty="0" smtClean="0">
+              <a:t>xmp</a:t>
+            </a:r>
+            <a:r>
+              <a:rPr lang="en-US" altLang="ja-JP" sz="1400" dirty="0">
                 <a:solidFill>
                   <a:srgbClr val="000090"/>
                 </a:solidFill>
                 <a:latin typeface="ＭＳ ゴシック" pitchFamily="49" charset="-128"/>
                 <a:ea typeface="ＭＳ ゴシック" pitchFamily="49" charset="-128"/>
               </a:rPr>
-              <a:t>指示</a:t>
-            </a:r>
-            <a:r>
-              <a:rPr lang="ja-JP" altLang="en-US" sz="1400" dirty="0">
-                <a:solidFill>
-                  <a:srgbClr val="000090"/>
-                </a:solidFill>
-                <a:latin typeface="ＭＳ ゴシック" pitchFamily="49" charset="-128"/>
-                <a:ea typeface="ＭＳ ゴシック" pitchFamily="49" charset="-128"/>
-              </a:rPr>
-              <a:t>文</a:t>
-            </a:r>
-            <a:r>
-              <a:rPr lang="en-US" altLang="ja-JP" sz="1400" dirty="0">
-                <a:solidFill>
-                  <a:srgbClr val="000090"/>
-                </a:solidFill>
-                <a:latin typeface="ＭＳ ゴシック" pitchFamily="49" charset="-128"/>
-                <a:ea typeface="ＭＳ ゴシック" pitchFamily="49" charset="-128"/>
-              </a:rPr>
-              <a:t>]</a:t>
+              <a:t> nodes p(2)</a:t>
             </a:r>
           </a:p>
           <a:p>
@@ -28232,17 +28624,17 @@
                 <a:latin typeface="ＭＳ ゴシック" pitchFamily="49" charset="-128"/>
                 <a:ea typeface="ＭＳ ゴシック" pitchFamily="49" charset="-128"/>
               </a:rPr>
-              <a:t>[template</a:t>
-            </a:r>
-            <a:r>
-              <a:rPr lang="ja-JP" altLang="en-US" sz="1400" dirty="0">
+              <a:t>#pragma </a:t>
+            </a:r>
+            <a:r>
+              <a:rPr lang="en-US" altLang="ja-JP" sz="1400" dirty="0" err="1">
                 <a:solidFill>
                   <a:srgbClr val="000090"/>
                 </a:solidFill>
                 <a:latin typeface="ＭＳ ゴシック" pitchFamily="49" charset="-128"/>
                 <a:ea typeface="ＭＳ ゴシック" pitchFamily="49" charset="-128"/>
               </a:rPr>
-              <a:t>指示文</a:t>
+              <a:t>xmp</a:t>
             </a:r>
             <a:r>
               <a:rPr lang="en-US" altLang="ja-JP" sz="1400" dirty="0">
@@ -28252,7 +28644,7 @@
                 <a:latin typeface="ＭＳ ゴシック" pitchFamily="49" charset="-128"/>
                 <a:ea typeface="ＭＳ ゴシック" pitchFamily="49" charset="-128"/>
               </a:rPr>
-              <a:t>] </a:t>
+              <a:t> template t(0:9)</a:t>
             </a:r>
           </a:p>
           <a:p>
@@ -28267,17 +28659,17 @@
                 <a:latin typeface="ＭＳ ゴシック" pitchFamily="49" charset="-128"/>
                 <a:ea typeface="ＭＳ ゴシック" pitchFamily="49" charset="-128"/>
               </a:rPr>
-              <a:t>[distribute</a:t>
-            </a:r>
-            <a:r>
-              <a:rPr lang="ja-JP" altLang="en-US" sz="1400" dirty="0">
+              <a:t>#pragma </a:t>
+            </a:r>
+            <a:r>
+              <a:rPr lang="en-US" altLang="ja-JP" sz="1400" dirty="0" err="1">
                 <a:solidFill>
                   <a:srgbClr val="000090"/>
                 </a:solidFill>
                 <a:latin typeface="ＭＳ ゴシック" pitchFamily="49" charset="-128"/>
                 <a:ea typeface="ＭＳ ゴシック" pitchFamily="49" charset="-128"/>
               </a:rPr>
-              <a:t>指示文</a:t>
+              <a:t>xmp</a:t>
             </a:r>
             <a:r>
               <a:rPr lang="en-US" altLang="ja-JP" sz="1400" dirty="0">
@@ -28287,7 +28679,17 @@
                 <a:latin typeface="ＭＳ ゴシック" pitchFamily="49" charset="-128"/>
                 <a:ea typeface="ＭＳ ゴシック" pitchFamily="49" charset="-128"/>
               </a:rPr>
-              <a:t>] </a:t>
+              <a:t> distribute t(block) onto </a:t>
+            </a:r>
+            <a:r>
+              <a:rPr lang="en-US" altLang="ja-JP" sz="1400" dirty="0" smtClean="0">
+                <a:solidFill>
+                  <a:srgbClr val="000090"/>
+                </a:solidFill>
+                <a:latin typeface="ＭＳ ゴシック" pitchFamily="49" charset="-128"/>
+                <a:ea typeface="ＭＳ ゴシック" pitchFamily="49" charset="-128"/>
+              </a:rPr>
+              <a:t>p</a:t>
             </a:r>
           </a:p>
           <a:p>
@@ -28892,44 +29294,34 @@
               <a:buNone/>
             </a:pPr>
             <a:r>
-              <a:rPr lang="en-US" altLang="ja-JP" sz="1400" dirty="0" smtClean="0">
+              <a:rPr lang="en-US" altLang="ja-JP" sz="1400" dirty="0">
                 <a:solidFill>
                   <a:srgbClr val="000090"/>
                 </a:solidFill>
                 <a:latin typeface="ＭＳ ゴシック" pitchFamily="49" charset="-128"/>
                 <a:ea typeface="ＭＳ ゴシック" pitchFamily="49" charset="-128"/>
               </a:rPr>
-              <a:t>[nodes</a:t>
-            </a:r>
-            <a:r>
-              <a:rPr lang="ja-JP" altLang="en-US" sz="1400" dirty="0" smtClean="0">
+              <a:t>!$</a:t>
+            </a:r>
+            <a:r>
+              <a:rPr lang="en-US" altLang="ja-JP" sz="1400" dirty="0" err="1">
                 <a:solidFill>
                   <a:srgbClr val="000090"/>
                 </a:solidFill>
                 <a:latin typeface="ＭＳ ゴシック" pitchFamily="49" charset="-128"/>
                 <a:ea typeface="ＭＳ ゴシック" pitchFamily="49" charset="-128"/>
               </a:rPr>
-              <a:t>指示</a:t>
-            </a:r>
-            <a:r>
-              <a:rPr lang="ja-JP" altLang="en-US" sz="1400" dirty="0">
+              <a:t>xmp</a:t>
+            </a:r>
+            <a:r>
+              <a:rPr lang="en-US" altLang="ja-JP" sz="1400" dirty="0">
                 <a:solidFill>
                   <a:srgbClr val="000090"/>
                 </a:solidFill>
                 <a:latin typeface="ＭＳ ゴシック" pitchFamily="49" charset="-128"/>
                 <a:ea typeface="ＭＳ ゴシック" pitchFamily="49" charset="-128"/>
               </a:rPr>
-              <a:t>文</a:t>
-            </a:r>
-            <a:r>
-              <a:rPr lang="en-US" altLang="ja-JP" sz="1400" dirty="0">
-                <a:solidFill>
-                  <a:srgbClr val="000090"/>
-                </a:solidFill>
-                <a:latin typeface="ＭＳ ゴシック" pitchFamily="49" charset="-128"/>
-                <a:ea typeface="ＭＳ ゴシック" pitchFamily="49" charset="-128"/>
-              </a:rPr>
-              <a:t>]</a:t>
+              <a:t> nodes p(2)</a:t>
             </a:r>
           </a:p>
           <a:p>
@@ -28937,44 +29329,34 @@
               <a:buNone/>
             </a:pPr>
             <a:r>
-              <a:rPr lang="en-US" altLang="ja-JP" sz="1400" dirty="0" smtClean="0">
+              <a:rPr lang="en-US" altLang="ja-JP" sz="1400" dirty="0">
                 <a:solidFill>
                   <a:srgbClr val="000090"/>
                 </a:solidFill>
                 <a:latin typeface="ＭＳ ゴシック" pitchFamily="49" charset="-128"/>
                 <a:ea typeface="ＭＳ ゴシック" pitchFamily="49" charset="-128"/>
               </a:rPr>
-              <a:t>[template</a:t>
-            </a:r>
-            <a:r>
-              <a:rPr lang="ja-JP" altLang="en-US" sz="1400" dirty="0" smtClean="0">
+              <a:t>!$</a:t>
+            </a:r>
+            <a:r>
+              <a:rPr lang="en-US" altLang="ja-JP" sz="1400" dirty="0" err="1">
                 <a:solidFill>
                   <a:srgbClr val="000090"/>
                 </a:solidFill>
                 <a:latin typeface="ＭＳ ゴシック" pitchFamily="49" charset="-128"/>
                 <a:ea typeface="ＭＳ ゴシック" pitchFamily="49" charset="-128"/>
               </a:rPr>
-              <a:t>指示</a:t>
-            </a:r>
-            <a:r>
-              <a:rPr lang="ja-JP" altLang="en-US" sz="1400" dirty="0">
+              <a:t>xmp</a:t>
+            </a:r>
+            <a:r>
+              <a:rPr lang="en-US" altLang="ja-JP" sz="1400" dirty="0">
                 <a:solidFill>
                   <a:srgbClr val="000090"/>
                 </a:solidFill>
                 <a:latin typeface="ＭＳ ゴシック" pitchFamily="49" charset="-128"/>
                 <a:ea typeface="ＭＳ ゴシック" pitchFamily="49" charset="-128"/>
               </a:rPr>
-              <a:t>文</a:t>
-            </a:r>
-            <a:r>
-              <a:rPr lang="en-US" altLang="ja-JP" sz="1400" dirty="0">
-                <a:solidFill>
-                  <a:srgbClr val="000090"/>
-                </a:solidFill>
-                <a:latin typeface="ＭＳ ゴシック" pitchFamily="49" charset="-128"/>
-                <a:ea typeface="ＭＳ ゴシック" pitchFamily="49" charset="-128"/>
-              </a:rPr>
-              <a:t>] </a:t>
+              <a:t> template t(10)</a:t>
             </a:r>
           </a:p>
           <a:p>
@@ -28982,6 +29364,36 @@
               <a:buNone/>
             </a:pPr>
             <a:r>
+              <a:rPr lang="en-US" altLang="ja-JP" sz="1400" dirty="0">
+                <a:solidFill>
+                  <a:srgbClr val="000090"/>
+                </a:solidFill>
+                <a:latin typeface="ＭＳ ゴシック" pitchFamily="49" charset="-128"/>
+                <a:ea typeface="ＭＳ ゴシック" pitchFamily="49" charset="-128"/>
+              </a:rPr>
+              <a:t>!$</a:t>
+            </a:r>
+            <a:r>
+              <a:rPr lang="en-US" altLang="ja-JP" sz="1400" dirty="0" err="1">
+                <a:solidFill>
+                  <a:srgbClr val="000090"/>
+                </a:solidFill>
+                <a:latin typeface="ＭＳ ゴシック" pitchFamily="49" charset="-128"/>
+                <a:ea typeface="ＭＳ ゴシック" pitchFamily="49" charset="-128"/>
+              </a:rPr>
+              <a:t>xmp</a:t>
+            </a:r>
+            <a:r>
+              <a:rPr lang="en-US" altLang="ja-JP" sz="1400" dirty="0">
+                <a:solidFill>
+                  <a:srgbClr val="000090"/>
+                </a:solidFill>
+                <a:latin typeface="ＭＳ ゴシック" pitchFamily="49" charset="-128"/>
+                <a:ea typeface="ＭＳ ゴシック" pitchFamily="49" charset="-128"/>
+              </a:rPr>
+              <a:t> distribute t(block) onto </a:t>
+            </a:r>
+            <a:r>
               <a:rPr lang="en-US" altLang="ja-JP" sz="1400" dirty="0" smtClean="0">
                 <a:solidFill>
                   <a:srgbClr val="000090"/>
@@ -28989,38 +29401,15 @@
                 <a:latin typeface="ＭＳ ゴシック" pitchFamily="49" charset="-128"/>
                 <a:ea typeface="ＭＳ ゴシック" pitchFamily="49" charset="-128"/>
               </a:rPr>
-              <a:t>[distribute</a:t>
-            </a:r>
-            <a:r>
-              <a:rPr lang="ja-JP" altLang="en-US" sz="1400" dirty="0" smtClean="0">
-                <a:solidFill>
-                  <a:srgbClr val="000090"/>
-                </a:solidFill>
-                <a:latin typeface="ＭＳ ゴシック" pitchFamily="49" charset="-128"/>
-                <a:ea typeface="ＭＳ ゴシック" pitchFamily="49" charset="-128"/>
-              </a:rPr>
-              <a:t>指示</a:t>
-            </a:r>
-            <a:r>
-              <a:rPr lang="ja-JP" altLang="en-US" sz="1400" dirty="0">
-                <a:solidFill>
-                  <a:srgbClr val="000090"/>
-                </a:solidFill>
-                <a:latin typeface="ＭＳ ゴシック" pitchFamily="49" charset="-128"/>
-                <a:ea typeface="ＭＳ ゴシック" pitchFamily="49" charset="-128"/>
-              </a:rPr>
-              <a:t>文</a:t>
-            </a:r>
-            <a:r>
-              <a:rPr lang="en-US" altLang="ja-JP" sz="1400" dirty="0">
-                <a:solidFill>
-                  <a:srgbClr val="000090"/>
-                </a:solidFill>
-                <a:latin typeface="ＭＳ ゴシック" pitchFamily="49" charset="-128"/>
-                <a:ea typeface="ＭＳ ゴシック" pitchFamily="49" charset="-128"/>
-              </a:rPr>
-              <a:t>] </a:t>
-            </a:r>
+              <a:t>p</a:t>
+            </a:r>
+            <a:endParaRPr lang="en-US" altLang="ja-JP" sz="1400" dirty="0">
+              <a:solidFill>
+                <a:srgbClr val="000090"/>
+              </a:solidFill>
+              <a:latin typeface="ＭＳ ゴシック" pitchFamily="49" charset="-128"/>
+              <a:ea typeface="ＭＳ ゴシック" pitchFamily="49" charset="-128"/>
+            </a:endParaRPr>
           </a:p>
           <a:p>
             <a:pPr marL="109728" indent="0">
@@ -29541,6 +29930,280 @@
         </p:nvSpPr>
         <p:spPr>
           <a:xfrm>
+            <a:off x="457200" y="764704"/>
+            <a:ext cx="8229600" cy="1066800"/>
+          </a:xfrm>
+        </p:spPr>
+        <p:txBody>
+          <a:bodyPr>
+            <a:normAutofit/>
+          </a:bodyPr>
+          <a:lstStyle/>
+          <a:p>
+            <a:r>
+              <a:rPr lang="ja-JP" altLang="en-US" dirty="0" smtClean="0"/>
+              <a:t>プログラム</a:t>
+            </a:r>
+            <a:r>
+              <a:rPr kumimoji="1" lang="ja-JP" altLang="en-US" dirty="0" smtClean="0"/>
+              <a:t>の並列実行</a:t>
+            </a:r>
+            <a:endParaRPr kumimoji="1" lang="ja-JP" altLang="en-US" dirty="0"/>
+          </a:p>
+        </p:txBody>
+      </p:sp>
+      <p:sp>
+        <p:nvSpPr>
+          <p:cNvPr id="7" name="スライド番号プレースホルダー 6"/>
+          <p:cNvSpPr>
+            <a:spLocks noGrp="1"/>
+          </p:cNvSpPr>
+          <p:nvPr>
+            <p:ph type="sldNum" sz="quarter" idx="12"/>
+          </p:nvPr>
+        </p:nvSpPr>
+        <p:spPr/>
+        <p:txBody>
+          <a:bodyPr/>
+          <a:lstStyle/>
+          <a:p>
+            <a:fld id="{B0A0D984-B00D-46F6-871F-5154A69C1919}" type="slidenum">
+              <a:rPr kumimoji="1" lang="ja-JP" altLang="en-US" smtClean="0"/>
+              <a:t>7</a:t>
+            </a:fld>
+            <a:endParaRPr kumimoji="1" lang="ja-JP" altLang="en-US"/>
+          </a:p>
+        </p:txBody>
+      </p:sp>
+      <p:sp>
+        <p:nvSpPr>
+          <p:cNvPr id="6" name="コンテンツ プレースホルダー 5"/>
+          <p:cNvSpPr>
+            <a:spLocks noGrp="1"/>
+          </p:cNvSpPr>
+          <p:nvPr>
+            <p:ph idx="1"/>
+          </p:nvPr>
+        </p:nvSpPr>
+        <p:spPr/>
+        <p:txBody>
+          <a:bodyPr/>
+          <a:lstStyle/>
+          <a:p>
+            <a:r>
+              <a:rPr kumimoji="1" lang="ja-JP" altLang="en-US" dirty="0" smtClean="0">
+                <a:solidFill>
+                  <a:srgbClr val="000000"/>
+                </a:solidFill>
+              </a:rPr>
+              <a:t>コンパイル</a:t>
+            </a:r>
+            <a:endParaRPr kumimoji="1" lang="en-US" altLang="ja-JP" dirty="0" smtClean="0">
+              <a:solidFill>
+                <a:srgbClr val="000000"/>
+              </a:solidFill>
+            </a:endParaRPr>
+          </a:p>
+          <a:p>
+            <a:pPr lvl="1"/>
+            <a:r>
+              <a:rPr lang="en-US" altLang="ja-JP" dirty="0" err="1">
+                <a:solidFill>
+                  <a:srgbClr val="000000"/>
+                </a:solidFill>
+              </a:rPr>
+              <a:t>x</a:t>
+            </a:r>
+            <a:r>
+              <a:rPr lang="en-US" altLang="ja-JP" dirty="0" err="1" smtClean="0">
+                <a:solidFill>
+                  <a:srgbClr val="000000"/>
+                </a:solidFill>
+              </a:rPr>
+              <a:t>mpcc</a:t>
+            </a:r>
+            <a:r>
+              <a:rPr lang="en-US" altLang="ja-JP" dirty="0" smtClean="0">
+                <a:solidFill>
+                  <a:srgbClr val="000000"/>
+                </a:solidFill>
+              </a:rPr>
+              <a:t> </a:t>
+            </a:r>
+            <a:r>
+              <a:rPr lang="en-US" altLang="ja-JP" dirty="0" err="1" smtClean="0">
+                <a:solidFill>
+                  <a:srgbClr val="000000"/>
+                </a:solidFill>
+              </a:rPr>
+              <a:t>xmp_init.c</a:t>
+            </a:r>
+            <a:r>
+              <a:rPr lang="en-US" altLang="ja-JP" dirty="0" smtClean="0">
+                <a:solidFill>
+                  <a:srgbClr val="000000"/>
+                </a:solidFill>
+              </a:rPr>
+              <a:t> </a:t>
+            </a:r>
+          </a:p>
+          <a:p>
+            <a:pPr lvl="1"/>
+            <a:r>
+              <a:rPr lang="en-US" altLang="ja-JP" dirty="0" smtClean="0">
+                <a:solidFill>
+                  <a:srgbClr val="000000"/>
+                </a:solidFill>
+              </a:rPr>
+              <a:t>xmpf90 xmp_init.f90</a:t>
+            </a:r>
+          </a:p>
+          <a:p>
+            <a:pPr lvl="1"/>
+            <a:endParaRPr kumimoji="1" lang="en-US" altLang="ja-JP" dirty="0">
+              <a:solidFill>
+                <a:srgbClr val="000000"/>
+              </a:solidFill>
+            </a:endParaRPr>
+          </a:p>
+          <a:p>
+            <a:r>
+              <a:rPr lang="ja-JP" altLang="en-US" dirty="0" smtClean="0">
+                <a:solidFill>
+                  <a:srgbClr val="000000"/>
+                </a:solidFill>
+              </a:rPr>
+              <a:t>実行（</a:t>
+            </a:r>
+            <a:r>
+              <a:rPr lang="en-US" altLang="ja-JP" dirty="0">
+                <a:solidFill>
+                  <a:srgbClr val="000000"/>
+                </a:solidFill>
+              </a:rPr>
+              <a:t>2</a:t>
+            </a:r>
+            <a:r>
+              <a:rPr lang="ja-JP" altLang="en-US" dirty="0" smtClean="0">
+                <a:solidFill>
+                  <a:srgbClr val="000000"/>
+                </a:solidFill>
+              </a:rPr>
+              <a:t>プロセスの場合）</a:t>
+            </a:r>
+            <a:endParaRPr lang="en-US" altLang="ja-JP" dirty="0" smtClean="0">
+              <a:solidFill>
+                <a:srgbClr val="000000"/>
+              </a:solidFill>
+            </a:endParaRPr>
+          </a:p>
+          <a:p>
+            <a:pPr lvl="1"/>
+            <a:r>
+              <a:rPr lang="en-US" altLang="ja-JP" dirty="0" err="1">
+                <a:solidFill>
+                  <a:srgbClr val="000000"/>
+                </a:solidFill>
+              </a:rPr>
+              <a:t>m</a:t>
+            </a:r>
+            <a:r>
+              <a:rPr kumimoji="1" lang="en-US" altLang="ja-JP" dirty="0" err="1" smtClean="0">
+                <a:solidFill>
+                  <a:srgbClr val="000000"/>
+                </a:solidFill>
+              </a:rPr>
+              <a:t>pirun</a:t>
+            </a:r>
+            <a:r>
+              <a:rPr kumimoji="1" lang="en-US" altLang="ja-JP" dirty="0" smtClean="0">
+                <a:solidFill>
+                  <a:srgbClr val="000000"/>
+                </a:solidFill>
+              </a:rPr>
+              <a:t> –</a:t>
+            </a:r>
+            <a:r>
+              <a:rPr kumimoji="1" lang="en-US" altLang="ja-JP" dirty="0" err="1" smtClean="0">
+                <a:solidFill>
+                  <a:srgbClr val="000000"/>
+                </a:solidFill>
+              </a:rPr>
+              <a:t>np</a:t>
+            </a:r>
+            <a:r>
+              <a:rPr kumimoji="1" lang="en-US" altLang="ja-JP" dirty="0" smtClean="0">
+                <a:solidFill>
+                  <a:srgbClr val="000000"/>
+                </a:solidFill>
+              </a:rPr>
+              <a:t> 2 ./</a:t>
+            </a:r>
+            <a:r>
+              <a:rPr kumimoji="1" lang="en-US" altLang="ja-JP" dirty="0" err="1" smtClean="0">
+                <a:solidFill>
+                  <a:srgbClr val="000000"/>
+                </a:solidFill>
+              </a:rPr>
+              <a:t>a.out</a:t>
+            </a:r>
+            <a:endParaRPr kumimoji="1" lang="ja-JP" altLang="en-US" dirty="0">
+              <a:solidFill>
+                <a:srgbClr val="000000"/>
+              </a:solidFill>
+            </a:endParaRPr>
+          </a:p>
+        </p:txBody>
+      </p:sp>
+    </p:spTree>
+    <p:extLst>
+      <p:ext uri="{BB962C8B-B14F-4D97-AF65-F5344CB8AC3E}">
+        <p14:creationId xmlns:p14="http://schemas.microsoft.com/office/powerpoint/2010/main" val="2164739123"/>
+      </p:ext>
+    </p:extLst>
+  </p:cSld>
+  <p:clrMapOvr>
+    <a:masterClrMapping/>
+  </p:clrMapOvr>
+  <p:timing>
+    <p:tnLst>
+      <p:par>
+        <p:cTn xmlns:p14="http://schemas.microsoft.com/office/powerpoint/2010/main" id="1" dur="indefinite" restart="never" nodeType="tmRoot"/>
+      </p:par>
+    </p:tnLst>
+  </p:timing>
+</p:sld>
+</file>
+
+<file path=ppt/slides/slide8.xml><?xml version="1.0" encoding="utf-8"?>
+<p:sld xmlns:a="http://schemas.openxmlformats.org/drawingml/2006/main" xmlns:r="http://schemas.openxmlformats.org/officeDocument/2006/relationships" xmlns:p="http://schemas.openxmlformats.org/presentationml/2006/main">
+  <p:cSld>
+    <p:spTree>
+      <p:nvGrpSpPr>
+        <p:cNvPr id="1" name=""/>
+        <p:cNvGrpSpPr/>
+        <p:nvPr/>
+      </p:nvGrpSpPr>
+      <p:grpSpPr>
+        <a:xfrm>
+          <a:off x="0" y="0"/>
+          <a:ext cx="0" cy="0"/>
+          <a:chOff x="0" y="0"/>
+          <a:chExt cx="0" cy="0"/>
+        </a:xfrm>
+      </p:grpSpPr>
+      <p:sp>
+        <p:nvSpPr>
+          <p:cNvPr id="2" name="タイトル 1"/>
+          <p:cNvSpPr>
+            <a:spLocks noGrp="1"/>
+          </p:cNvSpPr>
+          <p:nvPr>
+            <p:ph type="title"/>
+          </p:nvPr>
+        </p:nvSpPr>
+        <p:spPr>
+          <a:xfrm>
             <a:off x="457200" y="1143000"/>
             <a:ext cx="8229600" cy="1066800"/>
           </a:xfrm>
@@ -29582,22 +30245,18 @@
               <a:buAutoNum type="arabicPeriod"/>
             </a:pPr>
             <a:r>
-              <a:rPr lang="ja-JP" altLang="en-US" dirty="0" smtClean="0"/>
+              <a:rPr lang="ja-JP" altLang="en-US" dirty="0" smtClean="0">
+                <a:solidFill>
+                  <a:srgbClr val="000000"/>
+                </a:solidFill>
+              </a:rPr>
               <a:t>簡単なプログラムの並列化</a:t>
             </a:r>
-            <a:endParaRPr lang="en-US" altLang="ja-JP" dirty="0" smtClean="0"/>
-          </a:p>
-          <a:p>
-            <a:pPr lvl="1">
-              <a:lnSpc>
-                <a:spcPct val="130000"/>
-              </a:lnSpc>
-            </a:pPr>
-            <a:r>
-              <a:rPr lang="ja-JP" altLang="en-US" dirty="0" smtClean="0"/>
-              <a:t>逐次実行、冗長実行、並列実行</a:t>
-            </a:r>
-            <a:endParaRPr kumimoji="1" lang="en-US" altLang="ja-JP" dirty="0" smtClean="0"/>
+            <a:endParaRPr lang="en-US" altLang="ja-JP" dirty="0" smtClean="0">
+              <a:solidFill>
+                <a:srgbClr val="000000"/>
+              </a:solidFill>
+            </a:endParaRPr>
           </a:p>
           <a:p>
             <a:pPr marL="624078" indent="-514350">
@@ -29608,46 +30267,42 @@
               <a:buAutoNum type="arabicPeriod"/>
             </a:pPr>
             <a:r>
-              <a:rPr kumimoji="1" lang="ja-JP" altLang="en-US" dirty="0" smtClean="0"/>
-              <a:t>２次元差分法計算の並列化</a:t>
-            </a:r>
-            <a:endParaRPr kumimoji="1" lang="en-US" altLang="ja-JP" dirty="0" smtClean="0"/>
-          </a:p>
-          <a:p>
-            <a:pPr lvl="1">
+              <a:rPr kumimoji="1" lang="ja-JP" altLang="en-US" dirty="0" smtClean="0">
+                <a:solidFill>
+                  <a:srgbClr val="000000"/>
+                </a:solidFill>
+              </a:rPr>
+              <a:t>２次元</a:t>
+            </a:r>
+            <a:r>
+              <a:rPr kumimoji="1" lang="ja-JP" altLang="en-US" dirty="0" smtClean="0">
+                <a:solidFill>
+                  <a:srgbClr val="000000"/>
+                </a:solidFill>
+              </a:rPr>
+              <a:t>差分法計算の</a:t>
+            </a:r>
+            <a:r>
+              <a:rPr kumimoji="1" lang="ja-JP" altLang="en-US" dirty="0" smtClean="0">
+                <a:solidFill>
+                  <a:srgbClr val="000000"/>
+                </a:solidFill>
+              </a:rPr>
+              <a:t>並列化</a:t>
+            </a:r>
+          </a:p>
+          <a:p>
+            <a:pPr marL="411480" lvl="1" indent="0">
               <a:lnSpc>
                 <a:spcPct val="130000"/>
               </a:lnSpc>
+              <a:buNone/>
             </a:pPr>
-            <a:r>
-              <a:rPr lang="ja-JP" altLang="en-US" dirty="0" smtClean="0"/>
-              <a:t>多次元分散、袖通信（</a:t>
-            </a:r>
-            <a:r>
-              <a:rPr lang="en-US" altLang="ja-JP" dirty="0" smtClean="0"/>
-              <a:t>reflect</a:t>
-            </a:r>
-            <a:r>
-              <a:rPr lang="ja-JP" altLang="en-US" dirty="0" smtClean="0"/>
-              <a:t>）、</a:t>
-            </a:r>
-            <a:r>
-              <a:rPr lang="en-US" altLang="ja-JP" dirty="0" smtClean="0"/>
-              <a:t>reduction</a:t>
-            </a:r>
-            <a:r>
-              <a:rPr lang="ja-JP" altLang="en-US" dirty="0" smtClean="0"/>
-              <a:t>演算</a:t>
-            </a:r>
-            <a:endParaRPr lang="en-US" altLang="ja-JP" dirty="0" smtClean="0"/>
-          </a:p>
-          <a:p>
-            <a:pPr lvl="1">
-              <a:lnSpc>
-                <a:spcPct val="130000"/>
-              </a:lnSpc>
-            </a:pPr>
-            <a:endParaRPr kumimoji="1" lang="en-US" altLang="ja-JP" dirty="0"/>
+            <a:endParaRPr kumimoji="1" lang="en-US" altLang="ja-JP" dirty="0">
+              <a:solidFill>
+                <a:srgbClr val="000000"/>
+              </a:solidFill>
+            </a:endParaRPr>
           </a:p>
         </p:txBody>
       </p:sp>
@@ -29659,8 +30314,8 @@
         </p:nvSpPr>
         <p:spPr>
           <a:xfrm>
-            <a:off x="395536" y="3429000"/>
-            <a:ext cx="8208912" cy="1179576"/>
+            <a:off x="395536" y="2852936"/>
+            <a:ext cx="8208912" cy="936104"/>
           </a:xfrm>
           <a:prstGeom prst="rect">
             <a:avLst/>
@@ -29733,7 +30388,7 @@
           <a:p>
             <a:fld id="{B0A0D984-B00D-46F6-871F-5154A69C1919}" type="slidenum">
               <a:rPr kumimoji="1" lang="ja-JP" altLang="en-US" smtClean="0"/>
-              <a:t>7</a:t>
+              <a:t>8</a:t>
             </a:fld>
             <a:endParaRPr kumimoji="1" lang="ja-JP" altLang="en-US"/>
           </a:p>
@@ -29759,7 +30414,7 @@
 </p:sld>
 </file>
 
-<file path=ppt/slides/slide8.xml><?xml version="1.0" encoding="utf-8"?>
+<file path=ppt/slides/slide9.xml><?xml version="1.0" encoding="utf-8"?>
 <p:sld xmlns:a="http://schemas.openxmlformats.org/drawingml/2006/main" xmlns:r="http://schemas.openxmlformats.org/officeDocument/2006/relationships" xmlns:p="http://schemas.openxmlformats.org/presentationml/2006/main">
   <p:cSld>
     <p:spTree>
@@ -34149,25 +34804,6 @@
       </p:sp>
       <p:sp>
         <p:nvSpPr>
-          <p:cNvPr id="4" name="フッター プレースホルダー 3"/>
-          <p:cNvSpPr>
-            <a:spLocks noGrp="1"/>
-          </p:cNvSpPr>
-          <p:nvPr>
-            <p:ph type="ftr" sz="quarter" idx="11"/>
-          </p:nvPr>
-        </p:nvSpPr>
-        <p:spPr/>
-        <p:txBody>
-          <a:bodyPr/>
-          <a:lstStyle/>
-          <a:p>
-            <a:endParaRPr kumimoji="1" lang="ja-JP" altLang="en-US"/>
-          </a:p>
-        </p:txBody>
-      </p:sp>
-      <p:sp>
-        <p:nvSpPr>
           <p:cNvPr id="5" name="スライド番号プレースホルダー 4"/>
           <p:cNvSpPr>
             <a:spLocks noGrp="1"/>
@@ -34183,7 +34819,7 @@
           <a:p>
             <a:fld id="{B0A0D984-B00D-46F6-871F-5154A69C1919}" type="slidenum">
               <a:rPr kumimoji="1" lang="ja-JP" altLang="en-US" smtClean="0"/>
-              <a:t>8</a:t>
+              <a:t>9</a:t>
             </a:fld>
             <a:endParaRPr kumimoji="1" lang="ja-JP" altLang="en-US"/>
           </a:p>
@@ -34193,238 +34829,6 @@
     <p:extLst>
       <p:ext uri="{BB962C8B-B14F-4D97-AF65-F5344CB8AC3E}">
         <p14:creationId xmlns:p14="http://schemas.microsoft.com/office/powerpoint/2010/main" val="3260561653"/>
-      </p:ext>
-    </p:extLst>
-  </p:cSld>
-  <p:clrMapOvr>
-    <a:masterClrMapping/>
-  </p:clrMapOvr>
-  <p:timing>
-    <p:tnLst>
-      <p:par>
-        <p:cTn xmlns:p14="http://schemas.microsoft.com/office/powerpoint/2010/main" id="1" dur="indefinite" restart="never" nodeType="tmRoot"/>
-      </p:par>
-    </p:tnLst>
-  </p:timing>
-</p:sld>
-</file>
-
-<file path=ppt/slides/slide9.xml><?xml version="1.0" encoding="utf-8"?>
-<p:sld xmlns:a="http://schemas.openxmlformats.org/drawingml/2006/main" xmlns:r="http://schemas.openxmlformats.org/officeDocument/2006/relationships" xmlns:p="http://schemas.openxmlformats.org/presentationml/2006/main">
-  <p:cSld>
-    <p:spTree>
-      <p:nvGrpSpPr>
-        <p:cNvPr id="1" name=""/>
-        <p:cNvGrpSpPr/>
-        <p:nvPr/>
-      </p:nvGrpSpPr>
-      <p:grpSpPr>
-        <a:xfrm>
-          <a:off x="0" y="0"/>
-          <a:ext cx="0" cy="0"/>
-          <a:chOff x="0" y="0"/>
-          <a:chExt cx="0" cy="0"/>
-        </a:xfrm>
-      </p:grpSpPr>
-      <p:sp>
-        <p:nvSpPr>
-          <p:cNvPr id="2" name="タイトル 1"/>
-          <p:cNvSpPr>
-            <a:spLocks noGrp="1"/>
-          </p:cNvSpPr>
-          <p:nvPr>
-            <p:ph type="title"/>
-          </p:nvPr>
-        </p:nvSpPr>
-        <p:spPr>
-          <a:xfrm>
-            <a:off x="457200" y="836712"/>
-            <a:ext cx="8229600" cy="1066800"/>
-          </a:xfrm>
-        </p:spPr>
-        <p:txBody>
-          <a:bodyPr>
-            <a:normAutofit/>
-          </a:bodyPr>
-          <a:lstStyle/>
-          <a:p>
-            <a:r>
-              <a:rPr kumimoji="1" lang="ja-JP" altLang="en-US" dirty="0" smtClean="0"/>
-              <a:t>逐次コンパイルと実行</a:t>
-            </a:r>
-            <a:endParaRPr kumimoji="1" lang="ja-JP" altLang="en-US" dirty="0"/>
-          </a:p>
-        </p:txBody>
-      </p:sp>
-      <p:sp>
-        <p:nvSpPr>
-          <p:cNvPr id="3" name="コンテンツ プレースホルダー 2"/>
-          <p:cNvSpPr>
-            <a:spLocks noGrp="1"/>
-          </p:cNvSpPr>
-          <p:nvPr>
-            <p:ph idx="1"/>
-          </p:nvPr>
-        </p:nvSpPr>
-        <p:spPr>
-          <a:xfrm>
-            <a:off x="457200" y="1844824"/>
-            <a:ext cx="8435280" cy="2808312"/>
-          </a:xfrm>
-        </p:spPr>
-        <p:txBody>
-          <a:bodyPr>
-            <a:normAutofit/>
-          </a:bodyPr>
-          <a:lstStyle/>
-          <a:p>
-            <a:pPr>
-              <a:buFont typeface="Arial" pitchFamily="34" charset="0"/>
-              <a:buChar char="•"/>
-            </a:pPr>
-            <a:r>
-              <a:rPr lang="en-US" altLang="ja-JP" dirty="0" err="1" smtClean="0">
-                <a:latin typeface="ＭＳ ゴシック" pitchFamily="49" charset="-128"/>
-                <a:ea typeface="ＭＳ ゴシック" pitchFamily="49" charset="-128"/>
-              </a:rPr>
-              <a:t>laplace.c</a:t>
-            </a:r>
-            <a:r>
-              <a:rPr lang="ja-JP" altLang="en-US" dirty="0" smtClean="0">
-                <a:latin typeface="ＭＳ ゴシック" pitchFamily="49" charset="-128"/>
-                <a:ea typeface="ＭＳ ゴシック" pitchFamily="49" charset="-128"/>
-              </a:rPr>
-              <a:t>または</a:t>
-            </a:r>
-            <a:r>
-              <a:rPr lang="en-US" altLang="ja-JP" dirty="0" smtClean="0">
-                <a:latin typeface="ＭＳ ゴシック" pitchFamily="49" charset="-128"/>
-                <a:ea typeface="ＭＳ ゴシック" pitchFamily="49" charset="-128"/>
-              </a:rPr>
-              <a:t>laplace.f90</a:t>
-            </a:r>
-            <a:r>
-              <a:rPr lang="ja-JP" altLang="en-US" dirty="0" smtClean="0">
-                <a:latin typeface="ＭＳ ゴシック" pitchFamily="49" charset="-128"/>
-                <a:ea typeface="ＭＳ ゴシック" pitchFamily="49" charset="-128"/>
-              </a:rPr>
-              <a:t>をコンパイルせよ。</a:t>
-            </a:r>
-            <a:endParaRPr lang="en-US" altLang="ja-JP" dirty="0">
-              <a:latin typeface="ＭＳ ゴシック" pitchFamily="49" charset="-128"/>
-              <a:ea typeface="ＭＳ ゴシック" pitchFamily="49" charset="-128"/>
-            </a:endParaRPr>
-          </a:p>
-          <a:p>
-            <a:pPr>
-              <a:buFont typeface="Arial" pitchFamily="34" charset="0"/>
-              <a:buChar char="•"/>
-            </a:pPr>
-            <a:endParaRPr lang="en-US" altLang="ja-JP" dirty="0" smtClean="0">
-              <a:latin typeface="ＭＳ ゴシック" pitchFamily="49" charset="-128"/>
-              <a:ea typeface="ＭＳ ゴシック" pitchFamily="49" charset="-128"/>
-            </a:endParaRPr>
-          </a:p>
-          <a:p>
-            <a:pPr>
-              <a:buFont typeface="Arial" pitchFamily="34" charset="0"/>
-              <a:buChar char="•"/>
-            </a:pPr>
-            <a:r>
-              <a:rPr lang="ja-JP" altLang="en-US" dirty="0" smtClean="0">
-                <a:latin typeface="ＭＳ ゴシック" pitchFamily="49" charset="-128"/>
-                <a:ea typeface="ＭＳ ゴシック" pitchFamily="49" charset="-128"/>
-              </a:rPr>
-              <a:t>実行</a:t>
-            </a:r>
-            <a:r>
-              <a:rPr lang="ja-JP" altLang="en-US" dirty="0">
-                <a:latin typeface="ＭＳ ゴシック" pitchFamily="49" charset="-128"/>
-                <a:ea typeface="ＭＳ ゴシック" pitchFamily="49" charset="-128"/>
-              </a:rPr>
-              <a:t>し、検証値</a:t>
-            </a:r>
-            <a:r>
-              <a:rPr lang="en-US" altLang="ja-JP" dirty="0">
-                <a:latin typeface="ＭＳ ゴシック" pitchFamily="49" charset="-128"/>
-                <a:ea typeface="ＭＳ ゴシック" pitchFamily="49" charset="-128"/>
-              </a:rPr>
-              <a:t>(Verification)</a:t>
-            </a:r>
-            <a:r>
-              <a:rPr lang="ja-JP" altLang="en-US" dirty="0" smtClean="0">
-                <a:latin typeface="ＭＳ ゴシック" pitchFamily="49" charset="-128"/>
-                <a:ea typeface="ＭＳ ゴシック" pitchFamily="49" charset="-128"/>
-              </a:rPr>
-              <a:t>が以下の値で</a:t>
-            </a:r>
-            <a:r>
-              <a:rPr lang="ja-JP" altLang="en-US" dirty="0">
-                <a:latin typeface="ＭＳ ゴシック" pitchFamily="49" charset="-128"/>
-                <a:ea typeface="ＭＳ ゴシック" pitchFamily="49" charset="-128"/>
-              </a:rPr>
-              <a:t>あることを確認せよ</a:t>
-            </a:r>
-            <a:r>
-              <a:rPr lang="ja-JP" altLang="en-US" dirty="0" smtClean="0">
-                <a:latin typeface="ＭＳ ゴシック" pitchFamily="49" charset="-128"/>
-                <a:ea typeface="ＭＳ ゴシック" pitchFamily="49" charset="-128"/>
-              </a:rPr>
-              <a:t>。</a:t>
-            </a:r>
-            <a:endParaRPr lang="en-US" altLang="ja-JP" dirty="0"/>
-          </a:p>
-          <a:p>
-            <a:pPr>
-              <a:buFont typeface="Arial" pitchFamily="34" charset="0"/>
-              <a:buChar char="•"/>
-            </a:pPr>
-            <a:endParaRPr lang="en-US" altLang="ja-JP" dirty="0">
-              <a:latin typeface="ＭＳ ゴシック" pitchFamily="49" charset="-128"/>
-              <a:ea typeface="ＭＳ ゴシック" pitchFamily="49" charset="-128"/>
-            </a:endParaRPr>
-          </a:p>
-          <a:p>
-            <a:pPr marL="704088" lvl="2" indent="0">
-              <a:buNone/>
-            </a:pPr>
-            <a:r>
-              <a:rPr lang="en-US" altLang="ja-JP" dirty="0" smtClean="0">
-                <a:latin typeface="ＭＳ ゴシック" pitchFamily="49" charset="-128"/>
-                <a:ea typeface="ＭＳ ゴシック" pitchFamily="49" charset="-128"/>
-              </a:rPr>
-              <a:t>5.548855...</a:t>
-            </a:r>
-          </a:p>
-        </p:txBody>
-      </p:sp>
-      <p:sp>
-        <p:nvSpPr>
-          <p:cNvPr id="5" name="スライド番号プレースホルダー 4"/>
-          <p:cNvSpPr>
-            <a:spLocks noGrp="1"/>
-          </p:cNvSpPr>
-          <p:nvPr>
-            <p:ph type="sldNum" sz="quarter" idx="12"/>
-          </p:nvPr>
-        </p:nvSpPr>
-        <p:spPr/>
-        <p:txBody>
-          <a:bodyPr/>
-          <a:lstStyle/>
-          <a:p>
-            <a:fld id="{B0A0D984-B00D-46F6-871F-5154A69C1919}" type="slidenum">
-              <a:rPr kumimoji="1" lang="ja-JP" altLang="en-US" smtClean="0"/>
-              <a:t>9</a:t>
-            </a:fld>
-            <a:endParaRPr kumimoji="1" lang="ja-JP" altLang="en-US"/>
-          </a:p>
-        </p:txBody>
-      </p:sp>
-    </p:spTree>
-    <p:extLst>
-      <p:ext uri="{BB962C8B-B14F-4D97-AF65-F5344CB8AC3E}">
-        <p14:creationId xmlns:p14="http://schemas.microsoft.com/office/powerpoint/2010/main" val="3262107428"/>
       </p:ext>
     </p:extLst>
   </p:cSld>

--- a/beginner/2.globalview.pptx
+++ b/beginner/2.globalview.pptx
@@ -5113,8 +5113,21 @@
                 <a:latin typeface="ＭＳ ゴシック" pitchFamily="49" charset="-128"/>
                 <a:ea typeface="ＭＳ ゴシック" pitchFamily="49" charset="-128"/>
               </a:rPr>
-              <a:t>  or </a:t>
-            </a:r>
+              <a:t> -lm</a:t>
+            </a:r>
+            <a:endParaRPr lang="en-US" altLang="ja-JP" sz="2000" dirty="0">
+              <a:solidFill>
+                <a:srgbClr val="000000"/>
+              </a:solidFill>
+              <a:latin typeface="ＭＳ ゴシック" pitchFamily="49" charset="-128"/>
+              <a:ea typeface="ＭＳ ゴシック" pitchFamily="49" charset="-128"/>
+            </a:endParaRPr>
+          </a:p>
+          <a:p>
+            <a:pPr lvl="1">
+              <a:buFont typeface="Arial" pitchFamily="34" charset="0"/>
+              <a:buChar char="•"/>
+            </a:pPr>
             <a:r>
               <a:rPr lang="en-US" altLang="ja-JP" sz="2000" dirty="0" err="1" smtClean="0">
                 <a:solidFill>

--- a/beginner/2.globalview.pptx
+++ b/beginner/2.globalview.pptx
@@ -4885,15 +4885,7 @@
             </a:r>
             <a:r>
               <a:rPr lang="ja-JP" altLang="en-US" dirty="0" smtClean="0"/>
-              <a:t>岩下</a:t>
-            </a:r>
-            <a:r>
-              <a:rPr lang="ja-JP" altLang="en-US" dirty="0" smtClean="0"/>
-              <a:t>英俊</a:t>
-            </a:r>
-            <a:r>
-              <a:rPr lang="ja-JP" altLang="en-US" dirty="0" smtClean="0"/>
-              <a:t>、中尾昌広</a:t>
+              <a:t>岩下英俊、中尾昌広</a:t>
             </a:r>
             <a:endParaRPr kumimoji="1" lang="ja-JP" altLang="en-US" dirty="0"/>
           </a:p>
@@ -5030,27 +5022,7 @@
                 <a:latin typeface="ＭＳ ゴシック" pitchFamily="49" charset="-128"/>
                 <a:ea typeface="ＭＳ ゴシック" pitchFamily="49" charset="-128"/>
               </a:rPr>
-              <a:t>を</a:t>
-            </a:r>
-            <a:r>
-              <a:rPr lang="ja-JP" altLang="en-US" sz="2000" dirty="0" smtClean="0">
-                <a:solidFill>
-                  <a:srgbClr val="000000"/>
-                </a:solidFill>
-                <a:latin typeface="ＭＳ ゴシック" pitchFamily="49" charset="-128"/>
-                <a:ea typeface="ＭＳ ゴシック" pitchFamily="49" charset="-128"/>
-              </a:rPr>
-              <a:t>コンパイル</a:t>
-            </a:r>
-            <a:r>
-              <a:rPr lang="ja-JP" altLang="en-US" sz="2000" dirty="0" smtClean="0">
-                <a:solidFill>
-                  <a:srgbClr val="000000"/>
-                </a:solidFill>
-                <a:latin typeface="ＭＳ ゴシック" pitchFamily="49" charset="-128"/>
-                <a:ea typeface="ＭＳ ゴシック" pitchFamily="49" charset="-128"/>
-              </a:rPr>
-              <a:t>する。</a:t>
+              <a:t>をコンパイルする。</a:t>
             </a:r>
             <a:endParaRPr lang="en-US" altLang="ja-JP" sz="2000" dirty="0" smtClean="0">
               <a:solidFill>
@@ -5182,17 +5154,7 @@
                 <a:latin typeface="ＭＳ ゴシック" pitchFamily="49" charset="-128"/>
                 <a:ea typeface="ＭＳ ゴシック" pitchFamily="49" charset="-128"/>
               </a:rPr>
-              <a:t>実行</a:t>
-            </a:r>
-            <a:r>
-              <a:rPr lang="ja-JP" altLang="en-US" sz="2000" dirty="0" smtClean="0">
-                <a:solidFill>
-                  <a:srgbClr val="000000"/>
-                </a:solidFill>
-                <a:latin typeface="ＭＳ ゴシック" pitchFamily="49" charset="-128"/>
-                <a:ea typeface="ＭＳ ゴシック" pitchFamily="49" charset="-128"/>
-              </a:rPr>
-              <a:t>する</a:t>
+              <a:t>実行する</a:t>
             </a:r>
             <a:endParaRPr lang="en-US" altLang="ja-JP" sz="2000" dirty="0" smtClean="0">
               <a:solidFill>
@@ -25573,7 +25535,37 @@
                 <a:latin typeface="ＭＳ ゴシック" pitchFamily="49" charset="-128"/>
                 <a:ea typeface="ＭＳ ゴシック" pitchFamily="49" charset="-128"/>
               </a:rPr>
-              <a:t> loop </a:t>
+              <a:t> </a:t>
+            </a:r>
+            <a:r>
+              <a:rPr lang="en-US" altLang="ja-JP" sz="1050">
+                <a:solidFill>
+                  <a:srgbClr val="008000"/>
+                </a:solidFill>
+                <a:latin typeface="ＭＳ ゴシック" pitchFamily="49" charset="-128"/>
+                <a:ea typeface="ＭＳ ゴシック" pitchFamily="49" charset="-128"/>
+              </a:rPr>
+              <a:t>loop </a:t>
+            </a:r>
+            <a:r>
+              <a:rPr lang="en-US" altLang="ja-JP" sz="1050" smtClean="0">
+                <a:solidFill>
+                  <a:srgbClr val="008000"/>
+                </a:solidFill>
+                <a:latin typeface="ＭＳ ゴシック" pitchFamily="49" charset="-128"/>
+                <a:ea typeface="ＭＳ ゴシック" pitchFamily="49" charset="-128"/>
+              </a:rPr>
+              <a:t>(i,j) </a:t>
+            </a:r>
+            <a:r>
+              <a:rPr lang="en-US" altLang="ja-JP" sz="1050" dirty="0">
+                <a:solidFill>
+                  <a:srgbClr val="008000"/>
+                </a:solidFill>
+                <a:latin typeface="ＭＳ ゴシック" pitchFamily="49" charset="-128"/>
+                <a:ea typeface="ＭＳ ゴシック" pitchFamily="49" charset="-128"/>
+              </a:rPr>
+              <a:t>on </a:t>
             </a:r>
             <a:r>
               <a:rPr lang="en-US" altLang="ja-JP" sz="1050" dirty="0" smtClean="0">
@@ -25583,7 +25575,17 @@
                 <a:latin typeface="ＭＳ ゴシック" pitchFamily="49" charset="-128"/>
                 <a:ea typeface="ＭＳ ゴシック" pitchFamily="49" charset="-128"/>
               </a:rPr>
-              <a:t>(</a:t>
+              <a:t>t(</a:t>
+            </a:r>
+            <a:r>
+              <a:rPr lang="en-US" altLang="ja-JP" sz="1050" dirty="0" err="1">
+                <a:solidFill>
+                  <a:srgbClr val="008000"/>
+                </a:solidFill>
+                <a:latin typeface="ＭＳ ゴシック" pitchFamily="49" charset="-128"/>
+                <a:ea typeface="ＭＳ ゴシック" pitchFamily="49" charset="-128"/>
+              </a:rPr>
+              <a:t>i</a:t>
             </a:r>
             <a:r>
               <a:rPr lang="en-US" altLang="ja-JP" sz="1050" dirty="0" err="1" smtClean="0">
@@ -25593,47 +25595,17 @@
                 <a:latin typeface="ＭＳ ゴシック" pitchFamily="49" charset="-128"/>
                 <a:ea typeface="ＭＳ ゴシック" pitchFamily="49" charset="-128"/>
               </a:rPr>
-              <a:t>j,i</a:t>
-            </a:r>
-            <a:r>
-              <a:rPr lang="en-US" altLang="ja-JP" sz="1050" dirty="0" smtClean="0">
+              <a:t>,</a:t>
+            </a:r>
+            <a:r>
+              <a:rPr lang="en-US" altLang="ja-JP" sz="1050" dirty="0" err="1">
                 <a:solidFill>
                   <a:srgbClr val="008000"/>
                 </a:solidFill>
                 <a:latin typeface="ＭＳ ゴシック" pitchFamily="49" charset="-128"/>
                 <a:ea typeface="ＭＳ ゴシック" pitchFamily="49" charset="-128"/>
               </a:rPr>
-              <a:t>) </a:t>
-            </a:r>
-            <a:r>
-              <a:rPr lang="en-US" altLang="ja-JP" sz="1050" dirty="0">
-                <a:solidFill>
-                  <a:srgbClr val="008000"/>
-                </a:solidFill>
-                <a:latin typeface="ＭＳ ゴシック" pitchFamily="49" charset="-128"/>
-                <a:ea typeface="ＭＳ ゴシック" pitchFamily="49" charset="-128"/>
-              </a:rPr>
-              <a:t>on </a:t>
-            </a:r>
-            <a:r>
-              <a:rPr lang="en-US" altLang="ja-JP" sz="1050" dirty="0" smtClean="0">
-                <a:solidFill>
-                  <a:srgbClr val="008000"/>
-                </a:solidFill>
-                <a:latin typeface="ＭＳ ゴシック" pitchFamily="49" charset="-128"/>
-                <a:ea typeface="ＭＳ ゴシック" pitchFamily="49" charset="-128"/>
-              </a:rPr>
-              <a:t>t(</a:t>
-            </a:r>
-            <a:r>
-              <a:rPr lang="en-US" altLang="ja-JP" sz="1050" dirty="0" err="1" smtClean="0">
-                <a:solidFill>
-                  <a:srgbClr val="008000"/>
-                </a:solidFill>
-                <a:latin typeface="ＭＳ ゴシック" pitchFamily="49" charset="-128"/>
-                <a:ea typeface="ＭＳ ゴシック" pitchFamily="49" charset="-128"/>
-              </a:rPr>
-              <a:t>j,i</a:t>
+              <a:t>j</a:t>
             </a:r>
             <a:r>
               <a:rPr lang="en-US" altLang="ja-JP" sz="1050" dirty="0" smtClean="0">
@@ -25958,78 +25930,65 @@
                 <a:latin typeface="ＭＳ ゴシック" pitchFamily="49" charset="-128"/>
                 <a:ea typeface="ＭＳ ゴシック" pitchFamily="49" charset="-128"/>
               </a:rPr>
-              <a:t>    {</a:t>
-            </a:r>
-            <a:endParaRPr lang="en-US" altLang="ja-JP" sz="1050" dirty="0">
-              <a:latin typeface="ＭＳ ゴシック" pitchFamily="49" charset="-128"/>
-              <a:ea typeface="ＭＳ ゴシック" pitchFamily="49" charset="-128"/>
-            </a:endParaRPr>
-          </a:p>
-          <a:p>
+              <a:t>  </a:t>
+            </a:r>
+            <a:r>
+              <a:rPr lang="en-US" altLang="ja-JP" sz="1050" smtClean="0">
+                <a:latin typeface="ＭＳ ゴシック" pitchFamily="49" charset="-128"/>
+                <a:ea typeface="ＭＳ ゴシック" pitchFamily="49" charset="-128"/>
+              </a:rPr>
+              <a:t> </a:t>
+            </a:r>
+            <a:r>
+              <a:rPr lang="en-US" altLang="ja-JP" sz="1050">
+                <a:latin typeface="ＭＳ ゴシック" pitchFamily="49" charset="-128"/>
+                <a:ea typeface="ＭＳ ゴシック" pitchFamily="49" charset="-128"/>
+              </a:rPr>
+              <a:t> </a:t>
+            </a:r>
+            <a:r>
+              <a:rPr lang="en-US" altLang="ja-JP" sz="1050" smtClean="0">
+                <a:latin typeface="ＭＳ ゴシック" pitchFamily="49" charset="-128"/>
+                <a:ea typeface="ＭＳ ゴシック" pitchFamily="49" charset="-128"/>
+              </a:rPr>
+              <a:t>printf("</a:t>
+            </a:r>
             <a:r>
               <a:rPr lang="en-US" altLang="ja-JP" sz="1050" dirty="0">
                 <a:latin typeface="ＭＳ ゴシック" pitchFamily="49" charset="-128"/>
                 <a:ea typeface="ＭＳ ゴシック" pitchFamily="49" charset="-128"/>
               </a:rPr>
-              <a:t>    </a:t>
-            </a:r>
+              <a:t>Verification = %g\</a:t>
+            </a:r>
+            <a:r>
+              <a:rPr lang="en-US" altLang="ja-JP" sz="1050" dirty="0" err="1">
+                <a:latin typeface="ＭＳ ゴシック" pitchFamily="49" charset="-128"/>
+                <a:ea typeface="ＭＳ ゴシック" pitchFamily="49" charset="-128"/>
+              </a:rPr>
+              <a:t>n",value</a:t>
+            </a:r>
+            <a:r>
+              <a:rPr lang="en-US" altLang="ja-JP" sz="1050" dirty="0">
+                <a:latin typeface="ＭＳ ゴシック" pitchFamily="49" charset="-128"/>
+                <a:ea typeface="ＭＳ ゴシック" pitchFamily="49" charset="-128"/>
+              </a:rPr>
+              <a:t>);</a:t>
+            </a:r>
+          </a:p>
+          <a:p>
             <a:r>
               <a:rPr lang="en-US" altLang="ja-JP" sz="1050" dirty="0" smtClean="0">
                 <a:latin typeface="ＭＳ ゴシック" pitchFamily="49" charset="-128"/>
                 <a:ea typeface="ＭＳ ゴシック" pitchFamily="49" charset="-128"/>
               </a:rPr>
-              <a:t>    </a:t>
-            </a:r>
-            <a:r>
-              <a:rPr lang="en-US" altLang="ja-JP" sz="1050" dirty="0" err="1" smtClean="0">
-                <a:latin typeface="ＭＳ ゴシック" pitchFamily="49" charset="-128"/>
-                <a:ea typeface="ＭＳ ゴシック" pitchFamily="49" charset="-128"/>
-              </a:rPr>
-              <a:t>fprintf</a:t>
-            </a:r>
-            <a:r>
-              <a:rPr lang="en-US" altLang="ja-JP" sz="1050" dirty="0">
-                <a:latin typeface="ＭＳ ゴシック" pitchFamily="49" charset="-128"/>
-                <a:ea typeface="ＭＳ ゴシック" pitchFamily="49" charset="-128"/>
-              </a:rPr>
-              <a:t>(</a:t>
-            </a:r>
-            <a:r>
-              <a:rPr lang="en-US" altLang="ja-JP" sz="1050" dirty="0" err="1">
-                <a:latin typeface="ＭＳ ゴシック" pitchFamily="49" charset="-128"/>
-                <a:ea typeface="ＭＳ ゴシック" pitchFamily="49" charset="-128"/>
-              </a:rPr>
-              <a:t>stdout</a:t>
-            </a:r>
-            <a:r>
-              <a:rPr lang="en-US" altLang="ja-JP" sz="1050" dirty="0">
-                <a:latin typeface="ＭＳ ゴシック" pitchFamily="49" charset="-128"/>
-                <a:ea typeface="ＭＳ ゴシック" pitchFamily="49" charset="-128"/>
-              </a:rPr>
-              <a:t>,"Verification = %g\</a:t>
-            </a:r>
-            <a:r>
-              <a:rPr lang="en-US" altLang="ja-JP" sz="1050" dirty="0" err="1">
-                <a:latin typeface="ＭＳ ゴシック" pitchFamily="49" charset="-128"/>
-                <a:ea typeface="ＭＳ ゴシック" pitchFamily="49" charset="-128"/>
-              </a:rPr>
-              <a:t>n",value</a:t>
-            </a:r>
-            <a:r>
-              <a:rPr lang="en-US" altLang="ja-JP" sz="1050" dirty="0">
-                <a:latin typeface="ＭＳ ゴシック" pitchFamily="49" charset="-128"/>
-                <a:ea typeface="ＭＳ ゴシック" pitchFamily="49" charset="-128"/>
-              </a:rPr>
-              <a:t>);</a:t>
-            </a:r>
-          </a:p>
-          <a:p>
-            <a:r>
-              <a:rPr lang="en-US" altLang="ja-JP" sz="1050" dirty="0" smtClean="0">
-                <a:latin typeface="ＭＳ ゴシック" pitchFamily="49" charset="-128"/>
-                <a:ea typeface="ＭＳ ゴシック" pitchFamily="49" charset="-128"/>
-              </a:rPr>
-              <a:t>    }</a:t>
+              <a:t>   </a:t>
+            </a:r>
+            <a:r>
+              <a:rPr lang="en-US" altLang="ja-JP" sz="1050" smtClean="0">
+                <a:latin typeface="ＭＳ ゴシック" pitchFamily="49" charset="-128"/>
+                <a:ea typeface="ＭＳ ゴシック" pitchFamily="49" charset="-128"/>
+              </a:rPr>
+              <a:t> </a:t>
             </a:r>
             <a:endParaRPr lang="en-US" altLang="ja-JP" sz="1050" dirty="0">
               <a:latin typeface="ＭＳ ゴシック" pitchFamily="49" charset="-128"/>
@@ -26660,15 +26619,7 @@
             </a:r>
             <a:r>
               <a:rPr lang="ja-JP" altLang="en-US" dirty="0" smtClean="0"/>
-              <a:t>の指示文を使って</a:t>
-            </a:r>
-            <a:r>
-              <a:rPr lang="ja-JP" altLang="en-US" dirty="0" smtClean="0"/>
-              <a:t>並列化</a:t>
-            </a:r>
-            <a:r>
-              <a:rPr lang="ja-JP" altLang="en-US" dirty="0" smtClean="0"/>
-              <a:t>する。</a:t>
+              <a:t>の指示文を使って並列化する。</a:t>
             </a:r>
             <a:endParaRPr lang="en-US" altLang="ja-JP" dirty="0" smtClean="0"/>
           </a:p>
@@ -27255,23 +27206,7 @@
                   <a:srgbClr val="000000"/>
                 </a:solidFill>
               </a:rPr>
-              <a:t>２次元</a:t>
-            </a:r>
-            <a:r>
-              <a:rPr kumimoji="1" lang="ja-JP" altLang="en-US" dirty="0" smtClean="0">
-                <a:solidFill>
-                  <a:srgbClr val="000000"/>
-                </a:solidFill>
-              </a:rPr>
-              <a:t>差分法計算の</a:t>
-            </a:r>
-            <a:r>
-              <a:rPr kumimoji="1" lang="ja-JP" altLang="en-US" dirty="0" smtClean="0">
-                <a:solidFill>
-                  <a:srgbClr val="000000"/>
-                </a:solidFill>
-              </a:rPr>
-              <a:t>並列化</a:t>
+              <a:t>２次元差分法計算の並列化</a:t>
             </a:r>
             <a:endParaRPr kumimoji="1" lang="en-US" altLang="ja-JP" dirty="0" smtClean="0">
               <a:solidFill>
@@ -27428,11 +27363,7 @@
             </a:r>
             <a:r>
               <a:rPr lang="ja-JP" altLang="en-US" dirty="0" smtClean="0"/>
-              <a:t>する</a:t>
-            </a:r>
-            <a:r>
-              <a:rPr lang="ja-JP" altLang="en-US" dirty="0" smtClean="0"/>
-              <a:t>ために、</a:t>
+              <a:t>するために、</a:t>
             </a:r>
             <a:r>
               <a:rPr lang="en-US" altLang="ja-JP" dirty="0"/>
@@ -27495,15 +27426,7 @@
           <a:p>
             <a:r>
               <a:rPr lang="ja-JP" altLang="en-US" dirty="0" smtClean="0"/>
-              <a:t>簡単な</a:t>
-            </a:r>
-            <a:r>
-              <a:rPr lang="ja-JP" altLang="en-US" dirty="0" smtClean="0"/>
-              <a:t>プログラムの</a:t>
-            </a:r>
-            <a:r>
-              <a:rPr lang="ja-JP" altLang="en-US" dirty="0" smtClean="0"/>
-              <a:t>並列化</a:t>
+              <a:t>簡単なプログラムの並列化</a:t>
             </a:r>
             <a:endParaRPr kumimoji="1" lang="ja-JP" altLang="en-US" dirty="0"/>
           </a:p>
@@ -28455,80 +28378,80 @@
               <a:t>xmp_init.c</a:t>
             </a:r>
             <a:r>
-              <a:rPr lang="en-US" altLang="ja-JP" sz="2400" dirty="0" smtClean="0">
-                <a:latin typeface="ＭＳ ゴシック" pitchFamily="49" charset="-128"/>
-                <a:ea typeface="ＭＳ ゴシック" pitchFamily="49" charset="-128"/>
-              </a:rPr>
-              <a:t>, xmp_init,f90 </a:t>
+              <a:rPr lang="en-US" altLang="ja-JP" sz="2400" smtClean="0">
+                <a:latin typeface="ＭＳ ゴシック" pitchFamily="49" charset="-128"/>
+                <a:ea typeface="ＭＳ ゴシック" pitchFamily="49" charset="-128"/>
+              </a:rPr>
+              <a:t>, </a:t>
+            </a:r>
+            <a:r>
+              <a:rPr lang="en-US" altLang="ja-JP" sz="2400" smtClean="0">
+                <a:latin typeface="ＭＳ ゴシック" pitchFamily="49" charset="-128"/>
+                <a:ea typeface="ＭＳ ゴシック" pitchFamily="49" charset="-128"/>
+              </a:rPr>
+              <a:t>xmp_init.f90 </a:t>
             </a:r>
             <a:r>
               <a:rPr lang="ja-JP" altLang="en-US" sz="2400" dirty="0" smtClean="0">
                 <a:latin typeface="ＭＳ ゴシック" pitchFamily="49" charset="-128"/>
                 <a:ea typeface="ＭＳ ゴシック" pitchFamily="49" charset="-128"/>
               </a:rPr>
-              <a:t>に</a:t>
-            </a:r>
-            <a:r>
-              <a:rPr lang="ja-JP" altLang="en-US" sz="2400" dirty="0" smtClean="0">
-                <a:latin typeface="ＭＳ ゴシック" pitchFamily="49" charset="-128"/>
-                <a:ea typeface="ＭＳ ゴシック" pitchFamily="49" charset="-128"/>
-              </a:rPr>
-              <a:t>指示</a:t>
-            </a:r>
-            <a:r>
-              <a:rPr lang="ja-JP" altLang="en-US" sz="2400" dirty="0" smtClean="0">
-                <a:latin typeface="ＭＳ ゴシック" pitchFamily="49" charset="-128"/>
-                <a:ea typeface="ＭＳ ゴシック" pitchFamily="49" charset="-128"/>
-              </a:rPr>
-              <a:t>文を追加して並列化し</a:t>
-            </a:r>
-            <a:r>
-              <a:rPr lang="ja-JP" altLang="en-US" sz="2400" dirty="0" smtClean="0">
-                <a:latin typeface="ＭＳ ゴシック" pitchFamily="49" charset="-128"/>
-                <a:ea typeface="ＭＳ ゴシック" pitchFamily="49" charset="-128"/>
-              </a:rPr>
-              <a:t>、</a:t>
-            </a:r>
-            <a:r>
-              <a:rPr lang="en-US" altLang="ja-JP" sz="2400" dirty="0" smtClean="0">
+              <a:t>に指示文を追加して並列化し、</a:t>
+            </a:r>
+            <a:r>
+              <a:rPr lang="en-US" altLang="ja-JP" sz="2400" smtClean="0">
                 <a:latin typeface="ＭＳ ゴシック" pitchFamily="49" charset="-128"/>
                 <a:ea typeface="ＭＳ ゴシック" pitchFamily="49" charset="-128"/>
               </a:rPr>
               <a:t/>
             </a:r>
             <a:br>
-              <a:rPr lang="en-US" altLang="ja-JP" sz="2400" dirty="0" smtClean="0">
+              <a:rPr lang="en-US" altLang="ja-JP" sz="2400" smtClean="0">
                 <a:latin typeface="ＭＳ ゴシック" pitchFamily="49" charset="-128"/>
                 <a:ea typeface="ＭＳ ゴシック" pitchFamily="49" charset="-128"/>
               </a:rPr>
             </a:br>
             <a:r>
-              <a:rPr lang="ja-JP" altLang="en-US" sz="2400" dirty="0" smtClean="0">
-                <a:latin typeface="ＭＳ ゴシック" pitchFamily="49" charset="-128"/>
-                <a:ea typeface="ＭＳ ゴシック" pitchFamily="49" charset="-128"/>
-              </a:rPr>
-              <a:t>コンパイル</a:t>
-            </a:r>
-            <a:r>
-              <a:rPr lang="ja-JP" altLang="en-US" sz="2400" dirty="0" smtClean="0">
-                <a:latin typeface="ＭＳ ゴシック" pitchFamily="49" charset="-128"/>
-                <a:ea typeface="ＭＳ ゴシック" pitchFamily="49" charset="-128"/>
-              </a:rPr>
-              <a:t>、</a:t>
-            </a:r>
-            <a:r>
-              <a:rPr lang="ja-JP" altLang="en-US" sz="2400" dirty="0" smtClean="0">
+              <a:rPr lang="ja-JP" altLang="en-US" sz="2400" smtClean="0">
                 <a:latin typeface="ＭＳ ゴシック" pitchFamily="49" charset="-128"/>
                 <a:ea typeface="ＭＳ ゴシック" pitchFamily="49" charset="-128"/>
               </a:rPr>
               <a:t>実行</a:t>
             </a:r>
             <a:r>
-              <a:rPr lang="ja-JP" altLang="en-US" sz="2400" dirty="0" smtClean="0">
-                <a:latin typeface="ＭＳ ゴシック" pitchFamily="49" charset="-128"/>
-                <a:ea typeface="ＭＳ ゴシック" pitchFamily="49" charset="-128"/>
-              </a:rPr>
-              <a:t>する。</a:t>
+              <a:rPr lang="ja-JP" altLang="en-US" sz="2400" smtClean="0">
+                <a:latin typeface="ＭＳ ゴシック" pitchFamily="49" charset="-128"/>
+                <a:ea typeface="ＭＳ ゴシック" pitchFamily="49" charset="-128"/>
+              </a:rPr>
+              <a:t>する</a:t>
+            </a:r>
+            <a:r>
+              <a:rPr lang="ja-JP" altLang="en-US" sz="2400" smtClean="0">
+                <a:latin typeface="ＭＳ ゴシック" pitchFamily="49" charset="-128"/>
+                <a:ea typeface="ＭＳ ゴシック" pitchFamily="49" charset="-128"/>
+              </a:rPr>
+              <a:t>。</a:t>
+            </a:r>
+            <a:r>
+              <a:rPr lang="en-US" altLang="ja-JP" sz="2400">
+                <a:latin typeface="ＭＳ ゴシック" pitchFamily="49" charset="-128"/>
+                <a:ea typeface="ＭＳ ゴシック" pitchFamily="49" charset="-128"/>
+              </a:rPr>
+              <a:t>x</a:t>
+            </a:r>
+            <a:r>
+              <a:rPr lang="en-US" altLang="ja-JP" sz="2400" smtClean="0">
+                <a:latin typeface="ＭＳ ゴシック" pitchFamily="49" charset="-128"/>
+                <a:ea typeface="ＭＳ ゴシック" pitchFamily="49" charset="-128"/>
+              </a:rPr>
+              <a:t>mp_node_num()</a:t>
+            </a:r>
+            <a:r>
+              <a:rPr lang="ja-JP" altLang="en-US" sz="2400" smtClean="0">
+                <a:latin typeface="ＭＳ ゴシック" pitchFamily="49" charset="-128"/>
+                <a:ea typeface="ＭＳ ゴシック" pitchFamily="49" charset="-128"/>
+              </a:rPr>
+              <a:t>はノード番号を取得する関数。</a:t>
             </a:r>
             <a:endParaRPr lang="en-US" altLang="ja-JP" sz="2400" dirty="0" smtClean="0">
               <a:latin typeface="ＭＳ ゴシック" pitchFamily="49" charset="-128"/>
@@ -28545,8 +28468,8 @@
         </p:nvSpPr>
         <p:spPr>
           <a:xfrm>
-            <a:off x="683568" y="2564904"/>
-            <a:ext cx="3960440" cy="4176464"/>
+            <a:off x="467544" y="2564904"/>
+            <a:ext cx="4536504" cy="4176464"/>
           </a:xfrm>
           <a:prstGeom prst="rect">
             <a:avLst/>
@@ -29126,7 +29049,7 @@
               <a:t>    </a:t>
             </a:r>
             <a:r>
-              <a:rPr lang="en-US" altLang="ja-JP" sz="1400" dirty="0" err="1">
+              <a:rPr lang="en-US" altLang="ja-JP" sz="1400" err="1">
                 <a:solidFill>
                   <a:srgbClr val="000000"/>
                 </a:solidFill>
@@ -29136,6 +29059,16 @@
               <a:t>printf</a:t>
             </a:r>
             <a:r>
+              <a:rPr lang="en-US" altLang="ja-JP" sz="1400" smtClean="0">
+                <a:solidFill>
+                  <a:srgbClr val="000000"/>
+                </a:solidFill>
+                <a:latin typeface="ＭＳ ゴシック" pitchFamily="49" charset="-128"/>
+                <a:ea typeface="ＭＳ ゴシック" pitchFamily="49" charset="-128"/>
+              </a:rPr>
+              <a:t>(”[%d] %</a:t>
+            </a:r>
+            <a:r>
               <a:rPr lang="en-US" altLang="ja-JP" sz="1400" dirty="0">
                 <a:solidFill>
                   <a:srgbClr val="000000"/>
@@ -29143,7 +29076,37 @@
                 <a:latin typeface="ＭＳ ゴシック" pitchFamily="49" charset="-128"/>
                 <a:ea typeface="ＭＳ ゴシック" pitchFamily="49" charset="-128"/>
               </a:rPr>
-              <a:t>("%d\n", a[</a:t>
+              <a:t>d\n"</a:t>
+            </a:r>
+            <a:r>
+              <a:rPr lang="en-US" altLang="ja-JP" sz="1400">
+                <a:solidFill>
+                  <a:srgbClr val="000000"/>
+                </a:solidFill>
+                <a:latin typeface="ＭＳ ゴシック" pitchFamily="49" charset="-128"/>
+                <a:ea typeface="ＭＳ ゴシック" pitchFamily="49" charset="-128"/>
+              </a:rPr>
+              <a:t>, </a:t>
+            </a:r>
+            <a:r>
+              <a:rPr lang="en-US" altLang="ja-JP" sz="1400" smtClean="0">
+                <a:solidFill>
+                  <a:srgbClr val="000000"/>
+                </a:solidFill>
+                <a:latin typeface="ＭＳ ゴシック" pitchFamily="49" charset="-128"/>
+                <a:ea typeface="ＭＳ ゴシック" pitchFamily="49" charset="-128"/>
+              </a:rPr>
+              <a:t>xmp_node_num(), a</a:t>
+            </a:r>
+            <a:r>
+              <a:rPr lang="en-US" altLang="ja-JP" sz="1400" dirty="0">
+                <a:solidFill>
+                  <a:srgbClr val="000000"/>
+                </a:solidFill>
+                <a:latin typeface="ＭＳ ゴシック" pitchFamily="49" charset="-128"/>
+                <a:ea typeface="ＭＳ ゴシック" pitchFamily="49" charset="-128"/>
+              </a:rPr>
+              <a:t>[</a:t>
             </a:r>
             <a:r>
               <a:rPr lang="en-US" altLang="ja-JP" sz="1400" dirty="0" err="1">
@@ -29225,7 +29188,7 @@
         </p:nvSpPr>
         <p:spPr>
           <a:xfrm>
-            <a:off x="4932040" y="2564904"/>
+            <a:off x="5436096" y="2564904"/>
             <a:ext cx="3312368" cy="4176464"/>
           </a:xfrm>
           <a:prstGeom prst="rect">
@@ -29787,7 +29750,37 @@
                 <a:latin typeface="ＭＳ ゴシック" pitchFamily="49" charset="-128"/>
                 <a:ea typeface="ＭＳ ゴシック" pitchFamily="49" charset="-128"/>
               </a:rPr>
-              <a:t>    print *, a(</a:t>
+              <a:t>    print *</a:t>
+            </a:r>
+            <a:r>
+              <a:rPr lang="en-US" altLang="ja-JP" sz="1400">
+                <a:solidFill>
+                  <a:srgbClr val="000000"/>
+                </a:solidFill>
+                <a:latin typeface="ＭＳ ゴシック" pitchFamily="49" charset="-128"/>
+                <a:ea typeface="ＭＳ ゴシック" pitchFamily="49" charset="-128"/>
+              </a:rPr>
+              <a:t>, </a:t>
+            </a:r>
+            <a:r>
+              <a:rPr lang="en-US" altLang="ja-JP" sz="1400" smtClean="0">
+                <a:solidFill>
+                  <a:srgbClr val="000000"/>
+                </a:solidFill>
+                <a:latin typeface="ＭＳ ゴシック" pitchFamily="49" charset="-128"/>
+                <a:ea typeface="ＭＳ ゴシック" pitchFamily="49" charset="-128"/>
+              </a:rPr>
+              <a:t>xmp_node_num(), a</a:t>
+            </a:r>
+            <a:r>
+              <a:rPr lang="en-US" altLang="ja-JP" sz="1400" dirty="0">
+                <a:solidFill>
+                  <a:srgbClr val="000000"/>
+                </a:solidFill>
+                <a:latin typeface="ＭＳ ゴシック" pitchFamily="49" charset="-128"/>
+                <a:ea typeface="ＭＳ ゴシック" pitchFamily="49" charset="-128"/>
+              </a:rPr>
+              <a:t>(</a:t>
             </a:r>
             <a:r>
               <a:rPr lang="en-US" altLang="ja-JP" sz="1400" dirty="0" err="1">
@@ -30285,23 +30278,7 @@
                   <a:srgbClr val="000000"/>
                 </a:solidFill>
               </a:rPr>
-              <a:t>２次元</a:t>
-            </a:r>
-            <a:r>
-              <a:rPr kumimoji="1" lang="ja-JP" altLang="en-US" dirty="0" smtClean="0">
-                <a:solidFill>
-                  <a:srgbClr val="000000"/>
-                </a:solidFill>
-              </a:rPr>
-              <a:t>差分法計算の</a:t>
-            </a:r>
-            <a:r>
-              <a:rPr kumimoji="1" lang="ja-JP" altLang="en-US" dirty="0" smtClean="0">
-                <a:solidFill>
-                  <a:srgbClr val="000000"/>
-                </a:solidFill>
-              </a:rPr>
-              <a:t>並列化</a:t>
+              <a:t>２次元差分法計算の並列化</a:t>
             </a:r>
           </a:p>
           <a:p>

--- a/beginner/2.globalview.pptx
+++ b/beginner/2.globalview.pptx
@@ -123,7 +123,7 @@
   </p:defaultTextStyle>
   <p:extLst>
     <p:ext uri="{EFAFB233-063F-42B5-8137-9DF3F51BA10A}">
-      <p15:sldGuideLst xmlns:p15="http://schemas.microsoft.com/office/powerpoint/2012/main" xmlns="">
+      <p15:sldGuideLst xmlns:p15="http://schemas.microsoft.com/office/powerpoint/2012/main">
         <p15:guide id="1" orient="horz" pos="2160">
           <p15:clr>
             <a:srgbClr val="A4A3A4"/>
@@ -222,7 +222,7 @@
           <a:p>
             <a:fld id="{9D9F3792-36B7-4A04-83E2-13BBDD001DB5}" type="datetimeFigureOut">
               <a:rPr kumimoji="1" lang="ja-JP" altLang="en-US" smtClean="0"/>
-              <a:t>16/02/18</a:t>
+              <a:t>2017/8/6</a:t>
             </a:fld>
             <a:endParaRPr kumimoji="1" lang="ja-JP" altLang="en-US"/>
           </a:p>
@@ -1180,7 +1180,7 @@
           <a:p>
             <a:fld id="{C9E39C6A-ADE5-42B3-A51E-B44B71F41A46}" type="datetime1">
               <a:rPr kumimoji="1" lang="ja-JP" altLang="en-US" smtClean="0"/>
-              <a:t>16/02/18</a:t>
+              <a:t>2017/8/6</a:t>
             </a:fld>
             <a:endParaRPr kumimoji="1" lang="ja-JP" altLang="en-US"/>
           </a:p>
@@ -1395,7 +1395,7 @@
           <a:p>
             <a:fld id="{E2FF1C75-39A9-4B55-AA0E-A04F76609FEC}" type="datetime1">
               <a:rPr kumimoji="1" lang="ja-JP" altLang="en-US" smtClean="0"/>
-              <a:t>16/02/18</a:t>
+              <a:t>2017/8/6</a:t>
             </a:fld>
             <a:endParaRPr kumimoji="1" lang="ja-JP" altLang="en-US"/>
           </a:p>
@@ -1602,7 +1602,7 @@
           <a:p>
             <a:fld id="{6C7420C8-9F9C-427D-8C8D-23BC1D931E8B}" type="datetime1">
               <a:rPr kumimoji="1" lang="ja-JP" altLang="en-US" smtClean="0"/>
-              <a:t>16/02/18</a:t>
+              <a:t>2017/8/6</a:t>
             </a:fld>
             <a:endParaRPr kumimoji="1" lang="ja-JP" altLang="en-US"/>
           </a:p>
@@ -1799,7 +1799,7 @@
           <a:p>
             <a:fld id="{DD9E43AA-EA5F-4334-8D62-1750B077EBF2}" type="datetime1">
               <a:rPr kumimoji="1" lang="ja-JP" altLang="en-US" smtClean="0"/>
-              <a:t>16/02/18</a:t>
+              <a:t>2017/8/6</a:t>
             </a:fld>
             <a:endParaRPr kumimoji="1" lang="ja-JP" altLang="en-US"/>
           </a:p>
@@ -2020,7 +2020,7 @@
           <a:p>
             <a:fld id="{6E9D669D-93AF-4706-9431-916F853A3D6D}" type="datetime1">
               <a:rPr kumimoji="1" lang="ja-JP" altLang="en-US" smtClean="0"/>
-              <a:t>16/02/18</a:t>
+              <a:t>2017/8/6</a:t>
             </a:fld>
             <a:endParaRPr kumimoji="1" lang="ja-JP" altLang="en-US"/>
           </a:p>
@@ -2343,7 +2343,7 @@
           <a:p>
             <a:fld id="{257565E8-D450-4248-9EF3-E024576233E1}" type="datetime1">
               <a:rPr kumimoji="1" lang="ja-JP" altLang="en-US" smtClean="0"/>
-              <a:t>16/02/18</a:t>
+              <a:t>2017/8/6</a:t>
             </a:fld>
             <a:endParaRPr kumimoji="1" lang="ja-JP" altLang="en-US"/>
           </a:p>
@@ -2811,7 +2811,7 @@
           <a:p>
             <a:fld id="{37041310-2D68-4F8B-986C-6484DF0ED96D}" type="datetime1">
               <a:rPr kumimoji="1" lang="ja-JP" altLang="en-US" smtClean="0"/>
-              <a:t>16/02/18</a:t>
+              <a:t>2017/8/6</a:t>
             </a:fld>
             <a:endParaRPr kumimoji="1" lang="ja-JP" altLang="en-US"/>
           </a:p>
@@ -2942,7 +2942,7 @@
           <a:p>
             <a:fld id="{EC51245F-AAC0-4C27-926D-4DB7D4D3BF2E}" type="datetime1">
               <a:rPr kumimoji="1" lang="ja-JP" altLang="en-US" smtClean="0"/>
-              <a:t>16/02/18</a:t>
+              <a:t>2017/8/6</a:t>
             </a:fld>
             <a:endParaRPr kumimoji="1" lang="ja-JP" altLang="en-US"/>
           </a:p>
@@ -3042,7 +3042,7 @@
           <a:p>
             <a:fld id="{E71826CA-A145-410F-8AB6-43D69965D7D5}" type="datetime1">
               <a:rPr kumimoji="1" lang="ja-JP" altLang="en-US" smtClean="0"/>
-              <a:t>16/02/18</a:t>
+              <a:t>2017/8/6</a:t>
             </a:fld>
             <a:endParaRPr kumimoji="1" lang="ja-JP" altLang="en-US"/>
           </a:p>
@@ -3319,7 +3319,7 @@
           <a:p>
             <a:fld id="{D2A8A9D4-295E-43A7-9FCA-9BAFD307A619}" type="datetime1">
               <a:rPr kumimoji="1" lang="ja-JP" altLang="en-US" smtClean="0"/>
-              <a:t>16/02/18</a:t>
+              <a:t>2017/8/6</a:t>
             </a:fld>
             <a:endParaRPr kumimoji="1" lang="ja-JP" altLang="en-US"/>
           </a:p>
@@ -3563,7 +3563,7 @@
           <a:p>
             <a:fld id="{76B204B7-5B84-42A6-99CE-456B0A885EFF}" type="datetime1">
               <a:rPr kumimoji="1" lang="ja-JP" altLang="en-US" smtClean="0"/>
-              <a:t>16/02/18</a:t>
+              <a:t>2017/8/6</a:t>
             </a:fld>
             <a:endParaRPr kumimoji="1" lang="ja-JP" altLang="en-US"/>
           </a:p>
@@ -4419,7 +4419,7 @@
           <a:p>
             <a:fld id="{D54FCDCB-647B-4497-9AF8-A7D87DBDB4F2}" type="datetime1">
               <a:rPr kumimoji="1" lang="ja-JP" altLang="en-US" smtClean="0"/>
-              <a:t>16/02/18</a:t>
+              <a:t>2017/8/6</a:t>
             </a:fld>
             <a:endParaRPr kumimoji="1" lang="ja-JP" altLang="en-US"/>
           </a:p>
@@ -4904,7 +4904,7 @@
   <p:timing>
     <p:tnLst>
       <p:par>
-        <p:cTn xmlns:p14="http://schemas.microsoft.com/office/powerpoint/2010/main" id="1" dur="indefinite" restart="never" nodeType="tmRoot"/>
+        <p:cTn id="1" dur="indefinite" restart="never" nodeType="tmRoot"/>
       </p:par>
     </p:tnLst>
   </p:timing>
@@ -5317,7 +5317,7 @@
   <p:timing>
     <p:tnLst>
       <p:par>
-        <p:cTn xmlns:p14="http://schemas.microsoft.com/office/powerpoint/2010/main" id="1" dur="indefinite" restart="never" nodeType="tmRoot"/>
+        <p:cTn id="1" dur="indefinite" restart="never" nodeType="tmRoot"/>
       </p:par>
     </p:tnLst>
   </p:timing>
@@ -6532,7 +6532,7 @@
   <p:timing>
     <p:tnLst>
       <p:par>
-        <p:cTn xmlns:p14="http://schemas.microsoft.com/office/powerpoint/2010/main" id="1" dur="indefinite" restart="never" nodeType="tmRoot"/>
+        <p:cTn id="1" dur="indefinite" restart="never" nodeType="tmRoot"/>
       </p:par>
     </p:tnLst>
   </p:timing>
@@ -6602,7 +6602,7 @@
         </p:nvGraphicFramePr>
         <p:xfrm>
           <a:off x="1043608" y="2564904"/>
-          <a:ext cx="2304256" cy="2438399"/>
+          <a:ext cx="2304256" cy="2438400"/>
         </p:xfrm>
         <a:graphic>
           <a:graphicData uri="http://schemas.openxmlformats.org/drawingml/2006/table">
@@ -10112,7 +10112,7 @@
         </p:nvGraphicFramePr>
         <p:xfrm>
           <a:off x="4932040" y="2492896"/>
-          <a:ext cx="1152128" cy="1219199"/>
+          <a:ext cx="1152128" cy="1219200"/>
         </p:xfrm>
         <a:graphic>
           <a:graphicData uri="http://schemas.openxmlformats.org/drawingml/2006/table">
@@ -11018,7 +11018,7 @@
         </p:nvGraphicFramePr>
         <p:xfrm>
           <a:off x="6516216" y="2492896"/>
-          <a:ext cx="1152128" cy="1219199"/>
+          <a:ext cx="1152128" cy="1219200"/>
         </p:xfrm>
         <a:graphic>
           <a:graphicData uri="http://schemas.openxmlformats.org/drawingml/2006/table">
@@ -11924,7 +11924,7 @@
         </p:nvGraphicFramePr>
         <p:xfrm>
           <a:off x="4932040" y="4005064"/>
-          <a:ext cx="1152128" cy="1219199"/>
+          <a:ext cx="1152128" cy="1219200"/>
         </p:xfrm>
         <a:graphic>
           <a:graphicData uri="http://schemas.openxmlformats.org/drawingml/2006/table">
@@ -12830,7 +12830,7 @@
         </p:nvGraphicFramePr>
         <p:xfrm>
           <a:off x="6516216" y="4005064"/>
-          <a:ext cx="1152128" cy="1219199"/>
+          <a:ext cx="1152128" cy="1219200"/>
         </p:xfrm>
         <a:graphic>
           <a:graphicData uri="http://schemas.openxmlformats.org/drawingml/2006/table">
@@ -14241,7 +14241,7 @@
   <p:timing>
     <p:tnLst>
       <p:par>
-        <p:cTn xmlns:p14="http://schemas.microsoft.com/office/powerpoint/2010/main" id="1" dur="indefinite" restart="never" nodeType="tmRoot"/>
+        <p:cTn id="1" dur="indefinite" restart="never" nodeType="tmRoot"/>
       </p:par>
     </p:tnLst>
   </p:timing>
@@ -14315,7 +14315,7 @@
         </p:nvGraphicFramePr>
         <p:xfrm>
           <a:off x="1259632" y="2464296"/>
-          <a:ext cx="1728192" cy="1828799"/>
+          <a:ext cx="1728192" cy="1828800"/>
         </p:xfrm>
         <a:graphic>
           <a:graphicData uri="http://schemas.openxmlformats.org/drawingml/2006/table">
@@ -16307,7 +16307,7 @@
         </p:nvGraphicFramePr>
         <p:xfrm>
           <a:off x="3491880" y="2464296"/>
-          <a:ext cx="1728192" cy="1828799"/>
+          <a:ext cx="1728192" cy="1828800"/>
         </p:xfrm>
         <a:graphic>
           <a:graphicData uri="http://schemas.openxmlformats.org/drawingml/2006/table">
@@ -18299,7 +18299,7 @@
         </p:nvGraphicFramePr>
         <p:xfrm>
           <a:off x="1259632" y="4768553"/>
-          <a:ext cx="1728192" cy="1828799"/>
+          <a:ext cx="1728192" cy="1828800"/>
         </p:xfrm>
         <a:graphic>
           <a:graphicData uri="http://schemas.openxmlformats.org/drawingml/2006/table">
@@ -20291,7 +20291,7 @@
         </p:nvGraphicFramePr>
         <p:xfrm>
           <a:off x="3491880" y="4768553"/>
-          <a:ext cx="1728192" cy="1828799"/>
+          <a:ext cx="1728192" cy="1828800"/>
         </p:xfrm>
         <a:graphic>
           <a:graphicData uri="http://schemas.openxmlformats.org/drawingml/2006/table">
@@ -22283,7 +22283,7 @@
         </p:nvGraphicFramePr>
         <p:xfrm>
           <a:off x="3203848" y="1988840"/>
-          <a:ext cx="288032" cy="304799"/>
+          <a:ext cx="288032" cy="304800"/>
         </p:xfrm>
         <a:graphic>
           <a:graphicData uri="http://schemas.openxmlformats.org/drawingml/2006/table">
@@ -22795,7 +22795,7 @@
           </a:ln>
           <a:extLst>
             <a:ext uri="{909E8E84-426E-40dd-AFC4-6F175D3DCCD1}">
-              <a14:hiddenFill xmlns:a14="http://schemas.microsoft.com/office/drawing/2010/main">
+              <a14:hiddenFill xmlns:a14="http://schemas.microsoft.com/office/drawing/2010/main" xmlns="">
                 <a:solidFill>
                   <a:srgbClr val="FFFFFF"/>
                 </a:solidFill>
@@ -22885,7 +22885,7 @@
           </a:ln>
           <a:extLst>
             <a:ext uri="{909E8E84-426E-40dd-AFC4-6F175D3DCCD1}">
-              <a14:hiddenFill xmlns:a14="http://schemas.microsoft.com/office/drawing/2010/main">
+              <a14:hiddenFill xmlns:a14="http://schemas.microsoft.com/office/drawing/2010/main" xmlns="">
                 <a:solidFill>
                   <a:srgbClr val="FFFFFF"/>
                 </a:solidFill>
@@ -23148,7 +23148,7 @@
   <p:timing>
     <p:tnLst>
       <p:par>
-        <p:cTn xmlns:p14="http://schemas.microsoft.com/office/powerpoint/2010/main" id="1" dur="indefinite" restart="never" nodeType="tmRoot"/>
+        <p:cTn id="1" dur="indefinite" restart="never" nodeType="tmRoot"/>
       </p:par>
     </p:tnLst>
   </p:timing>
@@ -23525,7 +23525,7 @@
   <p:timing>
     <p:tnLst>
       <p:par>
-        <p:cTn xmlns:p14="http://schemas.microsoft.com/office/powerpoint/2010/main" id="1" dur="indefinite" restart="never" nodeType="tmRoot"/>
+        <p:cTn id="1" dur="indefinite" restart="never" nodeType="tmRoot"/>
       </p:par>
     </p:tnLst>
   </p:timing>
@@ -23747,8 +23747,25 @@
                 <a:latin typeface="ＭＳ ゴシック" pitchFamily="49" charset="-128"/>
                 <a:ea typeface="ＭＳ ゴシック" pitchFamily="49" charset="-128"/>
               </a:rPr>
-              <a:t> nodes p(4,*)</a:t>
-            </a:r>
+              <a:t> nodes </a:t>
+            </a:r>
+            <a:r>
+              <a:rPr lang="en-US" altLang="ja-JP" sz="1050" dirty="0" smtClean="0">
+                <a:solidFill>
+                  <a:srgbClr val="000090"/>
+                </a:solidFill>
+                <a:latin typeface="ＭＳ ゴシック" pitchFamily="49" charset="-128"/>
+                <a:ea typeface="ＭＳ ゴシック" pitchFamily="49" charset="-128"/>
+              </a:rPr>
+              <a:t>p[*][4]</a:t>
+            </a:r>
+            <a:endParaRPr lang="en-US" altLang="ja-JP" sz="1050" dirty="0">
+              <a:solidFill>
+                <a:srgbClr val="000090"/>
+              </a:solidFill>
+              <a:latin typeface="ＭＳ ゴシック" pitchFamily="49" charset="-128"/>
+              <a:ea typeface="ＭＳ ゴシック" pitchFamily="49" charset="-128"/>
+            </a:endParaRPr>
           </a:p>
           <a:p>
             <a:r>
@@ -23789,18 +23806,15 @@
                 <a:latin typeface="ＭＳ ゴシック" pitchFamily="49" charset="-128"/>
                 <a:ea typeface="ＭＳ ゴシック" pitchFamily="49" charset="-128"/>
               </a:rPr>
-              <a:t>t(0:N1-1,0:N2-1</a:t>
-            </a:r>
-            <a:r>
-              <a:rPr lang="en-US" altLang="ja-JP" sz="1050" dirty="0">
-                <a:solidFill>
-                  <a:srgbClr val="000090"/>
-                </a:solidFill>
-                <a:latin typeface="ＭＳ ゴシック" pitchFamily="49" charset="-128"/>
-                <a:ea typeface="ＭＳ ゴシック" pitchFamily="49" charset="-128"/>
-              </a:rPr>
-              <a:t>)</a:t>
-            </a:r>
+              <a:t>t[N2][N1]</a:t>
+            </a:r>
+            <a:endParaRPr lang="en-US" altLang="ja-JP" sz="1050" dirty="0">
+              <a:solidFill>
+                <a:srgbClr val="000090"/>
+              </a:solidFill>
+              <a:latin typeface="ＭＳ ゴシック" pitchFamily="49" charset="-128"/>
+              <a:ea typeface="ＭＳ ゴシック" pitchFamily="49" charset="-128"/>
+            </a:endParaRPr>
           </a:p>
           <a:p>
             <a:r>
@@ -24171,7 +24185,7 @@
                 <a:latin typeface="ＭＳ ゴシック" pitchFamily="49" charset="-128"/>
                 <a:ea typeface="ＭＳ ゴシック" pitchFamily="49" charset="-128"/>
               </a:rPr>
-              <a:t>i,j</a:t>
+              <a:t>j,i</a:t>
             </a:r>
             <a:r>
               <a:rPr lang="en-US" altLang="ja-JP" sz="1050" dirty="0" smtClean="0">
@@ -24201,7 +24215,7 @@
                 <a:latin typeface="ＭＳ ゴシック" pitchFamily="49" charset="-128"/>
                 <a:ea typeface="ＭＳ ゴシック" pitchFamily="49" charset="-128"/>
               </a:rPr>
-              <a:t>t(</a:t>
+              <a:t>t[j][</a:t>
             </a:r>
             <a:r>
               <a:rPr lang="en-US" altLang="ja-JP" sz="1050" dirty="0" err="1" smtClean="0">
@@ -24211,7 +24225,7 @@
                 <a:latin typeface="ＭＳ ゴシック" pitchFamily="49" charset="-128"/>
                 <a:ea typeface="ＭＳ ゴシック" pitchFamily="49" charset="-128"/>
               </a:rPr>
-              <a:t>i,j</a:t>
+              <a:t>i</a:t>
             </a:r>
             <a:r>
               <a:rPr lang="en-US" altLang="ja-JP" sz="1050" dirty="0" smtClean="0">
@@ -24221,8 +24235,15 @@
                 <a:latin typeface="ＭＳ ゴシック" pitchFamily="49" charset="-128"/>
                 <a:ea typeface="ＭＳ ゴシック" pitchFamily="49" charset="-128"/>
               </a:rPr>
-              <a:t>)</a:t>
-            </a:r>
+              <a:t>]</a:t>
+            </a:r>
+            <a:endParaRPr lang="en-US" altLang="ja-JP" sz="1050" dirty="0" smtClean="0">
+              <a:solidFill>
+                <a:srgbClr val="008000"/>
+              </a:solidFill>
+              <a:latin typeface="ＭＳ ゴシック" pitchFamily="49" charset="-128"/>
+              <a:ea typeface="ＭＳ ゴシック" pitchFamily="49" charset="-128"/>
+            </a:endParaRPr>
           </a:p>
           <a:p>
             <a:r>
@@ -25535,27 +25556,37 @@
                 <a:latin typeface="ＭＳ ゴシック" pitchFamily="49" charset="-128"/>
                 <a:ea typeface="ＭＳ ゴシック" pitchFamily="49" charset="-128"/>
               </a:rPr>
-              <a:t> </a:t>
-            </a:r>
-            <a:r>
-              <a:rPr lang="en-US" altLang="ja-JP" sz="1050">
+              <a:t> loop </a:t>
+            </a:r>
+            <a:r>
+              <a:rPr lang="en-US" altLang="ja-JP" sz="1050" dirty="0" smtClean="0">
                 <a:solidFill>
                   <a:srgbClr val="008000"/>
                 </a:solidFill>
                 <a:latin typeface="ＭＳ ゴシック" pitchFamily="49" charset="-128"/>
                 <a:ea typeface="ＭＳ ゴシック" pitchFamily="49" charset="-128"/>
               </a:rPr>
-              <a:t>loop </a:t>
-            </a:r>
-            <a:r>
-              <a:rPr lang="en-US" altLang="ja-JP" sz="1050" smtClean="0">
+              <a:t>(</a:t>
+            </a:r>
+            <a:r>
+              <a:rPr lang="en-US" altLang="ja-JP" sz="1050" dirty="0" err="1" smtClean="0">
                 <a:solidFill>
                   <a:srgbClr val="008000"/>
                 </a:solidFill>
                 <a:latin typeface="ＭＳ ゴシック" pitchFamily="49" charset="-128"/>
                 <a:ea typeface="ＭＳ ゴシック" pitchFamily="49" charset="-128"/>
               </a:rPr>
-              <a:t>(i,j) </a:t>
+              <a:t>j,i</a:t>
+            </a:r>
+            <a:r>
+              <a:rPr lang="en-US" altLang="ja-JP" sz="1050" dirty="0" smtClean="0">
+                <a:solidFill>
+                  <a:srgbClr val="008000"/>
+                </a:solidFill>
+                <a:latin typeface="ＭＳ ゴシック" pitchFamily="49" charset="-128"/>
+                <a:ea typeface="ＭＳ ゴシック" pitchFamily="49" charset="-128"/>
+              </a:rPr>
+              <a:t>) </a:t>
             </a:r>
             <a:r>
               <a:rPr lang="en-US" altLang="ja-JP" sz="1050" dirty="0">
@@ -25575,10 +25606,10 @@
                 <a:latin typeface="ＭＳ ゴシック" pitchFamily="49" charset="-128"/>
                 <a:ea typeface="ＭＳ ゴシック" pitchFamily="49" charset="-128"/>
               </a:rPr>
-              <a:t>t(</a:t>
-            </a:r>
-            <a:r>
-              <a:rPr lang="en-US" altLang="ja-JP" sz="1050" dirty="0" err="1">
+              <a:t>t[j][</a:t>
+            </a:r>
+            <a:r>
+              <a:rPr lang="en-US" altLang="ja-JP" sz="1050" dirty="0" err="1" smtClean="0">
                 <a:solidFill>
                   <a:srgbClr val="008000"/>
                 </a:solidFill>
@@ -25588,34 +25619,14 @@
               <a:t>i</a:t>
             </a:r>
             <a:r>
-              <a:rPr lang="en-US" altLang="ja-JP" sz="1050" dirty="0" err="1" smtClean="0">
+              <a:rPr lang="en-US" altLang="ja-JP" sz="1050" dirty="0" smtClean="0">
                 <a:solidFill>
                   <a:srgbClr val="008000"/>
                 </a:solidFill>
                 <a:latin typeface="ＭＳ ゴシック" pitchFamily="49" charset="-128"/>
                 <a:ea typeface="ＭＳ ゴシック" pitchFamily="49" charset="-128"/>
               </a:rPr>
-              <a:t>,</a:t>
-            </a:r>
-            <a:r>
-              <a:rPr lang="en-US" altLang="ja-JP" sz="1050" dirty="0" err="1">
-                <a:solidFill>
-                  <a:srgbClr val="008000"/>
-                </a:solidFill>
-                <a:latin typeface="ＭＳ ゴシック" pitchFamily="49" charset="-128"/>
-                <a:ea typeface="ＭＳ ゴシック" pitchFamily="49" charset="-128"/>
-              </a:rPr>
-              <a:t>j</a:t>
-            </a:r>
-            <a:r>
-              <a:rPr lang="en-US" altLang="ja-JP" sz="1050" dirty="0" smtClean="0">
-                <a:solidFill>
-                  <a:srgbClr val="008000"/>
-                </a:solidFill>
-                <a:latin typeface="ＭＳ ゴシック" pitchFamily="49" charset="-128"/>
-                <a:ea typeface="ＭＳ ゴシック" pitchFamily="49" charset="-128"/>
-              </a:rPr>
-              <a:t>) </a:t>
+              <a:t>] </a:t>
             </a:r>
             <a:r>
               <a:rPr lang="en-US" altLang="ja-JP" sz="1050" dirty="0">
@@ -25921,8 +25932,35 @@
                 <a:latin typeface="ＭＳ ゴシック" pitchFamily="49" charset="-128"/>
                 <a:ea typeface="ＭＳ ゴシック" pitchFamily="49" charset="-128"/>
               </a:rPr>
-              <a:t> task on p(1,1)</a:t>
-            </a:r>
+              <a:t> task </a:t>
+            </a:r>
+            <a:r>
+              <a:rPr lang="en-US" altLang="ja-JP" sz="1050">
+                <a:solidFill>
+                  <a:srgbClr val="008000"/>
+                </a:solidFill>
+                <a:latin typeface="ＭＳ ゴシック" pitchFamily="49" charset="-128"/>
+                <a:ea typeface="ＭＳ ゴシック" pitchFamily="49" charset="-128"/>
+              </a:rPr>
+              <a:t>on </a:t>
+            </a:r>
+            <a:r>
+              <a:rPr lang="en-US" altLang="ja-JP" sz="1050" smtClean="0">
+                <a:solidFill>
+                  <a:srgbClr val="008000"/>
+                </a:solidFill>
+                <a:latin typeface="ＭＳ ゴシック" pitchFamily="49" charset="-128"/>
+                <a:ea typeface="ＭＳ ゴシック" pitchFamily="49" charset="-128"/>
+              </a:rPr>
+              <a:t>p[0][0]</a:t>
+            </a:r>
+            <a:endParaRPr lang="en-US" altLang="ja-JP" sz="1050" dirty="0">
+              <a:solidFill>
+                <a:srgbClr val="008000"/>
+              </a:solidFill>
+              <a:latin typeface="ＭＳ ゴシック" pitchFamily="49" charset="-128"/>
+              <a:ea typeface="ＭＳ ゴシック" pitchFamily="49" charset="-128"/>
+            </a:endParaRPr>
           </a:p>
           <a:p>
             <a:r>
@@ -25930,28 +25968,28 @@
                 <a:latin typeface="ＭＳ ゴシック" pitchFamily="49" charset="-128"/>
                 <a:ea typeface="ＭＳ ゴシック" pitchFamily="49" charset="-128"/>
               </a:rPr>
-              <a:t>  </a:t>
-            </a:r>
-            <a:r>
-              <a:rPr lang="en-US" altLang="ja-JP" sz="1050" smtClean="0">
+              <a:t>   </a:t>
+            </a:r>
+            <a:r>
+              <a:rPr lang="en-US" altLang="ja-JP" sz="1050" dirty="0">
                 <a:latin typeface="ＭＳ ゴシック" pitchFamily="49" charset="-128"/>
                 <a:ea typeface="ＭＳ ゴシック" pitchFamily="49" charset="-128"/>
               </a:rPr>
               <a:t> </a:t>
             </a:r>
             <a:r>
-              <a:rPr lang="en-US" altLang="ja-JP" sz="1050">
-                <a:latin typeface="ＭＳ ゴシック" pitchFamily="49" charset="-128"/>
-                <a:ea typeface="ＭＳ ゴシック" pitchFamily="49" charset="-128"/>
-              </a:rPr>
-              <a:t> </a:t>
-            </a:r>
-            <a:r>
-              <a:rPr lang="en-US" altLang="ja-JP" sz="1050" smtClean="0">
-                <a:latin typeface="ＭＳ ゴシック" pitchFamily="49" charset="-128"/>
-                <a:ea typeface="ＭＳ ゴシック" pitchFamily="49" charset="-128"/>
-              </a:rPr>
-              <a:t>printf("</a:t>
+              <a:rPr lang="en-US" altLang="ja-JP" sz="1050" dirty="0" err="1" smtClean="0">
+                <a:latin typeface="ＭＳ ゴシック" pitchFamily="49" charset="-128"/>
+                <a:ea typeface="ＭＳ ゴシック" pitchFamily="49" charset="-128"/>
+              </a:rPr>
+              <a:t>printf</a:t>
+            </a:r>
+            <a:r>
+              <a:rPr lang="en-US" altLang="ja-JP" sz="1050" dirty="0" smtClean="0">
+                <a:latin typeface="ＭＳ ゴシック" pitchFamily="49" charset="-128"/>
+                <a:ea typeface="ＭＳ ゴシック" pitchFamily="49" charset="-128"/>
+              </a:rPr>
+              <a:t>("</a:t>
             </a:r>
             <a:r>
               <a:rPr lang="en-US" altLang="ja-JP" sz="1050" dirty="0">
@@ -25981,14 +26019,7 @@
                 <a:latin typeface="ＭＳ ゴシック" pitchFamily="49" charset="-128"/>
                 <a:ea typeface="ＭＳ ゴシック" pitchFamily="49" charset="-128"/>
               </a:rPr>
-              <a:t>   </a:t>
-            </a:r>
-            <a:r>
-              <a:rPr lang="en-US" altLang="ja-JP" sz="1050" smtClean="0">
-                <a:latin typeface="ＭＳ ゴシック" pitchFamily="49" charset="-128"/>
-                <a:ea typeface="ＭＳ ゴシック" pitchFamily="49" charset="-128"/>
-              </a:rPr>
-              <a:t> </a:t>
+              <a:t>    </a:t>
             </a:r>
             <a:endParaRPr lang="en-US" altLang="ja-JP" sz="1050" dirty="0">
               <a:latin typeface="ＭＳ ゴシック" pitchFamily="49" charset="-128"/>
@@ -26534,7 +26565,7 @@
   <p:timing>
     <p:tnLst>
       <p:par>
-        <p:cTn xmlns:p14="http://schemas.microsoft.com/office/powerpoint/2010/main" id="1" dur="indefinite" restart="never" nodeType="tmRoot"/>
+        <p:cTn id="1" dur="indefinite" restart="never" nodeType="tmRoot"/>
       </p:par>
     </p:tnLst>
   </p:timing>
@@ -26667,7 +26698,7 @@
   <p:timing>
     <p:tnLst>
       <p:par>
-        <p:cTn xmlns:p14="http://schemas.microsoft.com/office/powerpoint/2010/main" id="1" dur="indefinite" restart="never" nodeType="tmRoot"/>
+        <p:cTn id="1" dur="indefinite" restart="never" nodeType="tmRoot"/>
       </p:par>
     </p:tnLst>
   </p:timing>
@@ -27102,7 +27133,7 @@
   <p:timing>
     <p:tnLst>
       <p:par>
-        <p:cTn xmlns:p14="http://schemas.microsoft.com/office/powerpoint/2010/main" id="1" dur="indefinite" restart="never" nodeType="tmRoot"/>
+        <p:cTn id="1" dur="indefinite" restart="never" nodeType="tmRoot"/>
       </p:par>
     </p:tnLst>
   </p:timing>
@@ -27311,7 +27342,7 @@
   <p:timing>
     <p:tnLst>
       <p:par>
-        <p:cTn xmlns:p14="http://schemas.microsoft.com/office/powerpoint/2010/main" id="1" dur="indefinite" restart="never" nodeType="tmRoot"/>
+        <p:cTn id="1" dur="indefinite" restart="never" nodeType="tmRoot"/>
       </p:par>
     </p:tnLst>
   </p:timing>
@@ -28290,7 +28321,7 @@
   <p:timing>
     <p:tnLst>
       <p:par>
-        <p:cTn xmlns:p14="http://schemas.microsoft.com/office/powerpoint/2010/main" id="1" dur="indefinite" restart="never" nodeType="tmRoot"/>
+        <p:cTn id="1" dur="indefinite" restart="never" nodeType="tmRoot"/>
       </p:par>
     </p:tnLst>
   </p:timing>
@@ -28382,14 +28413,7 @@
                 <a:latin typeface="ＭＳ ゴシック" pitchFamily="49" charset="-128"/>
                 <a:ea typeface="ＭＳ ゴシック" pitchFamily="49" charset="-128"/>
               </a:rPr>
-              <a:t>, </a:t>
-            </a:r>
-            <a:r>
-              <a:rPr lang="en-US" altLang="ja-JP" sz="2400" smtClean="0">
-                <a:latin typeface="ＭＳ ゴシック" pitchFamily="49" charset="-128"/>
-                <a:ea typeface="ＭＳ ゴシック" pitchFamily="49" charset="-128"/>
-              </a:rPr>
-              <a:t>xmp_init.f90 </a:t>
+              <a:t>, xmp_init.f90 </a:t>
             </a:r>
             <a:r>
               <a:rPr lang="ja-JP" altLang="en-US" sz="2400" dirty="0" smtClean="0">
@@ -28416,21 +28440,7 @@
                 <a:latin typeface="ＭＳ ゴシック" pitchFamily="49" charset="-128"/>
                 <a:ea typeface="ＭＳ ゴシック" pitchFamily="49" charset="-128"/>
               </a:rPr>
-              <a:t>実行</a:t>
-            </a:r>
-            <a:r>
-              <a:rPr lang="ja-JP" altLang="en-US" sz="2400" smtClean="0">
-                <a:latin typeface="ＭＳ ゴシック" pitchFamily="49" charset="-128"/>
-                <a:ea typeface="ＭＳ ゴシック" pitchFamily="49" charset="-128"/>
-              </a:rPr>
-              <a:t>する</a:t>
-            </a:r>
-            <a:r>
-              <a:rPr lang="ja-JP" altLang="en-US" sz="2400" smtClean="0">
-                <a:latin typeface="ＭＳ ゴシック" pitchFamily="49" charset="-128"/>
-                <a:ea typeface="ＭＳ ゴシック" pitchFamily="49" charset="-128"/>
-              </a:rPr>
-              <a:t>。</a:t>
+              <a:t>実行する。</a:t>
             </a:r>
             <a:r>
               <a:rPr lang="en-US" altLang="ja-JP" sz="2400">
@@ -28545,8 +28555,35 @@
                 <a:latin typeface="ＭＳ ゴシック" pitchFamily="49" charset="-128"/>
                 <a:ea typeface="ＭＳ ゴシック" pitchFamily="49" charset="-128"/>
               </a:rPr>
-              <a:t> nodes p(2)</a:t>
-            </a:r>
+              <a:t> nodes </a:t>
+            </a:r>
+            <a:r>
+              <a:rPr lang="en-US" altLang="ja-JP" sz="1400" dirty="0" smtClean="0">
+                <a:solidFill>
+                  <a:srgbClr val="000090"/>
+                </a:solidFill>
+                <a:latin typeface="ＭＳ ゴシック" pitchFamily="49" charset="-128"/>
+                <a:ea typeface="ＭＳ ゴシック" pitchFamily="49" charset="-128"/>
+              </a:rPr>
+              <a:t>p[2</a:t>
+            </a:r>
+            <a:r>
+              <a:rPr lang="en-US" altLang="ja-JP" sz="1400" dirty="0" smtClean="0">
+                <a:solidFill>
+                  <a:srgbClr val="000090"/>
+                </a:solidFill>
+                <a:latin typeface="ＭＳ ゴシック" pitchFamily="49" charset="-128"/>
+                <a:ea typeface="ＭＳ ゴシック" pitchFamily="49" charset="-128"/>
+              </a:rPr>
+              <a:t>]</a:t>
+            </a:r>
+            <a:endParaRPr lang="en-US" altLang="ja-JP" sz="1400" dirty="0">
+              <a:solidFill>
+                <a:srgbClr val="000090"/>
+              </a:solidFill>
+              <a:latin typeface="ＭＳ ゴシック" pitchFamily="49" charset="-128"/>
+              <a:ea typeface="ＭＳ ゴシック" pitchFamily="49" charset="-128"/>
+            </a:endParaRPr>
           </a:p>
           <a:p>
             <a:pPr marL="109728" indent="0">
@@ -28580,8 +28617,25 @@
                 <a:latin typeface="ＭＳ ゴシック" pitchFamily="49" charset="-128"/>
                 <a:ea typeface="ＭＳ ゴシック" pitchFamily="49" charset="-128"/>
               </a:rPr>
-              <a:t> template t(0:9)</a:t>
-            </a:r>
+              <a:t> template </a:t>
+            </a:r>
+            <a:r>
+              <a:rPr lang="en-US" altLang="ja-JP" sz="1400" dirty="0" smtClean="0">
+                <a:solidFill>
+                  <a:srgbClr val="000090"/>
+                </a:solidFill>
+                <a:latin typeface="ＭＳ ゴシック" pitchFamily="49" charset="-128"/>
+                <a:ea typeface="ＭＳ ゴシック" pitchFamily="49" charset="-128"/>
+              </a:rPr>
+              <a:t>t[10]</a:t>
+            </a:r>
+            <a:endParaRPr lang="en-US" altLang="ja-JP" sz="1400" dirty="0">
+              <a:solidFill>
+                <a:srgbClr val="000090"/>
+              </a:solidFill>
+              <a:latin typeface="ＭＳ ゴシック" pitchFamily="49" charset="-128"/>
+              <a:ea typeface="ＭＳ ゴシック" pitchFamily="49" charset="-128"/>
+            </a:endParaRPr>
           </a:p>
           <a:p>
             <a:pPr marL="109728" indent="0">
@@ -28615,7 +28669,47 @@
                 <a:latin typeface="ＭＳ ゴシック" pitchFamily="49" charset="-128"/>
                 <a:ea typeface="ＭＳ ゴシック" pitchFamily="49" charset="-128"/>
               </a:rPr>
-              <a:t> distribute t(block) onto </a:t>
+              <a:t> distribute </a:t>
+            </a:r>
+            <a:r>
+              <a:rPr lang="en-US" altLang="ja-JP" sz="1400" dirty="0" smtClean="0">
+                <a:solidFill>
+                  <a:srgbClr val="000090"/>
+                </a:solidFill>
+                <a:latin typeface="ＭＳ ゴシック" pitchFamily="49" charset="-128"/>
+                <a:ea typeface="ＭＳ ゴシック" pitchFamily="49" charset="-128"/>
+              </a:rPr>
+              <a:t>t[block</a:t>
+            </a:r>
+            <a:r>
+              <a:rPr lang="en-US" altLang="ja-JP" sz="1400" dirty="0">
+                <a:solidFill>
+                  <a:srgbClr val="000090"/>
+                </a:solidFill>
+                <a:latin typeface="ＭＳ ゴシック" pitchFamily="49" charset="-128"/>
+                <a:ea typeface="ＭＳ ゴシック" pitchFamily="49" charset="-128"/>
+              </a:rPr>
+              <a:t>]</a:t>
+            </a:r>
+            <a:r>
+              <a:rPr lang="en-US" altLang="ja-JP" sz="1400" dirty="0" smtClean="0">
+                <a:solidFill>
+                  <a:srgbClr val="000090"/>
+                </a:solidFill>
+                <a:latin typeface="ＭＳ ゴシック" pitchFamily="49" charset="-128"/>
+                <a:ea typeface="ＭＳ ゴシック" pitchFamily="49" charset="-128"/>
+              </a:rPr>
+              <a:t> </a:t>
+            </a:r>
+            <a:r>
+              <a:rPr lang="en-US" altLang="ja-JP" sz="1400" dirty="0">
+                <a:solidFill>
+                  <a:srgbClr val="000090"/>
+                </a:solidFill>
+                <a:latin typeface="ＭＳ ゴシック" pitchFamily="49" charset="-128"/>
+                <a:ea typeface="ＭＳ ゴシック" pitchFamily="49" charset="-128"/>
+              </a:rPr>
+              <a:t>onto </a:t>
             </a:r>
             <a:r>
               <a:rPr lang="en-US" altLang="ja-JP" sz="1400" dirty="0" smtClean="0">
@@ -29049,7 +29143,7 @@
               <a:t>    </a:t>
             </a:r>
             <a:r>
-              <a:rPr lang="en-US" altLang="ja-JP" sz="1400" err="1">
+              <a:rPr lang="en-US" altLang="ja-JP" sz="1400" dirty="0" err="1">
                 <a:solidFill>
                   <a:srgbClr val="000000"/>
                 </a:solidFill>
@@ -29059,7 +29153,7 @@
               <a:t>printf</a:t>
             </a:r>
             <a:r>
-              <a:rPr lang="en-US" altLang="ja-JP" sz="1400" smtClean="0">
+              <a:rPr lang="en-US" altLang="ja-JP" sz="1400" dirty="0" smtClean="0">
                 <a:solidFill>
                   <a:srgbClr val="000000"/>
                 </a:solidFill>
@@ -29076,27 +29170,27 @@
                 <a:latin typeface="ＭＳ ゴシック" pitchFamily="49" charset="-128"/>
                 <a:ea typeface="ＭＳ ゴシック" pitchFamily="49" charset="-128"/>
               </a:rPr>
-              <a:t>d\n"</a:t>
-            </a:r>
-            <a:r>
-              <a:rPr lang="en-US" altLang="ja-JP" sz="1400">
+              <a:t>d\n", </a:t>
+            </a:r>
+            <a:r>
+              <a:rPr lang="en-US" altLang="ja-JP" sz="1400" dirty="0" err="1" smtClean="0">
                 <a:solidFill>
                   <a:srgbClr val="000000"/>
                 </a:solidFill>
                 <a:latin typeface="ＭＳ ゴシック" pitchFamily="49" charset="-128"/>
                 <a:ea typeface="ＭＳ ゴシック" pitchFamily="49" charset="-128"/>
               </a:rPr>
-              <a:t>, </a:t>
-            </a:r>
-            <a:r>
-              <a:rPr lang="en-US" altLang="ja-JP" sz="1400" smtClean="0">
+              <a:t>xmp_node_num</a:t>
+            </a:r>
+            <a:r>
+              <a:rPr lang="en-US" altLang="ja-JP" sz="1400" dirty="0" smtClean="0">
                 <a:solidFill>
                   <a:srgbClr val="000000"/>
                 </a:solidFill>
                 <a:latin typeface="ＭＳ ゴシック" pitchFamily="49" charset="-128"/>
                 <a:ea typeface="ＭＳ ゴシック" pitchFamily="49" charset="-128"/>
               </a:rPr>
-              <a:t>xmp_node_num(), a</a:t>
+              <a:t>(), a</a:t>
             </a:r>
             <a:r>
               <a:rPr lang="en-US" altLang="ja-JP" sz="1400" dirty="0">
@@ -29900,7 +29994,7 @@
   <p:timing>
     <p:tnLst>
       <p:par>
-        <p:cTn xmlns:p14="http://schemas.microsoft.com/office/powerpoint/2010/main" id="1" dur="indefinite" restart="never" nodeType="tmRoot"/>
+        <p:cTn id="1" dur="indefinite" restart="never" nodeType="tmRoot"/>
       </p:par>
     </p:tnLst>
   </p:timing>
@@ -30174,7 +30268,7 @@
   <p:timing>
     <p:tnLst>
       <p:par>
-        <p:cTn xmlns:p14="http://schemas.microsoft.com/office/powerpoint/2010/main" id="1" dur="indefinite" restart="never" nodeType="tmRoot"/>
+        <p:cTn id="1" dur="indefinite" restart="never" nodeType="tmRoot"/>
       </p:par>
     </p:tnLst>
   </p:timing>
@@ -30397,7 +30491,7 @@
   <p:timing>
     <p:tnLst>
       <p:par>
-        <p:cTn xmlns:p14="http://schemas.microsoft.com/office/powerpoint/2010/main" id="1" dur="indefinite" restart="never" nodeType="tmRoot"/>
+        <p:cTn id="1" dur="indefinite" restart="never" nodeType="tmRoot"/>
       </p:par>
     </p:tnLst>
   </p:timing>
@@ -30467,7 +30561,7 @@
         </p:nvGraphicFramePr>
         <p:xfrm>
           <a:off x="323528" y="2213084"/>
-          <a:ext cx="2304256" cy="2438399"/>
+          <a:ext cx="2304256" cy="2438400"/>
         </p:xfrm>
         <a:graphic>
           <a:graphicData uri="http://schemas.openxmlformats.org/drawingml/2006/table">
@@ -33977,7 +34071,7 @@
         </p:nvGraphicFramePr>
         <p:xfrm>
           <a:off x="2843808" y="2272516"/>
-          <a:ext cx="288032" cy="304799"/>
+          <a:ext cx="288032" cy="304800"/>
         </p:xfrm>
         <a:graphic>
           <a:graphicData uri="http://schemas.openxmlformats.org/drawingml/2006/table">
@@ -34060,7 +34154,7 @@
         </p:nvGraphicFramePr>
         <p:xfrm>
           <a:off x="2843808" y="2715498"/>
-          <a:ext cx="288032" cy="304799"/>
+          <a:ext cx="288032" cy="304800"/>
         </p:xfrm>
         <a:graphic>
           <a:graphicData uri="http://schemas.openxmlformats.org/drawingml/2006/table">
@@ -34295,7 +34389,7 @@
         </p:nvGraphicFramePr>
         <p:xfrm>
           <a:off x="2843808" y="3767916"/>
-          <a:ext cx="288032" cy="304799"/>
+          <a:ext cx="288032" cy="304800"/>
         </p:xfrm>
         <a:graphic>
           <a:graphicData uri="http://schemas.openxmlformats.org/drawingml/2006/table">
@@ -34599,7 +34693,7 @@
         </p:nvGraphicFramePr>
         <p:xfrm>
           <a:off x="1953780" y="6341258"/>
-          <a:ext cx="288032" cy="304799"/>
+          <a:ext cx="288032" cy="304800"/>
         </p:xfrm>
         <a:graphic>
           <a:graphicData uri="http://schemas.openxmlformats.org/drawingml/2006/table">
@@ -34828,7 +34922,7 @@
   <p:timing>
     <p:tnLst>
       <p:par>
-        <p:cTn xmlns:p14="http://schemas.microsoft.com/office/powerpoint/2010/main" id="1" dur="indefinite" restart="never" nodeType="tmRoot"/>
+        <p:cTn id="1" dur="indefinite" restart="never" nodeType="tmRoot"/>
       </p:par>
     </p:tnLst>
   </p:timing>

--- a/beginner/2.globalview.pptx
+++ b/beginner/2.globalview.pptx
@@ -222,7 +222,7 @@
           <a:p>
             <a:fld id="{9D9F3792-36B7-4A04-83E2-13BBDD001DB5}" type="datetimeFigureOut">
               <a:rPr kumimoji="1" lang="ja-JP" altLang="en-US" smtClean="0"/>
-              <a:t>2017/8/6</a:t>
+              <a:t>2017/8/27</a:t>
             </a:fld>
             <a:endParaRPr kumimoji="1" lang="ja-JP" altLang="en-US"/>
           </a:p>
@@ -1180,7 +1180,7 @@
           <a:p>
             <a:fld id="{C9E39C6A-ADE5-42B3-A51E-B44B71F41A46}" type="datetime1">
               <a:rPr kumimoji="1" lang="ja-JP" altLang="en-US" smtClean="0"/>
-              <a:t>2017/8/6</a:t>
+              <a:t>2017/8/27</a:t>
             </a:fld>
             <a:endParaRPr kumimoji="1" lang="ja-JP" altLang="en-US"/>
           </a:p>
@@ -1395,7 +1395,7 @@
           <a:p>
             <a:fld id="{E2FF1C75-39A9-4B55-AA0E-A04F76609FEC}" type="datetime1">
               <a:rPr kumimoji="1" lang="ja-JP" altLang="en-US" smtClean="0"/>
-              <a:t>2017/8/6</a:t>
+              <a:t>2017/8/27</a:t>
             </a:fld>
             <a:endParaRPr kumimoji="1" lang="ja-JP" altLang="en-US"/>
           </a:p>
@@ -1602,7 +1602,7 @@
           <a:p>
             <a:fld id="{6C7420C8-9F9C-427D-8C8D-23BC1D931E8B}" type="datetime1">
               <a:rPr kumimoji="1" lang="ja-JP" altLang="en-US" smtClean="0"/>
-              <a:t>2017/8/6</a:t>
+              <a:t>2017/8/27</a:t>
             </a:fld>
             <a:endParaRPr kumimoji="1" lang="ja-JP" altLang="en-US"/>
           </a:p>
@@ -1799,7 +1799,7 @@
           <a:p>
             <a:fld id="{DD9E43AA-EA5F-4334-8D62-1750B077EBF2}" type="datetime1">
               <a:rPr kumimoji="1" lang="ja-JP" altLang="en-US" smtClean="0"/>
-              <a:t>2017/8/6</a:t>
+              <a:t>2017/8/27</a:t>
             </a:fld>
             <a:endParaRPr kumimoji="1" lang="ja-JP" altLang="en-US"/>
           </a:p>
@@ -2020,7 +2020,7 @@
           <a:p>
             <a:fld id="{6E9D669D-93AF-4706-9431-916F853A3D6D}" type="datetime1">
               <a:rPr kumimoji="1" lang="ja-JP" altLang="en-US" smtClean="0"/>
-              <a:t>2017/8/6</a:t>
+              <a:t>2017/8/27</a:t>
             </a:fld>
             <a:endParaRPr kumimoji="1" lang="ja-JP" altLang="en-US"/>
           </a:p>
@@ -2343,7 +2343,7 @@
           <a:p>
             <a:fld id="{257565E8-D450-4248-9EF3-E024576233E1}" type="datetime1">
               <a:rPr kumimoji="1" lang="ja-JP" altLang="en-US" smtClean="0"/>
-              <a:t>2017/8/6</a:t>
+              <a:t>2017/8/27</a:t>
             </a:fld>
             <a:endParaRPr kumimoji="1" lang="ja-JP" altLang="en-US"/>
           </a:p>
@@ -2811,7 +2811,7 @@
           <a:p>
             <a:fld id="{37041310-2D68-4F8B-986C-6484DF0ED96D}" type="datetime1">
               <a:rPr kumimoji="1" lang="ja-JP" altLang="en-US" smtClean="0"/>
-              <a:t>2017/8/6</a:t>
+              <a:t>2017/8/27</a:t>
             </a:fld>
             <a:endParaRPr kumimoji="1" lang="ja-JP" altLang="en-US"/>
           </a:p>
@@ -2942,7 +2942,7 @@
           <a:p>
             <a:fld id="{EC51245F-AAC0-4C27-926D-4DB7D4D3BF2E}" type="datetime1">
               <a:rPr kumimoji="1" lang="ja-JP" altLang="en-US" smtClean="0"/>
-              <a:t>2017/8/6</a:t>
+              <a:t>2017/8/27</a:t>
             </a:fld>
             <a:endParaRPr kumimoji="1" lang="ja-JP" altLang="en-US"/>
           </a:p>
@@ -3042,7 +3042,7 @@
           <a:p>
             <a:fld id="{E71826CA-A145-410F-8AB6-43D69965D7D5}" type="datetime1">
               <a:rPr kumimoji="1" lang="ja-JP" altLang="en-US" smtClean="0"/>
-              <a:t>2017/8/6</a:t>
+              <a:t>2017/8/27</a:t>
             </a:fld>
             <a:endParaRPr kumimoji="1" lang="ja-JP" altLang="en-US"/>
           </a:p>
@@ -3319,7 +3319,7 @@
           <a:p>
             <a:fld id="{D2A8A9D4-295E-43A7-9FCA-9BAFD307A619}" type="datetime1">
               <a:rPr kumimoji="1" lang="ja-JP" altLang="en-US" smtClean="0"/>
-              <a:t>2017/8/6</a:t>
+              <a:t>2017/8/27</a:t>
             </a:fld>
             <a:endParaRPr kumimoji="1" lang="ja-JP" altLang="en-US"/>
           </a:p>
@@ -3563,7 +3563,7 @@
           <a:p>
             <a:fld id="{76B204B7-5B84-42A6-99CE-456B0A885EFF}" type="datetime1">
               <a:rPr kumimoji="1" lang="ja-JP" altLang="en-US" smtClean="0"/>
-              <a:t>2017/8/6</a:t>
+              <a:t>2017/8/27</a:t>
             </a:fld>
             <a:endParaRPr kumimoji="1" lang="ja-JP" altLang="en-US"/>
           </a:p>
@@ -4419,7 +4419,7 @@
           <a:p>
             <a:fld id="{D54FCDCB-647B-4497-9AF8-A7D87DBDB4F2}" type="datetime1">
               <a:rPr kumimoji="1" lang="ja-JP" altLang="en-US" smtClean="0"/>
-              <a:t>2017/8/6</a:t>
+              <a:t>2017/8/27</a:t>
             </a:fld>
             <a:endParaRPr kumimoji="1" lang="ja-JP" altLang="en-US"/>
           </a:p>
@@ -22795,7 +22795,7 @@
           </a:ln>
           <a:extLst>
             <a:ext uri="{909E8E84-426E-40dd-AFC4-6F175D3DCCD1}">
-              <a14:hiddenFill xmlns:a14="http://schemas.microsoft.com/office/drawing/2010/main" xmlns="">
+              <a14:hiddenFill xmlns="" xmlns:a14="http://schemas.microsoft.com/office/drawing/2010/main">
                 <a:solidFill>
                   <a:srgbClr val="FFFFFF"/>
                 </a:solidFill>
@@ -22885,7 +22885,7 @@
           </a:ln>
           <a:extLst>
             <a:ext uri="{909E8E84-426E-40dd-AFC4-6F175D3DCCD1}">
-              <a14:hiddenFill xmlns:a14="http://schemas.microsoft.com/office/drawing/2010/main" xmlns="">
+              <a14:hiddenFill xmlns="" xmlns:a14="http://schemas.microsoft.com/office/drawing/2010/main">
                 <a:solidFill>
                   <a:srgbClr val="FFFFFF"/>
                 </a:solidFill>
@@ -24237,13 +24237,6 @@
               </a:rPr>
               <a:t>]</a:t>
             </a:r>
-            <a:endParaRPr lang="en-US" altLang="ja-JP" sz="1050" dirty="0" smtClean="0">
-              <a:solidFill>
-                <a:srgbClr val="008000"/>
-              </a:solidFill>
-              <a:latin typeface="ＭＳ ゴシック" pitchFamily="49" charset="-128"/>
-              <a:ea typeface="ＭＳ ゴシック" pitchFamily="49" charset="-128"/>
-            </a:endParaRPr>
           </a:p>
           <a:p>
             <a:r>
@@ -27652,56 +27645,13 @@
             <a:pPr marL="109728" indent="0">
               <a:buNone/>
             </a:pPr>
-            <a:r>
-              <a:rPr lang="en-US" altLang="ja-JP" sz="1600" dirty="0">
-                <a:solidFill>
-                  <a:srgbClr val="000000"/>
-                </a:solidFill>
-                <a:latin typeface="ＭＳ ゴシック" pitchFamily="49" charset="-128"/>
-                <a:ea typeface="ＭＳ ゴシック" pitchFamily="49" charset="-128"/>
-              </a:rPr>
-              <a:t>  </a:t>
-            </a:r>
-            <a:r>
-              <a:rPr lang="en-US" altLang="ja-JP" sz="1600" dirty="0" err="1">
-                <a:solidFill>
-                  <a:srgbClr val="000000"/>
-                </a:solidFill>
-                <a:latin typeface="ＭＳ ゴシック" pitchFamily="49" charset="-128"/>
-                <a:ea typeface="ＭＳ ゴシック" pitchFamily="49" charset="-128"/>
-              </a:rPr>
-              <a:t>int</a:t>
-            </a:r>
-            <a:r>
-              <a:rPr lang="en-US" altLang="ja-JP" sz="1600" dirty="0">
-                <a:solidFill>
-                  <a:srgbClr val="000000"/>
-                </a:solidFill>
-                <a:latin typeface="ＭＳ ゴシック" pitchFamily="49" charset="-128"/>
-                <a:ea typeface="ＭＳ ゴシック" pitchFamily="49" charset="-128"/>
-              </a:rPr>
-              <a:t> </a:t>
-            </a:r>
-            <a:r>
-              <a:rPr lang="en-US" altLang="ja-JP" sz="1600" dirty="0" err="1">
-                <a:solidFill>
-                  <a:srgbClr val="000000"/>
-                </a:solidFill>
-                <a:latin typeface="ＭＳ ゴシック" pitchFamily="49" charset="-128"/>
-                <a:ea typeface="ＭＳ ゴシック" pitchFamily="49" charset="-128"/>
-              </a:rPr>
-              <a:t>i</a:t>
-            </a:r>
-            <a:r>
-              <a:rPr lang="en-US" altLang="ja-JP" sz="1600" dirty="0">
-                <a:solidFill>
-                  <a:srgbClr val="000000"/>
-                </a:solidFill>
-                <a:latin typeface="ＭＳ ゴシック" pitchFamily="49" charset="-128"/>
-                <a:ea typeface="ＭＳ ゴシック" pitchFamily="49" charset="-128"/>
-              </a:rPr>
-              <a:t>;</a:t>
-            </a:r>
+            <a:endParaRPr lang="en-US" altLang="ja-JP" sz="1600" dirty="0" smtClean="0">
+              <a:solidFill>
+                <a:srgbClr val="000000"/>
+              </a:solidFill>
+              <a:latin typeface="ＭＳ ゴシック" pitchFamily="49" charset="-128"/>
+              <a:ea typeface="ＭＳ ゴシック" pitchFamily="49" charset="-128"/>
+            </a:endParaRPr>
           </a:p>
           <a:p>
             <a:pPr marL="109728" indent="0">
@@ -27715,19 +27665,69 @@
                 <a:latin typeface="ＭＳ ゴシック" pitchFamily="49" charset="-128"/>
                 <a:ea typeface="ＭＳ ゴシック" pitchFamily="49" charset="-128"/>
               </a:rPr>
-              <a:t>  for(</a:t>
-            </a:r>
-            <a:r>
-              <a:rPr lang="en-US" altLang="ja-JP" sz="1600" dirty="0" err="1">
+              <a:t> </a:t>
+            </a:r>
+            <a:r>
+              <a:rPr lang="en-US" altLang="ja-JP" sz="1600" dirty="0" smtClean="0">
                 <a:solidFill>
                   <a:srgbClr val="000000"/>
                 </a:solidFill>
                 <a:latin typeface="ＭＳ ゴシック" pitchFamily="49" charset="-128"/>
                 <a:ea typeface="ＭＳ ゴシック" pitchFamily="49" charset="-128"/>
               </a:rPr>
+              <a:t> </a:t>
+            </a:r>
+            <a:r>
+              <a:rPr lang="en-US" altLang="ja-JP" sz="1600" dirty="0" smtClean="0">
+                <a:solidFill>
+                  <a:srgbClr val="000000"/>
+                </a:solidFill>
+                <a:latin typeface="ＭＳ ゴシック" pitchFamily="49" charset="-128"/>
+                <a:ea typeface="ＭＳ ゴシック" pitchFamily="49" charset="-128"/>
+              </a:rPr>
+              <a:t>for(</a:t>
+            </a:r>
+            <a:r>
+              <a:rPr lang="en-US" altLang="ja-JP" sz="1600" dirty="0" err="1" smtClean="0">
+                <a:solidFill>
+                  <a:srgbClr val="000000"/>
+                </a:solidFill>
+                <a:latin typeface="ＭＳ ゴシック" pitchFamily="49" charset="-128"/>
+                <a:ea typeface="ＭＳ ゴシック" pitchFamily="49" charset="-128"/>
+              </a:rPr>
+              <a:t>int</a:t>
+            </a:r>
+            <a:r>
+              <a:rPr lang="en-US" altLang="ja-JP" sz="1600" dirty="0" smtClean="0">
+                <a:solidFill>
+                  <a:srgbClr val="000000"/>
+                </a:solidFill>
+                <a:latin typeface="ＭＳ ゴシック" pitchFamily="49" charset="-128"/>
+                <a:ea typeface="ＭＳ ゴシック" pitchFamily="49" charset="-128"/>
+              </a:rPr>
+              <a:t> </a:t>
+            </a:r>
+            <a:r>
+              <a:rPr lang="en-US" altLang="ja-JP" sz="1600" dirty="0" err="1" smtClean="0">
+                <a:solidFill>
+                  <a:srgbClr val="000000"/>
+                </a:solidFill>
+                <a:latin typeface="ＭＳ ゴシック" pitchFamily="49" charset="-128"/>
+                <a:ea typeface="ＭＳ ゴシック" pitchFamily="49" charset="-128"/>
+              </a:rPr>
               <a:t>i</a:t>
             </a:r>
             <a:r>
+              <a:rPr lang="en-US" altLang="ja-JP" sz="1600" dirty="0" smtClean="0">
+                <a:solidFill>
+                  <a:srgbClr val="000000"/>
+                </a:solidFill>
+                <a:latin typeface="ＭＳ ゴシック" pitchFamily="49" charset="-128"/>
+                <a:ea typeface="ＭＳ ゴシック" pitchFamily="49" charset="-128"/>
+              </a:rPr>
+              <a:t>=0;i&lt;10;i</a:t>
+            </a:r>
+            <a:r>
               <a:rPr lang="en-US" altLang="ja-JP" sz="1600" dirty="0">
                 <a:solidFill>
                   <a:srgbClr val="000000"/>
@@ -27735,7 +27735,7 @@
                 <a:latin typeface="ＭＳ ゴシック" pitchFamily="49" charset="-128"/>
                 <a:ea typeface="ＭＳ ゴシック" pitchFamily="49" charset="-128"/>
               </a:rPr>
-              <a:t>=0;i&lt;10;i++)</a:t>
+              <a:t>++)</a:t>
             </a:r>
           </a:p>
           <a:p>
@@ -27797,19 +27797,59 @@
                 <a:latin typeface="ＭＳ ゴシック" pitchFamily="49" charset="-128"/>
                 <a:ea typeface="ＭＳ ゴシック" pitchFamily="49" charset="-128"/>
               </a:rPr>
-              <a:t>  for(</a:t>
-            </a:r>
-            <a:r>
-              <a:rPr lang="en-US" altLang="ja-JP" sz="1600" dirty="0" err="1">
+              <a:t>  </a:t>
+            </a:r>
+            <a:r>
+              <a:rPr lang="en-US" altLang="ja-JP" sz="1600" dirty="0" smtClean="0">
                 <a:solidFill>
                   <a:srgbClr val="000000"/>
                 </a:solidFill>
                 <a:latin typeface="ＭＳ ゴシック" pitchFamily="49" charset="-128"/>
                 <a:ea typeface="ＭＳ ゴシック" pitchFamily="49" charset="-128"/>
               </a:rPr>
+              <a:t>for(</a:t>
+            </a:r>
+            <a:r>
+              <a:rPr lang="en-US" altLang="ja-JP" sz="1600" dirty="0" err="1" smtClean="0">
+                <a:solidFill>
+                  <a:srgbClr val="000000"/>
+                </a:solidFill>
+                <a:latin typeface="ＭＳ ゴシック" pitchFamily="49" charset="-128"/>
+                <a:ea typeface="ＭＳ ゴシック" pitchFamily="49" charset="-128"/>
+              </a:rPr>
+              <a:t>int</a:t>
+            </a:r>
+            <a:r>
+              <a:rPr lang="en-US" altLang="ja-JP" sz="1600" dirty="0" smtClean="0">
+                <a:solidFill>
+                  <a:srgbClr val="000000"/>
+                </a:solidFill>
+                <a:latin typeface="ＭＳ ゴシック" pitchFamily="49" charset="-128"/>
+                <a:ea typeface="ＭＳ ゴシック" pitchFamily="49" charset="-128"/>
+              </a:rPr>
+              <a:t> </a:t>
+            </a:r>
+            <a:r>
+              <a:rPr lang="en-US" altLang="ja-JP" sz="1600" dirty="0" err="1" smtClean="0">
+                <a:solidFill>
+                  <a:srgbClr val="000000"/>
+                </a:solidFill>
+                <a:latin typeface="ＭＳ ゴシック" pitchFamily="49" charset="-128"/>
+                <a:ea typeface="ＭＳ ゴシック" pitchFamily="49" charset="-128"/>
+              </a:rPr>
               <a:t>i</a:t>
             </a:r>
             <a:r>
+              <a:rPr lang="en-US" altLang="ja-JP" sz="1600" dirty="0" smtClean="0">
+                <a:solidFill>
+                  <a:srgbClr val="000000"/>
+                </a:solidFill>
+                <a:latin typeface="ＭＳ ゴシック" pitchFamily="49" charset="-128"/>
+                <a:ea typeface="ＭＳ ゴシック" pitchFamily="49" charset="-128"/>
+              </a:rPr>
+              <a:t>=0;i&lt;10;i</a:t>
+            </a:r>
+            <a:r>
               <a:rPr lang="en-US" altLang="ja-JP" sz="1600" dirty="0">
                 <a:solidFill>
                   <a:srgbClr val="000000"/>
@@ -27817,7 +27857,7 @@
                 <a:latin typeface="ＭＳ ゴシック" pitchFamily="49" charset="-128"/>
                 <a:ea typeface="ＭＳ ゴシック" pitchFamily="49" charset="-128"/>
               </a:rPr>
-              <a:t>=0;i&lt;10;i++)</a:t>
+              <a:t>++)</a:t>
             </a:r>
           </a:p>
           <a:p>
@@ -28018,23 +28058,18 @@
               </a:rPr>
               <a:t>  integer :: a(10) </a:t>
             </a:r>
-          </a:p>
-          <a:p>
-            <a:pPr marL="109728" indent="0">
-              <a:buNone/>
-            </a:pPr>
-            <a:r>
-              <a:rPr lang="en-US" altLang="ja-JP" sz="1600" dirty="0">
+            <a:r>
+              <a:rPr lang="en-US" altLang="ja-JP" sz="1600" dirty="0" smtClean="0">
                 <a:solidFill>
                   <a:srgbClr val="000000"/>
                 </a:solidFill>
                 <a:latin typeface="ＭＳ ゴシック" pitchFamily="49" charset="-128"/>
                 <a:ea typeface="ＭＳ ゴシック" pitchFamily="49" charset="-128"/>
               </a:rPr>
-              <a:t>  integer :: </a:t>
-            </a:r>
-            <a:r>
-              <a:rPr lang="en-US" altLang="ja-JP" sz="1600" dirty="0" err="1">
+              <a:t>,</a:t>
+            </a:r>
+            <a:r>
+              <a:rPr lang="en-US" altLang="ja-JP" sz="1600" dirty="0" err="1" smtClean="0">
                 <a:solidFill>
                   <a:srgbClr val="000000"/>
                 </a:solidFill>
@@ -28479,7 +28514,7 @@
         <p:spPr>
           <a:xfrm>
             <a:off x="467544" y="2564904"/>
-            <a:ext cx="4536504" cy="4176464"/>
+            <a:ext cx="4680520" cy="4176464"/>
           </a:xfrm>
           <a:prstGeom prst="rect">
             <a:avLst/>
@@ -28565,17 +28600,7 @@
                 <a:latin typeface="ＭＳ ゴシック" pitchFamily="49" charset="-128"/>
                 <a:ea typeface="ＭＳ ゴシック" pitchFamily="49" charset="-128"/>
               </a:rPr>
-              <a:t>p[2</a:t>
-            </a:r>
-            <a:r>
-              <a:rPr lang="en-US" altLang="ja-JP" sz="1400" dirty="0" smtClean="0">
-                <a:solidFill>
-                  <a:srgbClr val="000090"/>
-                </a:solidFill>
-                <a:latin typeface="ＭＳ ゴシック" pitchFamily="49" charset="-128"/>
-                <a:ea typeface="ＭＳ ゴシック" pitchFamily="49" charset="-128"/>
-              </a:rPr>
-              <a:t>]</a:t>
+              <a:t>p[2]</a:t>
             </a:r>
             <a:endParaRPr lang="en-US" altLang="ja-JP" sz="1400" dirty="0">
               <a:solidFill>
@@ -28828,61 +28853,13 @@
               </a:rPr>
               <a:t> main(){ </a:t>
             </a:r>
-          </a:p>
-          <a:p>
-            <a:pPr marL="109728" indent="0">
-              <a:buNone/>
-            </a:pPr>
-            <a:r>
-              <a:rPr lang="en-US" altLang="ja-JP" sz="1400" dirty="0">
-                <a:solidFill>
-                  <a:srgbClr val="000000"/>
-                </a:solidFill>
-                <a:latin typeface="ＭＳ ゴシック" pitchFamily="49" charset="-128"/>
-                <a:ea typeface="ＭＳ ゴシック" pitchFamily="49" charset="-128"/>
-              </a:rPr>
-              <a:t>  </a:t>
-            </a:r>
-            <a:r>
-              <a:rPr lang="en-US" altLang="ja-JP" sz="1400" dirty="0" err="1">
-                <a:solidFill>
-                  <a:srgbClr val="000000"/>
-                </a:solidFill>
-                <a:latin typeface="ＭＳ ゴシック" pitchFamily="49" charset="-128"/>
-                <a:ea typeface="ＭＳ ゴシック" pitchFamily="49" charset="-128"/>
-              </a:rPr>
-              <a:t>int</a:t>
-            </a:r>
-            <a:r>
-              <a:rPr lang="en-US" altLang="ja-JP" sz="1400" dirty="0">
-                <a:solidFill>
-                  <a:srgbClr val="000000"/>
-                </a:solidFill>
-                <a:latin typeface="ＭＳ ゴシック" pitchFamily="49" charset="-128"/>
-                <a:ea typeface="ＭＳ ゴシック" pitchFamily="49" charset="-128"/>
-              </a:rPr>
-              <a:t> </a:t>
-            </a:r>
-            <a:r>
-              <a:rPr lang="en-US" altLang="ja-JP" sz="1400" dirty="0" err="1">
-                <a:solidFill>
-                  <a:srgbClr val="000000"/>
-                </a:solidFill>
-                <a:latin typeface="ＭＳ ゴシック" pitchFamily="49" charset="-128"/>
-                <a:ea typeface="ＭＳ ゴシック" pitchFamily="49" charset="-128"/>
-              </a:rPr>
-              <a:t>i</a:t>
-            </a:r>
-            <a:r>
-              <a:rPr lang="en-US" altLang="ja-JP" sz="1400" dirty="0" smtClean="0">
-                <a:solidFill>
-                  <a:srgbClr val="000000"/>
-                </a:solidFill>
-                <a:latin typeface="ＭＳ ゴシック" pitchFamily="49" charset="-128"/>
-                <a:ea typeface="ＭＳ ゴシック" pitchFamily="49" charset="-128"/>
-              </a:rPr>
-              <a:t>;</a:t>
-            </a:r>
+            <a:endParaRPr lang="en-US" altLang="ja-JP" sz="1400" dirty="0" smtClean="0">
+              <a:solidFill>
+                <a:srgbClr val="000000"/>
+              </a:solidFill>
+              <a:latin typeface="ＭＳ ゴシック" pitchFamily="49" charset="-128"/>
+              <a:ea typeface="ＭＳ ゴシック" pitchFamily="49" charset="-128"/>
+            </a:endParaRPr>
           </a:p>
           <a:p>
             <a:pPr marL="109728" indent="0">
@@ -28954,6 +28931,56 @@
               <a:t>  </a:t>
             </a:r>
             <a:r>
+              <a:rPr lang="en-US" altLang="ja-JP" sz="1400" dirty="0" smtClean="0">
+                <a:solidFill>
+                  <a:srgbClr val="000000"/>
+                </a:solidFill>
+                <a:latin typeface="ＭＳ ゴシック" pitchFamily="49" charset="-128"/>
+                <a:ea typeface="ＭＳ ゴシック" pitchFamily="49" charset="-128"/>
+              </a:rPr>
+              <a:t>for(</a:t>
+            </a:r>
+            <a:r>
+              <a:rPr lang="en-US" altLang="ja-JP" sz="1400" dirty="0" err="1" smtClean="0">
+                <a:solidFill>
+                  <a:srgbClr val="000000"/>
+                </a:solidFill>
+                <a:latin typeface="ＭＳ ゴシック" pitchFamily="49" charset="-128"/>
+                <a:ea typeface="ＭＳ ゴシック" pitchFamily="49" charset="-128"/>
+              </a:rPr>
+              <a:t>int</a:t>
+            </a:r>
+            <a:r>
+              <a:rPr lang="en-US" altLang="ja-JP" sz="1400" dirty="0" smtClean="0">
+                <a:solidFill>
+                  <a:srgbClr val="000000"/>
+                </a:solidFill>
+                <a:latin typeface="ＭＳ ゴシック" pitchFamily="49" charset="-128"/>
+                <a:ea typeface="ＭＳ ゴシック" pitchFamily="49" charset="-128"/>
+              </a:rPr>
+              <a:t> </a:t>
+            </a:r>
+            <a:r>
+              <a:rPr lang="en-US" altLang="ja-JP" sz="1400" dirty="0" err="1" smtClean="0">
+                <a:solidFill>
+                  <a:srgbClr val="000000"/>
+                </a:solidFill>
+                <a:latin typeface="ＭＳ ゴシック" pitchFamily="49" charset="-128"/>
+                <a:ea typeface="ＭＳ ゴシック" pitchFamily="49" charset="-128"/>
+              </a:rPr>
+              <a:t>i</a:t>
+            </a:r>
+            <a:r>
+              <a:rPr lang="en-US" altLang="ja-JP" sz="1400" dirty="0" smtClean="0">
+                <a:solidFill>
+                  <a:srgbClr val="000000"/>
+                </a:solidFill>
+                <a:latin typeface="ＭＳ ゴシック" pitchFamily="49" charset="-128"/>
+                <a:ea typeface="ＭＳ ゴシック" pitchFamily="49" charset="-128"/>
+              </a:rPr>
+              <a:t>=0;i&lt;10;i</a:t>
+            </a:r>
+            <a:r>
               <a:rPr lang="en-US" altLang="ja-JP" sz="1400" dirty="0">
                 <a:solidFill>
                   <a:srgbClr val="000000"/>
@@ -28961,27 +28988,7 @@
                 <a:latin typeface="ＭＳ ゴシック" pitchFamily="49" charset="-128"/>
                 <a:ea typeface="ＭＳ ゴシック" pitchFamily="49" charset="-128"/>
               </a:rPr>
-              <a:t>for(</a:t>
-            </a:r>
-            <a:r>
-              <a:rPr lang="en-US" altLang="ja-JP" sz="1400" dirty="0" err="1">
-                <a:solidFill>
-                  <a:srgbClr val="000000"/>
-                </a:solidFill>
-                <a:latin typeface="ＭＳ ゴシック" pitchFamily="49" charset="-128"/>
-                <a:ea typeface="ＭＳ ゴシック" pitchFamily="49" charset="-128"/>
-              </a:rPr>
-              <a:t>i</a:t>
-            </a:r>
-            <a:r>
-              <a:rPr lang="en-US" altLang="ja-JP" sz="1400" dirty="0">
-                <a:solidFill>
-                  <a:srgbClr val="000000"/>
-                </a:solidFill>
-                <a:latin typeface="ＭＳ ゴシック" pitchFamily="49" charset="-128"/>
-                <a:ea typeface="ＭＳ ゴシック" pitchFamily="49" charset="-128"/>
-              </a:rPr>
-              <a:t>=0;i&lt;10;i++)</a:t>
+              <a:t>++)</a:t>
             </a:r>
           </a:p>
           <a:p>
@@ -29098,6 +29105,56 @@
               <a:t>  </a:t>
             </a:r>
             <a:r>
+              <a:rPr lang="en-US" altLang="ja-JP" sz="1400" dirty="0" smtClean="0">
+                <a:solidFill>
+                  <a:srgbClr val="000000"/>
+                </a:solidFill>
+                <a:latin typeface="ＭＳ ゴシック" pitchFamily="49" charset="-128"/>
+                <a:ea typeface="ＭＳ ゴシック" pitchFamily="49" charset="-128"/>
+              </a:rPr>
+              <a:t>for(</a:t>
+            </a:r>
+            <a:r>
+              <a:rPr lang="en-US" altLang="ja-JP" sz="1400" dirty="0" err="1" smtClean="0">
+                <a:solidFill>
+                  <a:srgbClr val="000000"/>
+                </a:solidFill>
+                <a:latin typeface="ＭＳ ゴシック" pitchFamily="49" charset="-128"/>
+                <a:ea typeface="ＭＳ ゴシック" pitchFamily="49" charset="-128"/>
+              </a:rPr>
+              <a:t>int</a:t>
+            </a:r>
+            <a:r>
+              <a:rPr lang="en-US" altLang="ja-JP" sz="1400" dirty="0" smtClean="0">
+                <a:solidFill>
+                  <a:srgbClr val="000000"/>
+                </a:solidFill>
+                <a:latin typeface="ＭＳ ゴシック" pitchFamily="49" charset="-128"/>
+                <a:ea typeface="ＭＳ ゴシック" pitchFamily="49" charset="-128"/>
+              </a:rPr>
+              <a:t> </a:t>
+            </a:r>
+            <a:r>
+              <a:rPr lang="en-US" altLang="ja-JP" sz="1400" dirty="0" err="1" smtClean="0">
+                <a:solidFill>
+                  <a:srgbClr val="000000"/>
+                </a:solidFill>
+                <a:latin typeface="ＭＳ ゴシック" pitchFamily="49" charset="-128"/>
+                <a:ea typeface="ＭＳ ゴシック" pitchFamily="49" charset="-128"/>
+              </a:rPr>
+              <a:t>i</a:t>
+            </a:r>
+            <a:r>
+              <a:rPr lang="en-US" altLang="ja-JP" sz="1400" dirty="0" smtClean="0">
+                <a:solidFill>
+                  <a:srgbClr val="000000"/>
+                </a:solidFill>
+                <a:latin typeface="ＭＳ ゴシック" pitchFamily="49" charset="-128"/>
+                <a:ea typeface="ＭＳ ゴシック" pitchFamily="49" charset="-128"/>
+              </a:rPr>
+              <a:t>=0;i&lt;10;i</a:t>
+            </a:r>
+            <a:r>
               <a:rPr lang="en-US" altLang="ja-JP" sz="1400" dirty="0">
                 <a:solidFill>
                   <a:srgbClr val="000000"/>
@@ -29105,27 +29162,7 @@
                 <a:latin typeface="ＭＳ ゴシック" pitchFamily="49" charset="-128"/>
                 <a:ea typeface="ＭＳ ゴシック" pitchFamily="49" charset="-128"/>
               </a:rPr>
-              <a:t>for(</a:t>
-            </a:r>
-            <a:r>
-              <a:rPr lang="en-US" altLang="ja-JP" sz="1400" dirty="0" err="1">
-                <a:solidFill>
-                  <a:srgbClr val="000000"/>
-                </a:solidFill>
-                <a:latin typeface="ＭＳ ゴシック" pitchFamily="49" charset="-128"/>
-                <a:ea typeface="ＭＳ ゴシック" pitchFamily="49" charset="-128"/>
-              </a:rPr>
-              <a:t>i</a:t>
-            </a:r>
-            <a:r>
-              <a:rPr lang="en-US" altLang="ja-JP" sz="1400" dirty="0">
-                <a:solidFill>
-                  <a:srgbClr val="000000"/>
-                </a:solidFill>
-                <a:latin typeface="ＭＳ ゴシック" pitchFamily="49" charset="-128"/>
-                <a:ea typeface="ＭＳ ゴシック" pitchFamily="49" charset="-128"/>
-              </a:rPr>
-              <a:t>=0;i&lt;10;i++)</a:t>
+              <a:t>++)</a:t>
             </a:r>
           </a:p>
           <a:p>
@@ -29180,7 +29217,7 @@
                 <a:latin typeface="ＭＳ ゴシック" pitchFamily="49" charset="-128"/>
                 <a:ea typeface="ＭＳ ゴシック" pitchFamily="49" charset="-128"/>
               </a:rPr>
-              <a:t>xmp_node_num</a:t>
+              <a:t>xmpc_node_num</a:t>
             </a:r>
             <a:r>
               <a:rPr lang="en-US" altLang="ja-JP" sz="1400" dirty="0" smtClean="0">
@@ -29503,46 +29540,8 @@
                 <a:latin typeface="ＭＳ ゴシック" pitchFamily="49" charset="-128"/>
                 <a:ea typeface="ＭＳ ゴシック" pitchFamily="49" charset="-128"/>
               </a:rPr>
-              <a:t>integer :: a(10) </a:t>
-            </a:r>
-          </a:p>
-          <a:p>
-            <a:pPr marL="109728"/>
-            <a:r>
-              <a:rPr lang="en-US" altLang="ja-JP" sz="1400" dirty="0">
-                <a:solidFill>
-                  <a:srgbClr val="FF6600"/>
-                </a:solidFill>
-                <a:latin typeface="ＭＳ ゴシック" pitchFamily="49" charset="-128"/>
-                <a:ea typeface="ＭＳ ゴシック" pitchFamily="49" charset="-128"/>
-              </a:rPr>
-              <a:t>[align</a:t>
-            </a:r>
-            <a:r>
-              <a:rPr lang="ja-JP" altLang="en-US" sz="1400" dirty="0">
-                <a:solidFill>
-                  <a:srgbClr val="FF6600"/>
-                </a:solidFill>
-                <a:latin typeface="ＭＳ ゴシック" pitchFamily="49" charset="-128"/>
-                <a:ea typeface="ＭＳ ゴシック" pitchFamily="49" charset="-128"/>
-              </a:rPr>
-              <a:t>指示文</a:t>
-            </a:r>
-            <a:r>
-              <a:rPr lang="en-US" altLang="ja-JP" sz="1400" dirty="0">
-                <a:solidFill>
-                  <a:srgbClr val="FF6600"/>
-                </a:solidFill>
-                <a:latin typeface="ＭＳ ゴシック" pitchFamily="49" charset="-128"/>
-                <a:ea typeface="ＭＳ ゴシック" pitchFamily="49" charset="-128"/>
-              </a:rPr>
-              <a:t>]</a:t>
-            </a:r>
-          </a:p>
-          <a:p>
-            <a:pPr marL="109728" indent="0">
-              <a:buNone/>
-            </a:pPr>
+              <a:t>integer :: a(10</a:t>
+            </a:r>
             <a:r>
               <a:rPr lang="en-US" altLang="ja-JP" sz="1400" dirty="0" smtClean="0">
                 <a:solidFill>
@@ -29551,35 +29550,240 @@
                 <a:latin typeface="ＭＳ ゴシック" pitchFamily="49" charset="-128"/>
                 <a:ea typeface="ＭＳ ゴシック" pitchFamily="49" charset="-128"/>
               </a:rPr>
-              <a:t>  </a:t>
-            </a:r>
-            <a:r>
-              <a:rPr lang="en-US" altLang="ja-JP" sz="1400" dirty="0">
+              <a:t>), </a:t>
+            </a:r>
+            <a:r>
+              <a:rPr lang="en-US" altLang="ja-JP" sz="1400" dirty="0" err="1" smtClean="0">
                 <a:solidFill>
                   <a:srgbClr val="000000"/>
                 </a:solidFill>
                 <a:latin typeface="ＭＳ ゴシック" pitchFamily="49" charset="-128"/>
                 <a:ea typeface="ＭＳ ゴシック" pitchFamily="49" charset="-128"/>
               </a:rPr>
-              <a:t>integer :: </a:t>
-            </a:r>
-            <a:r>
-              <a:rPr lang="en-US" altLang="ja-JP" sz="1400" dirty="0" err="1" smtClean="0">
+              <a:t>i</a:t>
+            </a:r>
+            <a:r>
+              <a:rPr lang="en-US" altLang="ja-JP" sz="1400" dirty="0" smtClean="0">
                 <a:solidFill>
                   <a:srgbClr val="000000"/>
                 </a:solidFill>
                 <a:latin typeface="ＭＳ ゴシック" pitchFamily="49" charset="-128"/>
                 <a:ea typeface="ＭＳ ゴシック" pitchFamily="49" charset="-128"/>
               </a:rPr>
-              <a:t>i</a:t>
-            </a:r>
-            <a:endParaRPr lang="en-US" altLang="ja-JP" sz="1400" dirty="0" smtClean="0">
+              <a:t> </a:t>
+            </a:r>
+            <a:endParaRPr lang="en-US" altLang="ja-JP" sz="1400" dirty="0">
               <a:solidFill>
                 <a:srgbClr val="000000"/>
               </a:solidFill>
               <a:latin typeface="ＭＳ ゴシック" pitchFamily="49" charset="-128"/>
               <a:ea typeface="ＭＳ ゴシック" pitchFamily="49" charset="-128"/>
             </a:endParaRPr>
+          </a:p>
+          <a:p>
+            <a:pPr marL="109728"/>
+            <a:r>
+              <a:rPr lang="en-US" altLang="ja-JP" sz="1400" dirty="0">
+                <a:solidFill>
+                  <a:srgbClr val="FF6600"/>
+                </a:solidFill>
+                <a:latin typeface="ＭＳ ゴシック" pitchFamily="49" charset="-128"/>
+                <a:ea typeface="ＭＳ ゴシック" pitchFamily="49" charset="-128"/>
+              </a:rPr>
+              <a:t>[align</a:t>
+            </a:r>
+            <a:r>
+              <a:rPr lang="ja-JP" altLang="en-US" sz="1400" dirty="0">
+                <a:solidFill>
+                  <a:srgbClr val="FF6600"/>
+                </a:solidFill>
+                <a:latin typeface="ＭＳ ゴシック" pitchFamily="49" charset="-128"/>
+                <a:ea typeface="ＭＳ ゴシック" pitchFamily="49" charset="-128"/>
+              </a:rPr>
+              <a:t>指示</a:t>
+            </a:r>
+            <a:r>
+              <a:rPr lang="ja-JP" altLang="en-US" sz="1400">
+                <a:solidFill>
+                  <a:srgbClr val="FF6600"/>
+                </a:solidFill>
+                <a:latin typeface="ＭＳ ゴシック" pitchFamily="49" charset="-128"/>
+                <a:ea typeface="ＭＳ ゴシック" pitchFamily="49" charset="-128"/>
+              </a:rPr>
+              <a:t>文</a:t>
+            </a:r>
+            <a:r>
+              <a:rPr lang="en-US" altLang="ja-JP" sz="1400" smtClean="0">
+                <a:solidFill>
+                  <a:srgbClr val="FF6600"/>
+                </a:solidFill>
+                <a:latin typeface="ＭＳ ゴシック" pitchFamily="49" charset="-128"/>
+                <a:ea typeface="ＭＳ ゴシック" pitchFamily="49" charset="-128"/>
+              </a:rPr>
+              <a:t>]</a:t>
+            </a:r>
+          </a:p>
+          <a:p>
+            <a:pPr marL="109728"/>
+            <a:endParaRPr lang="en-US" altLang="ja-JP" sz="1400" dirty="0">
+              <a:solidFill>
+                <a:srgbClr val="000000"/>
+              </a:solidFill>
+              <a:latin typeface="ＭＳ ゴシック" pitchFamily="49" charset="-128"/>
+              <a:ea typeface="ＭＳ ゴシック" pitchFamily="49" charset="-128"/>
+            </a:endParaRPr>
+          </a:p>
+          <a:p>
+            <a:pPr marL="109728"/>
+            <a:r>
+              <a:rPr lang="en-US" altLang="ja-JP" sz="1400" dirty="0">
+                <a:solidFill>
+                  <a:srgbClr val="008000"/>
+                </a:solidFill>
+                <a:latin typeface="ＭＳ ゴシック" pitchFamily="49" charset="-128"/>
+                <a:ea typeface="ＭＳ ゴシック" pitchFamily="49" charset="-128"/>
+              </a:rPr>
+              <a:t>[loop</a:t>
+            </a:r>
+            <a:r>
+              <a:rPr lang="ja-JP" altLang="en-US" sz="1400" dirty="0">
+                <a:solidFill>
+                  <a:srgbClr val="008000"/>
+                </a:solidFill>
+                <a:latin typeface="ＭＳ ゴシック" pitchFamily="49" charset="-128"/>
+                <a:ea typeface="ＭＳ ゴシック" pitchFamily="49" charset="-128"/>
+              </a:rPr>
+              <a:t>指示文</a:t>
+            </a:r>
+            <a:r>
+              <a:rPr lang="en-US" altLang="ja-JP" sz="1400" dirty="0" smtClean="0">
+                <a:solidFill>
+                  <a:srgbClr val="008000"/>
+                </a:solidFill>
+                <a:latin typeface="ＭＳ ゴシック" pitchFamily="49" charset="-128"/>
+                <a:ea typeface="ＭＳ ゴシック" pitchFamily="49" charset="-128"/>
+              </a:rPr>
+              <a:t>]</a:t>
+            </a:r>
+            <a:endParaRPr lang="en-US" altLang="ja-JP" sz="1400" dirty="0">
+              <a:solidFill>
+                <a:srgbClr val="000000"/>
+              </a:solidFill>
+              <a:latin typeface="ＭＳ ゴシック" pitchFamily="49" charset="-128"/>
+              <a:ea typeface="ＭＳ ゴシック" pitchFamily="49" charset="-128"/>
+            </a:endParaRPr>
+          </a:p>
+          <a:p>
+            <a:pPr marL="109728" indent="0">
+              <a:buNone/>
+            </a:pPr>
+            <a:r>
+              <a:rPr lang="en-US" altLang="ja-JP" sz="1400" dirty="0">
+                <a:solidFill>
+                  <a:srgbClr val="000000"/>
+                </a:solidFill>
+                <a:latin typeface="ＭＳ ゴシック" pitchFamily="49" charset="-128"/>
+                <a:ea typeface="ＭＳ ゴシック" pitchFamily="49" charset="-128"/>
+              </a:rPr>
+              <a:t>  do </a:t>
+            </a:r>
+            <a:r>
+              <a:rPr lang="en-US" altLang="ja-JP" sz="1400" dirty="0" err="1">
+                <a:solidFill>
+                  <a:srgbClr val="000000"/>
+                </a:solidFill>
+                <a:latin typeface="ＭＳ ゴシック" pitchFamily="49" charset="-128"/>
+                <a:ea typeface="ＭＳ ゴシック" pitchFamily="49" charset="-128"/>
+              </a:rPr>
+              <a:t>i</a:t>
+            </a:r>
+            <a:r>
+              <a:rPr lang="en-US" altLang="ja-JP" sz="1400" dirty="0">
+                <a:solidFill>
+                  <a:srgbClr val="000000"/>
+                </a:solidFill>
+                <a:latin typeface="ＭＳ ゴシック" pitchFamily="49" charset="-128"/>
+                <a:ea typeface="ＭＳ ゴシック" pitchFamily="49" charset="-128"/>
+              </a:rPr>
+              <a:t>=1,10</a:t>
+            </a:r>
+          </a:p>
+          <a:p>
+            <a:pPr marL="109728" indent="0">
+              <a:buNone/>
+            </a:pPr>
+            <a:r>
+              <a:rPr lang="en-US" altLang="ja-JP" sz="1400" dirty="0">
+                <a:solidFill>
+                  <a:srgbClr val="000000"/>
+                </a:solidFill>
+                <a:latin typeface="ＭＳ ゴシック" pitchFamily="49" charset="-128"/>
+                <a:ea typeface="ＭＳ ゴシック" pitchFamily="49" charset="-128"/>
+              </a:rPr>
+              <a:t>    a(</a:t>
+            </a:r>
+            <a:r>
+              <a:rPr lang="en-US" altLang="ja-JP" sz="1400" dirty="0" err="1">
+                <a:solidFill>
+                  <a:srgbClr val="000000"/>
+                </a:solidFill>
+                <a:latin typeface="ＭＳ ゴシック" pitchFamily="49" charset="-128"/>
+                <a:ea typeface="ＭＳ ゴシック" pitchFamily="49" charset="-128"/>
+              </a:rPr>
+              <a:t>i</a:t>
+            </a:r>
+            <a:r>
+              <a:rPr lang="en-US" altLang="ja-JP" sz="1400" dirty="0">
+                <a:solidFill>
+                  <a:srgbClr val="000000"/>
+                </a:solidFill>
+                <a:latin typeface="ＭＳ ゴシック" pitchFamily="49" charset="-128"/>
+                <a:ea typeface="ＭＳ ゴシック" pitchFamily="49" charset="-128"/>
+              </a:rPr>
+              <a:t>)=</a:t>
+            </a:r>
+            <a:r>
+              <a:rPr lang="en-US" altLang="ja-JP" sz="1400" dirty="0" err="1">
+                <a:solidFill>
+                  <a:srgbClr val="000000"/>
+                </a:solidFill>
+                <a:latin typeface="ＭＳ ゴシック" pitchFamily="49" charset="-128"/>
+                <a:ea typeface="ＭＳ ゴシック" pitchFamily="49" charset="-128"/>
+              </a:rPr>
+              <a:t>i</a:t>
+            </a:r>
+            <a:endParaRPr lang="en-US" altLang="ja-JP" sz="1400" dirty="0">
+              <a:solidFill>
+                <a:srgbClr val="000000"/>
+              </a:solidFill>
+              <a:latin typeface="ＭＳ ゴシック" pitchFamily="49" charset="-128"/>
+              <a:ea typeface="ＭＳ ゴシック" pitchFamily="49" charset="-128"/>
+            </a:endParaRPr>
+          </a:p>
+          <a:p>
+            <a:pPr marL="109728" indent="0">
+              <a:buNone/>
+            </a:pPr>
+            <a:r>
+              <a:rPr lang="en-US" altLang="ja-JP" sz="1400" dirty="0">
+                <a:solidFill>
+                  <a:srgbClr val="000000"/>
+                </a:solidFill>
+                <a:latin typeface="ＭＳ ゴシック" pitchFamily="49" charset="-128"/>
+                <a:ea typeface="ＭＳ ゴシック" pitchFamily="49" charset="-128"/>
+              </a:rPr>
+              <a:t>  end </a:t>
+            </a:r>
+            <a:r>
+              <a:rPr lang="en-US" altLang="ja-JP" sz="1400" dirty="0" smtClean="0">
+                <a:solidFill>
+                  <a:srgbClr val="000000"/>
+                </a:solidFill>
+                <a:latin typeface="ＭＳ ゴシック" pitchFamily="49" charset="-128"/>
+                <a:ea typeface="ＭＳ ゴシック" pitchFamily="49" charset="-128"/>
+              </a:rPr>
+              <a:t>do</a:t>
+            </a:r>
           </a:p>
           <a:p>
             <a:pPr marL="109728" indent="0">
@@ -29680,191 +29884,27 @@
                 <a:latin typeface="ＭＳ ゴシック" pitchFamily="49" charset="-128"/>
                 <a:ea typeface="ＭＳ ゴシック" pitchFamily="49" charset="-128"/>
               </a:rPr>
-              <a:t>    a(</a:t>
-            </a:r>
-            <a:r>
-              <a:rPr lang="en-US" altLang="ja-JP" sz="1400" dirty="0" err="1">
+              <a:t>    print *, </a:t>
+            </a:r>
+            <a:r>
+              <a:rPr lang="en-US" altLang="ja-JP" sz="1400" dirty="0" err="1" smtClean="0">
                 <a:solidFill>
                   <a:srgbClr val="000000"/>
                 </a:solidFill>
                 <a:latin typeface="ＭＳ ゴシック" pitchFamily="49" charset="-128"/>
                 <a:ea typeface="ＭＳ ゴシック" pitchFamily="49" charset="-128"/>
               </a:rPr>
-              <a:t>i</a:t>
-            </a:r>
-            <a:r>
-              <a:rPr lang="en-US" altLang="ja-JP" sz="1400" dirty="0">
+              <a:t>xmp_node_num</a:t>
+            </a:r>
+            <a:r>
+              <a:rPr lang="en-US" altLang="ja-JP" sz="1400" dirty="0" smtClean="0">
                 <a:solidFill>
                   <a:srgbClr val="000000"/>
                 </a:solidFill>
                 <a:latin typeface="ＭＳ ゴシック" pitchFamily="49" charset="-128"/>
                 <a:ea typeface="ＭＳ ゴシック" pitchFamily="49" charset="-128"/>
               </a:rPr>
-              <a:t>)=</a:t>
-            </a:r>
-            <a:r>
-              <a:rPr lang="en-US" altLang="ja-JP" sz="1400" dirty="0" err="1">
-                <a:solidFill>
-                  <a:srgbClr val="000000"/>
-                </a:solidFill>
-                <a:latin typeface="ＭＳ ゴシック" pitchFamily="49" charset="-128"/>
-                <a:ea typeface="ＭＳ ゴシック" pitchFamily="49" charset="-128"/>
-              </a:rPr>
-              <a:t>i</a:t>
-            </a:r>
-            <a:endParaRPr lang="en-US" altLang="ja-JP" sz="1400" dirty="0">
-              <a:solidFill>
-                <a:srgbClr val="000000"/>
-              </a:solidFill>
-              <a:latin typeface="ＭＳ ゴシック" pitchFamily="49" charset="-128"/>
-              <a:ea typeface="ＭＳ ゴシック" pitchFamily="49" charset="-128"/>
-            </a:endParaRPr>
-          </a:p>
-          <a:p>
-            <a:pPr marL="109728" indent="0">
-              <a:buNone/>
-            </a:pPr>
-            <a:r>
-              <a:rPr lang="en-US" altLang="ja-JP" sz="1400" dirty="0">
-                <a:solidFill>
-                  <a:srgbClr val="000000"/>
-                </a:solidFill>
-                <a:latin typeface="ＭＳ ゴシック" pitchFamily="49" charset="-128"/>
-                <a:ea typeface="ＭＳ ゴシック" pitchFamily="49" charset="-128"/>
-              </a:rPr>
-              <a:t>  end </a:t>
-            </a:r>
-            <a:r>
-              <a:rPr lang="en-US" altLang="ja-JP" sz="1400" dirty="0" smtClean="0">
-                <a:solidFill>
-                  <a:srgbClr val="000000"/>
-                </a:solidFill>
-                <a:latin typeface="ＭＳ ゴシック" pitchFamily="49" charset="-128"/>
-                <a:ea typeface="ＭＳ ゴシック" pitchFamily="49" charset="-128"/>
-              </a:rPr>
-              <a:t>do</a:t>
-            </a:r>
-          </a:p>
-          <a:p>
-            <a:pPr marL="109728" indent="0">
-              <a:buNone/>
-            </a:pPr>
-            <a:endParaRPr lang="en-US" altLang="ja-JP" sz="1400" dirty="0">
-              <a:solidFill>
-                <a:srgbClr val="000000"/>
-              </a:solidFill>
-              <a:latin typeface="ＭＳ ゴシック" pitchFamily="49" charset="-128"/>
-              <a:ea typeface="ＭＳ ゴシック" pitchFamily="49" charset="-128"/>
-            </a:endParaRPr>
-          </a:p>
-          <a:p>
-            <a:pPr marL="109728"/>
-            <a:r>
-              <a:rPr lang="en-US" altLang="ja-JP" sz="1400" dirty="0">
-                <a:solidFill>
-                  <a:srgbClr val="008000"/>
-                </a:solidFill>
-                <a:latin typeface="ＭＳ ゴシック" pitchFamily="49" charset="-128"/>
-                <a:ea typeface="ＭＳ ゴシック" pitchFamily="49" charset="-128"/>
-              </a:rPr>
-              <a:t>[loop</a:t>
-            </a:r>
-            <a:r>
-              <a:rPr lang="ja-JP" altLang="en-US" sz="1400" dirty="0">
-                <a:solidFill>
-                  <a:srgbClr val="008000"/>
-                </a:solidFill>
-                <a:latin typeface="ＭＳ ゴシック" pitchFamily="49" charset="-128"/>
-                <a:ea typeface="ＭＳ ゴシック" pitchFamily="49" charset="-128"/>
-              </a:rPr>
-              <a:t>指示文</a:t>
-            </a:r>
-            <a:r>
-              <a:rPr lang="en-US" altLang="ja-JP" sz="1400" dirty="0" smtClean="0">
-                <a:solidFill>
-                  <a:srgbClr val="008000"/>
-                </a:solidFill>
-                <a:latin typeface="ＭＳ ゴシック" pitchFamily="49" charset="-128"/>
-                <a:ea typeface="ＭＳ ゴシック" pitchFamily="49" charset="-128"/>
-              </a:rPr>
-              <a:t>]</a:t>
-            </a:r>
-            <a:endParaRPr lang="en-US" altLang="ja-JP" sz="1400" dirty="0">
-              <a:solidFill>
-                <a:srgbClr val="000000"/>
-              </a:solidFill>
-              <a:latin typeface="ＭＳ ゴシック" pitchFamily="49" charset="-128"/>
-              <a:ea typeface="ＭＳ ゴシック" pitchFamily="49" charset="-128"/>
-            </a:endParaRPr>
-          </a:p>
-          <a:p>
-            <a:pPr marL="109728" indent="0">
-              <a:buNone/>
-            </a:pPr>
-            <a:r>
-              <a:rPr lang="en-US" altLang="ja-JP" sz="1400" dirty="0">
-                <a:solidFill>
-                  <a:srgbClr val="000000"/>
-                </a:solidFill>
-                <a:latin typeface="ＭＳ ゴシック" pitchFamily="49" charset="-128"/>
-                <a:ea typeface="ＭＳ ゴシック" pitchFamily="49" charset="-128"/>
-              </a:rPr>
-              <a:t>  do </a:t>
-            </a:r>
-            <a:r>
-              <a:rPr lang="en-US" altLang="ja-JP" sz="1400" dirty="0" err="1">
-                <a:solidFill>
-                  <a:srgbClr val="000000"/>
-                </a:solidFill>
-                <a:latin typeface="ＭＳ ゴシック" pitchFamily="49" charset="-128"/>
-                <a:ea typeface="ＭＳ ゴシック" pitchFamily="49" charset="-128"/>
-              </a:rPr>
-              <a:t>i</a:t>
-            </a:r>
-            <a:r>
-              <a:rPr lang="en-US" altLang="ja-JP" sz="1400" dirty="0">
-                <a:solidFill>
-                  <a:srgbClr val="000000"/>
-                </a:solidFill>
-                <a:latin typeface="ＭＳ ゴシック" pitchFamily="49" charset="-128"/>
-                <a:ea typeface="ＭＳ ゴシック" pitchFamily="49" charset="-128"/>
-              </a:rPr>
-              <a:t>=1,10</a:t>
-            </a:r>
-          </a:p>
-          <a:p>
-            <a:pPr marL="109728" indent="0">
-              <a:buNone/>
-            </a:pPr>
-            <a:r>
-              <a:rPr lang="en-US" altLang="ja-JP" sz="1400" dirty="0">
-                <a:solidFill>
-                  <a:srgbClr val="000000"/>
-                </a:solidFill>
-                <a:latin typeface="ＭＳ ゴシック" pitchFamily="49" charset="-128"/>
-                <a:ea typeface="ＭＳ ゴシック" pitchFamily="49" charset="-128"/>
-              </a:rPr>
-              <a:t>    print *</a:t>
-            </a:r>
-            <a:r>
-              <a:rPr lang="en-US" altLang="ja-JP" sz="1400">
-                <a:solidFill>
-                  <a:srgbClr val="000000"/>
-                </a:solidFill>
-                <a:latin typeface="ＭＳ ゴシック" pitchFamily="49" charset="-128"/>
-                <a:ea typeface="ＭＳ ゴシック" pitchFamily="49" charset="-128"/>
-              </a:rPr>
-              <a:t>, </a:t>
-            </a:r>
-            <a:r>
-              <a:rPr lang="en-US" altLang="ja-JP" sz="1400" smtClean="0">
-                <a:solidFill>
-                  <a:srgbClr val="000000"/>
-                </a:solidFill>
-                <a:latin typeface="ＭＳ ゴシック" pitchFamily="49" charset="-128"/>
-                <a:ea typeface="ＭＳ ゴシック" pitchFamily="49" charset="-128"/>
-              </a:rPr>
-              <a:t>xmp_node_num(), a</a:t>
+              <a:t>(), a</a:t>
             </a:r>
             <a:r>
               <a:rPr lang="en-US" altLang="ja-JP" sz="1400" dirty="0">
